--- a/Lesson3 Intent/Android Lesson 3.pptx
+++ b/Lesson3 Intent/Android Lesson 3.pptx
@@ -5,7 +5,7 @@
     <p:sldMasterId id="2147483648" r:id="rId1"/>
   </p:sldMasterIdLst>
   <p:notesMasterIdLst>
-    <p:notesMasterId r:id="rId14"/>
+    <p:notesMasterId r:id="rId17"/>
   </p:notesMasterIdLst>
   <p:sldIdLst>
     <p:sldId id="256" r:id="rId2"/>
@@ -18,8 +18,11 @@
     <p:sldId id="297" r:id="rId9"/>
     <p:sldId id="298" r:id="rId10"/>
     <p:sldId id="299" r:id="rId11"/>
-    <p:sldId id="289" r:id="rId12"/>
-    <p:sldId id="300" r:id="rId13"/>
+    <p:sldId id="300" r:id="rId12"/>
+    <p:sldId id="301" r:id="rId13"/>
+    <p:sldId id="289" r:id="rId14"/>
+    <p:sldId id="303" r:id="rId15"/>
+    <p:sldId id="302" r:id="rId16"/>
   </p:sldIdLst>
   <p:sldSz cx="9144000" cy="6858000" type="screen4x3"/>
   <p:notesSz cx="6858000" cy="9144000"/>
@@ -4712,9 +4715,10 @@
           <a:lstStyle/>
           <a:p>
             <a:r>
-              <a:rPr lang="en-US" dirty="0"/>
-              <a:t>Creating a new activity</a:t>
-            </a:r>
+              <a:rPr lang="en-US" dirty="0" smtClean="0"/>
+              <a:t>Acitivty_main.xml</a:t>
+            </a:r>
+            <a:endParaRPr lang="en-US" dirty="0"/>
           </a:p>
         </p:txBody>
       </p:sp>
@@ -4728,56 +4732,2130 @@
             <p:ph idx="1"/>
           </p:nvPr>
         </p:nvSpPr>
-        <p:spPr/>
+        <p:spPr>
+          <a:xfrm>
+            <a:off x="457200" y="1600200"/>
+            <a:ext cx="4191000" cy="4953000"/>
+          </a:xfrm>
+        </p:spPr>
         <p:txBody>
-          <a:bodyPr/>
+          <a:bodyPr>
+            <a:noAutofit/>
+          </a:bodyPr>
           <a:lstStyle/>
           <a:p>
-            <a:r>
-              <a:rPr lang="en-US" dirty="0"/>
-              <a:t>Create a new activity class and xml layout and put them in their appropriate location </a:t>
-            </a:r>
-          </a:p>
-          <a:p>
-            <a:pPr lvl="1"/>
-            <a:r>
-              <a:rPr lang="en-US" dirty="0"/>
-              <a:t>You have to add your new activity to the AndroidManifest.xml for the activity to </a:t>
-            </a:r>
-            <a:r>
-              <a:rPr lang="en-US" dirty="0" err="1"/>
-              <a:t>workSharedPreference</a:t>
-            </a:r>
-            <a:r>
-              <a:rPr lang="en-US" dirty="0"/>
-              <a:t> (Part 1)</a:t>
-            </a:r>
-          </a:p>
-          <a:p>
-            <a:pPr lvl="2"/>
-            <a:r>
-              <a:rPr lang="en-US" dirty="0"/>
-              <a:t>&lt;activity android:”.</a:t>
-            </a:r>
-            <a:r>
-              <a:rPr lang="en-US" dirty="0" err="1"/>
-              <a:t>NewActivity</a:t>
-            </a:r>
-            <a:r>
-              <a:rPr lang="en-US" dirty="0"/>
-              <a:t>”&gt;</a:t>
-            </a:r>
-          </a:p>
-          <a:p>
-            <a:pPr lvl="1"/>
-            <a:endParaRPr lang="en-US" dirty="0"/>
+            <a:pPr marL="0" indent="0">
+              <a:buNone/>
+            </a:pPr>
+            <a:r>
+              <a:rPr lang="en-US" sz="800" i="1" dirty="0"/>
+              <a:t>&lt;?</a:t>
+            </a:r>
+            <a:r>
+              <a:rPr lang="en-US" sz="800" b="1" dirty="0">
+                <a:solidFill>
+                  <a:srgbClr val="0000FF"/>
+                </a:solidFill>
+              </a:rPr>
+              <a:t>xml version=</a:t>
+            </a:r>
+            <a:r>
+              <a:rPr lang="en-US" sz="800" b="1" dirty="0">
+                <a:solidFill>
+                  <a:srgbClr val="008000"/>
+                </a:solidFill>
+              </a:rPr>
+              <a:t>"1.0" </a:t>
+            </a:r>
+            <a:r>
+              <a:rPr lang="en-US" sz="800" b="1" dirty="0">
+                <a:solidFill>
+                  <a:srgbClr val="0000FF"/>
+                </a:solidFill>
+              </a:rPr>
+              <a:t>encoding=</a:t>
+            </a:r>
+            <a:r>
+              <a:rPr lang="en-US" sz="800" b="1" dirty="0">
+                <a:solidFill>
+                  <a:srgbClr val="008000"/>
+                </a:solidFill>
+              </a:rPr>
+              <a:t>"utf-8"</a:t>
+            </a:r>
+            <a:r>
+              <a:rPr lang="en-US" sz="800" i="1" dirty="0"/>
+              <a:t>?&gt;</a:t>
+            </a:r>
+            <a:br>
+              <a:rPr lang="en-US" sz="800" i="1" dirty="0"/>
+            </a:br>
+            <a:r>
+              <a:rPr lang="en-US" sz="800" dirty="0"/>
+              <a:t>&lt;</a:t>
+            </a:r>
+            <a:r>
+              <a:rPr lang="en-US" sz="800" b="1" dirty="0" err="1">
+                <a:solidFill>
+                  <a:srgbClr val="000080"/>
+                </a:solidFill>
+              </a:rPr>
+              <a:t>RelativeLayout</a:t>
+            </a:r>
+            <a:r>
+              <a:rPr lang="en-US" sz="800" b="1" dirty="0">
+                <a:solidFill>
+                  <a:srgbClr val="000080"/>
+                </a:solidFill>
+              </a:rPr>
+              <a:t> </a:t>
+            </a:r>
+            <a:r>
+              <a:rPr lang="en-US" sz="800" b="1" dirty="0" err="1">
+                <a:solidFill>
+                  <a:srgbClr val="0000FF"/>
+                </a:solidFill>
+              </a:rPr>
+              <a:t>xmlns:</a:t>
+            </a:r>
+            <a:r>
+              <a:rPr lang="en-US" sz="800" b="1" dirty="0" err="1">
+                <a:solidFill>
+                  <a:srgbClr val="660E7A"/>
+                </a:solidFill>
+              </a:rPr>
+              <a:t>android</a:t>
+            </a:r>
+            <a:r>
+              <a:rPr lang="en-US" sz="800" b="1" dirty="0">
+                <a:solidFill>
+                  <a:srgbClr val="0000FF"/>
+                </a:solidFill>
+              </a:rPr>
+              <a:t>=</a:t>
+            </a:r>
+            <a:r>
+              <a:rPr lang="en-US" sz="800" b="1" dirty="0">
+                <a:solidFill>
+                  <a:srgbClr val="008000"/>
+                </a:solidFill>
+              </a:rPr>
+              <a:t>"http://schemas.android.com/</a:t>
+            </a:r>
+            <a:r>
+              <a:rPr lang="en-US" sz="800" b="1" dirty="0" err="1">
+                <a:solidFill>
+                  <a:srgbClr val="008000"/>
+                </a:solidFill>
+              </a:rPr>
+              <a:t>apk</a:t>
+            </a:r>
+            <a:r>
+              <a:rPr lang="en-US" sz="800" b="1" dirty="0">
+                <a:solidFill>
+                  <a:srgbClr val="008000"/>
+                </a:solidFill>
+              </a:rPr>
+              <a:t>/res/android"</a:t>
+            </a:r>
+            <a:br>
+              <a:rPr lang="en-US" sz="800" b="1" dirty="0">
+                <a:solidFill>
+                  <a:srgbClr val="008000"/>
+                </a:solidFill>
+              </a:rPr>
+            </a:br>
+            <a:r>
+              <a:rPr lang="en-US" sz="800" b="1" dirty="0">
+                <a:solidFill>
+                  <a:srgbClr val="008000"/>
+                </a:solidFill>
+              </a:rPr>
+              <a:t>    </a:t>
+            </a:r>
+            <a:r>
+              <a:rPr lang="en-US" sz="800" b="1" dirty="0" err="1">
+                <a:solidFill>
+                  <a:srgbClr val="0000FF"/>
+                </a:solidFill>
+              </a:rPr>
+              <a:t>xmlns:</a:t>
+            </a:r>
+            <a:r>
+              <a:rPr lang="en-US" sz="800" b="1" dirty="0" err="1">
+                <a:solidFill>
+                  <a:srgbClr val="660E7A"/>
+                </a:solidFill>
+              </a:rPr>
+              <a:t>tools</a:t>
+            </a:r>
+            <a:r>
+              <a:rPr lang="en-US" sz="800" b="1" dirty="0">
+                <a:solidFill>
+                  <a:srgbClr val="0000FF"/>
+                </a:solidFill>
+              </a:rPr>
+              <a:t>=</a:t>
+            </a:r>
+            <a:r>
+              <a:rPr lang="en-US" sz="800" b="1" dirty="0">
+                <a:solidFill>
+                  <a:srgbClr val="008000"/>
+                </a:solidFill>
+              </a:rPr>
+              <a:t>"http://schemas.android.com/tools"</a:t>
+            </a:r>
+            <a:br>
+              <a:rPr lang="en-US" sz="800" b="1" dirty="0">
+                <a:solidFill>
+                  <a:srgbClr val="008000"/>
+                </a:solidFill>
+              </a:rPr>
+            </a:br>
+            <a:r>
+              <a:rPr lang="en-US" sz="800" b="1" dirty="0">
+                <a:solidFill>
+                  <a:srgbClr val="008000"/>
+                </a:solidFill>
+              </a:rPr>
+              <a:t>    </a:t>
+            </a:r>
+            <a:r>
+              <a:rPr lang="en-US" sz="800" b="1" dirty="0" err="1">
+                <a:solidFill>
+                  <a:srgbClr val="660E7A"/>
+                </a:solidFill>
+              </a:rPr>
+              <a:t>android</a:t>
+            </a:r>
+            <a:r>
+              <a:rPr lang="en-US" sz="800" b="1" dirty="0" err="1">
+                <a:solidFill>
+                  <a:srgbClr val="0000FF"/>
+                </a:solidFill>
+              </a:rPr>
+              <a:t>:layout_width</a:t>
+            </a:r>
+            <a:r>
+              <a:rPr lang="en-US" sz="800" b="1" dirty="0">
+                <a:solidFill>
+                  <a:srgbClr val="0000FF"/>
+                </a:solidFill>
+              </a:rPr>
+              <a:t>=</a:t>
+            </a:r>
+            <a:r>
+              <a:rPr lang="en-US" sz="800" b="1" dirty="0">
+                <a:solidFill>
+                  <a:srgbClr val="008000"/>
+                </a:solidFill>
+              </a:rPr>
+              <a:t>"</a:t>
+            </a:r>
+            <a:r>
+              <a:rPr lang="en-US" sz="800" b="1" dirty="0" err="1">
+                <a:solidFill>
+                  <a:srgbClr val="008000"/>
+                </a:solidFill>
+              </a:rPr>
+              <a:t>match_parent</a:t>
+            </a:r>
+            <a:r>
+              <a:rPr lang="en-US" sz="800" b="1" dirty="0">
+                <a:solidFill>
+                  <a:srgbClr val="008000"/>
+                </a:solidFill>
+              </a:rPr>
+              <a:t>"</a:t>
+            </a:r>
+            <a:br>
+              <a:rPr lang="en-US" sz="800" b="1" dirty="0">
+                <a:solidFill>
+                  <a:srgbClr val="008000"/>
+                </a:solidFill>
+              </a:rPr>
+            </a:br>
+            <a:r>
+              <a:rPr lang="en-US" sz="800" b="1" dirty="0">
+                <a:solidFill>
+                  <a:srgbClr val="008000"/>
+                </a:solidFill>
+              </a:rPr>
+              <a:t>    </a:t>
+            </a:r>
+            <a:r>
+              <a:rPr lang="en-US" sz="800" b="1" dirty="0" err="1">
+                <a:solidFill>
+                  <a:srgbClr val="660E7A"/>
+                </a:solidFill>
+              </a:rPr>
+              <a:t>android</a:t>
+            </a:r>
+            <a:r>
+              <a:rPr lang="en-US" sz="800" b="1" dirty="0" err="1">
+                <a:solidFill>
+                  <a:srgbClr val="0000FF"/>
+                </a:solidFill>
+              </a:rPr>
+              <a:t>:layout_height</a:t>
+            </a:r>
+            <a:r>
+              <a:rPr lang="en-US" sz="800" b="1" dirty="0">
+                <a:solidFill>
+                  <a:srgbClr val="0000FF"/>
+                </a:solidFill>
+              </a:rPr>
+              <a:t>=</a:t>
+            </a:r>
+            <a:r>
+              <a:rPr lang="en-US" sz="800" b="1" dirty="0">
+                <a:solidFill>
+                  <a:srgbClr val="008000"/>
+                </a:solidFill>
+              </a:rPr>
+              <a:t>"</a:t>
+            </a:r>
+            <a:r>
+              <a:rPr lang="en-US" sz="800" b="1" dirty="0" err="1">
+                <a:solidFill>
+                  <a:srgbClr val="008000"/>
+                </a:solidFill>
+              </a:rPr>
+              <a:t>match_parent</a:t>
+            </a:r>
+            <a:r>
+              <a:rPr lang="en-US" sz="800" b="1" dirty="0">
+                <a:solidFill>
+                  <a:srgbClr val="008000"/>
+                </a:solidFill>
+              </a:rPr>
+              <a:t>"</a:t>
+            </a:r>
+            <a:br>
+              <a:rPr lang="en-US" sz="800" b="1" dirty="0">
+                <a:solidFill>
+                  <a:srgbClr val="008000"/>
+                </a:solidFill>
+              </a:rPr>
+            </a:br>
+            <a:r>
+              <a:rPr lang="en-US" sz="800" b="1" dirty="0">
+                <a:solidFill>
+                  <a:srgbClr val="008000"/>
+                </a:solidFill>
+              </a:rPr>
+              <a:t>    </a:t>
+            </a:r>
+            <a:r>
+              <a:rPr lang="en-US" sz="800" b="1" dirty="0" err="1">
+                <a:solidFill>
+                  <a:srgbClr val="660E7A"/>
+                </a:solidFill>
+              </a:rPr>
+              <a:t>android</a:t>
+            </a:r>
+            <a:r>
+              <a:rPr lang="en-US" sz="800" b="1" dirty="0" err="1">
+                <a:solidFill>
+                  <a:srgbClr val="0000FF"/>
+                </a:solidFill>
+              </a:rPr>
+              <a:t>:paddingBottom</a:t>
+            </a:r>
+            <a:r>
+              <a:rPr lang="en-US" sz="800" b="1" dirty="0">
+                <a:solidFill>
+                  <a:srgbClr val="0000FF"/>
+                </a:solidFill>
+              </a:rPr>
+              <a:t>=</a:t>
+            </a:r>
+            <a:r>
+              <a:rPr lang="en-US" sz="800" b="1" dirty="0">
+                <a:solidFill>
+                  <a:srgbClr val="008000"/>
+                </a:solidFill>
+              </a:rPr>
+              <a:t>"@</a:t>
+            </a:r>
+            <a:r>
+              <a:rPr lang="en-US" sz="800" b="1" dirty="0" err="1">
+                <a:solidFill>
+                  <a:srgbClr val="008000"/>
+                </a:solidFill>
+              </a:rPr>
+              <a:t>dimen</a:t>
+            </a:r>
+            <a:r>
+              <a:rPr lang="en-US" sz="800" b="1" dirty="0">
+                <a:solidFill>
+                  <a:srgbClr val="008000"/>
+                </a:solidFill>
+              </a:rPr>
+              <a:t>/</a:t>
+            </a:r>
+            <a:r>
+              <a:rPr lang="en-US" sz="800" b="1" dirty="0" err="1">
+                <a:solidFill>
+                  <a:srgbClr val="008000"/>
+                </a:solidFill>
+              </a:rPr>
+              <a:t>activity_vertical_margin</a:t>
+            </a:r>
+            <a:r>
+              <a:rPr lang="en-US" sz="800" b="1" dirty="0">
+                <a:solidFill>
+                  <a:srgbClr val="008000"/>
+                </a:solidFill>
+              </a:rPr>
+              <a:t>"</a:t>
+            </a:r>
+            <a:br>
+              <a:rPr lang="en-US" sz="800" b="1" dirty="0">
+                <a:solidFill>
+                  <a:srgbClr val="008000"/>
+                </a:solidFill>
+              </a:rPr>
+            </a:br>
+            <a:r>
+              <a:rPr lang="en-US" sz="800" b="1" dirty="0">
+                <a:solidFill>
+                  <a:srgbClr val="008000"/>
+                </a:solidFill>
+              </a:rPr>
+              <a:t>    </a:t>
+            </a:r>
+            <a:r>
+              <a:rPr lang="en-US" sz="800" b="1" dirty="0" err="1">
+                <a:solidFill>
+                  <a:srgbClr val="660E7A"/>
+                </a:solidFill>
+              </a:rPr>
+              <a:t>android</a:t>
+            </a:r>
+            <a:r>
+              <a:rPr lang="en-US" sz="800" b="1" dirty="0" err="1">
+                <a:solidFill>
+                  <a:srgbClr val="0000FF"/>
+                </a:solidFill>
+              </a:rPr>
+              <a:t>:paddingLeft</a:t>
+            </a:r>
+            <a:r>
+              <a:rPr lang="en-US" sz="800" b="1" dirty="0">
+                <a:solidFill>
+                  <a:srgbClr val="0000FF"/>
+                </a:solidFill>
+              </a:rPr>
+              <a:t>=</a:t>
+            </a:r>
+            <a:r>
+              <a:rPr lang="en-US" sz="800" b="1" dirty="0">
+                <a:solidFill>
+                  <a:srgbClr val="008000"/>
+                </a:solidFill>
+              </a:rPr>
+              <a:t>"@</a:t>
+            </a:r>
+            <a:r>
+              <a:rPr lang="en-US" sz="800" b="1" dirty="0" err="1">
+                <a:solidFill>
+                  <a:srgbClr val="008000"/>
+                </a:solidFill>
+              </a:rPr>
+              <a:t>dimen</a:t>
+            </a:r>
+            <a:r>
+              <a:rPr lang="en-US" sz="800" b="1" dirty="0">
+                <a:solidFill>
+                  <a:srgbClr val="008000"/>
+                </a:solidFill>
+              </a:rPr>
+              <a:t>/</a:t>
+            </a:r>
+            <a:r>
+              <a:rPr lang="en-US" sz="800" b="1" dirty="0" err="1">
+                <a:solidFill>
+                  <a:srgbClr val="008000"/>
+                </a:solidFill>
+              </a:rPr>
+              <a:t>activity_horizontal_margin</a:t>
+            </a:r>
+            <a:r>
+              <a:rPr lang="en-US" sz="800" b="1" dirty="0">
+                <a:solidFill>
+                  <a:srgbClr val="008000"/>
+                </a:solidFill>
+              </a:rPr>
+              <a:t>"</a:t>
+            </a:r>
+            <a:br>
+              <a:rPr lang="en-US" sz="800" b="1" dirty="0">
+                <a:solidFill>
+                  <a:srgbClr val="008000"/>
+                </a:solidFill>
+              </a:rPr>
+            </a:br>
+            <a:r>
+              <a:rPr lang="en-US" sz="800" b="1" dirty="0">
+                <a:solidFill>
+                  <a:srgbClr val="008000"/>
+                </a:solidFill>
+              </a:rPr>
+              <a:t>    </a:t>
+            </a:r>
+            <a:r>
+              <a:rPr lang="en-US" sz="800" b="1" dirty="0" err="1">
+                <a:solidFill>
+                  <a:srgbClr val="660E7A"/>
+                </a:solidFill>
+              </a:rPr>
+              <a:t>android</a:t>
+            </a:r>
+            <a:r>
+              <a:rPr lang="en-US" sz="800" b="1" dirty="0" err="1">
+                <a:solidFill>
+                  <a:srgbClr val="0000FF"/>
+                </a:solidFill>
+              </a:rPr>
+              <a:t>:paddingRight</a:t>
+            </a:r>
+            <a:r>
+              <a:rPr lang="en-US" sz="800" b="1" dirty="0">
+                <a:solidFill>
+                  <a:srgbClr val="0000FF"/>
+                </a:solidFill>
+              </a:rPr>
+              <a:t>=</a:t>
+            </a:r>
+            <a:r>
+              <a:rPr lang="en-US" sz="800" b="1" dirty="0">
+                <a:solidFill>
+                  <a:srgbClr val="008000"/>
+                </a:solidFill>
+              </a:rPr>
+              <a:t>"@</a:t>
+            </a:r>
+            <a:r>
+              <a:rPr lang="en-US" sz="800" b="1" dirty="0" err="1">
+                <a:solidFill>
+                  <a:srgbClr val="008000"/>
+                </a:solidFill>
+              </a:rPr>
+              <a:t>dimen</a:t>
+            </a:r>
+            <a:r>
+              <a:rPr lang="en-US" sz="800" b="1" dirty="0">
+                <a:solidFill>
+                  <a:srgbClr val="008000"/>
+                </a:solidFill>
+              </a:rPr>
+              <a:t>/</a:t>
+            </a:r>
+            <a:r>
+              <a:rPr lang="en-US" sz="800" b="1" dirty="0" err="1">
+                <a:solidFill>
+                  <a:srgbClr val="008000"/>
+                </a:solidFill>
+              </a:rPr>
+              <a:t>activity_horizontal_margin</a:t>
+            </a:r>
+            <a:r>
+              <a:rPr lang="en-US" sz="800" b="1" dirty="0">
+                <a:solidFill>
+                  <a:srgbClr val="008000"/>
+                </a:solidFill>
+              </a:rPr>
+              <a:t>"</a:t>
+            </a:r>
+            <a:br>
+              <a:rPr lang="en-US" sz="800" b="1" dirty="0">
+                <a:solidFill>
+                  <a:srgbClr val="008000"/>
+                </a:solidFill>
+              </a:rPr>
+            </a:br>
+            <a:r>
+              <a:rPr lang="en-US" sz="800" b="1" dirty="0">
+                <a:solidFill>
+                  <a:srgbClr val="008000"/>
+                </a:solidFill>
+              </a:rPr>
+              <a:t>    </a:t>
+            </a:r>
+            <a:r>
+              <a:rPr lang="en-US" sz="800" b="1" dirty="0" err="1">
+                <a:solidFill>
+                  <a:srgbClr val="660E7A"/>
+                </a:solidFill>
+              </a:rPr>
+              <a:t>android</a:t>
+            </a:r>
+            <a:r>
+              <a:rPr lang="en-US" sz="800" b="1" dirty="0" err="1">
+                <a:solidFill>
+                  <a:srgbClr val="0000FF"/>
+                </a:solidFill>
+              </a:rPr>
+              <a:t>:paddingTop</a:t>
+            </a:r>
+            <a:r>
+              <a:rPr lang="en-US" sz="800" b="1" dirty="0">
+                <a:solidFill>
+                  <a:srgbClr val="0000FF"/>
+                </a:solidFill>
+              </a:rPr>
+              <a:t>=</a:t>
+            </a:r>
+            <a:r>
+              <a:rPr lang="en-US" sz="800" b="1" dirty="0">
+                <a:solidFill>
+                  <a:srgbClr val="008000"/>
+                </a:solidFill>
+              </a:rPr>
+              <a:t>"@</a:t>
+            </a:r>
+            <a:r>
+              <a:rPr lang="en-US" sz="800" b="1" dirty="0" err="1">
+                <a:solidFill>
+                  <a:srgbClr val="008000"/>
+                </a:solidFill>
+              </a:rPr>
+              <a:t>dimen</a:t>
+            </a:r>
+            <a:r>
+              <a:rPr lang="en-US" sz="800" b="1" dirty="0">
+                <a:solidFill>
+                  <a:srgbClr val="008000"/>
+                </a:solidFill>
+              </a:rPr>
+              <a:t>/</a:t>
+            </a:r>
+            <a:r>
+              <a:rPr lang="en-US" sz="800" b="1" dirty="0" err="1">
+                <a:solidFill>
+                  <a:srgbClr val="008000"/>
+                </a:solidFill>
+              </a:rPr>
+              <a:t>activity_vertical_margin</a:t>
+            </a:r>
+            <a:r>
+              <a:rPr lang="en-US" sz="800" b="1" dirty="0">
+                <a:solidFill>
+                  <a:srgbClr val="008000"/>
+                </a:solidFill>
+              </a:rPr>
+              <a:t>"</a:t>
+            </a:r>
+            <a:br>
+              <a:rPr lang="en-US" sz="800" b="1" dirty="0">
+                <a:solidFill>
+                  <a:srgbClr val="008000"/>
+                </a:solidFill>
+              </a:rPr>
+            </a:br>
+            <a:r>
+              <a:rPr lang="en-US" sz="800" b="1" dirty="0">
+                <a:solidFill>
+                  <a:srgbClr val="008000"/>
+                </a:solidFill>
+              </a:rPr>
+              <a:t>    </a:t>
+            </a:r>
+            <a:r>
+              <a:rPr lang="en-US" sz="800" b="1" dirty="0" err="1">
+                <a:solidFill>
+                  <a:srgbClr val="660E7A"/>
+                </a:solidFill>
+              </a:rPr>
+              <a:t>tools</a:t>
+            </a:r>
+            <a:r>
+              <a:rPr lang="en-US" sz="800" b="1" dirty="0" err="1">
+                <a:solidFill>
+                  <a:srgbClr val="0000FF"/>
+                </a:solidFill>
+              </a:rPr>
+              <a:t>:context</a:t>
+            </a:r>
+            <a:r>
+              <a:rPr lang="en-US" sz="800" b="1" dirty="0">
+                <a:solidFill>
+                  <a:srgbClr val="0000FF"/>
+                </a:solidFill>
+              </a:rPr>
+              <a:t>=</a:t>
+            </a:r>
+            <a:r>
+              <a:rPr lang="en-US" sz="800" b="1" dirty="0">
+                <a:solidFill>
+                  <a:srgbClr val="008000"/>
+                </a:solidFill>
+              </a:rPr>
+              <a:t>"</a:t>
+            </a:r>
+            <a:r>
+              <a:rPr lang="en-US" sz="800" b="1" dirty="0" err="1">
+                <a:solidFill>
+                  <a:srgbClr val="008000"/>
+                </a:solidFill>
+              </a:rPr>
+              <a:t>com.example.iamjo.cookieclicker.MainActivity</a:t>
+            </a:r>
+            <a:r>
+              <a:rPr lang="en-US" sz="800" b="1" dirty="0">
+                <a:solidFill>
+                  <a:srgbClr val="008000"/>
+                </a:solidFill>
+              </a:rPr>
+              <a:t>"</a:t>
+            </a:r>
+            <a:r>
+              <a:rPr lang="en-US" sz="800" dirty="0"/>
+              <a:t>&gt;</a:t>
+            </a:r>
+            <a:br>
+              <a:rPr lang="en-US" sz="800" dirty="0"/>
+            </a:br>
+            <a:r>
+              <a:rPr lang="en-US" sz="800" dirty="0"/>
+              <a:t/>
+            </a:r>
+            <a:br>
+              <a:rPr lang="en-US" sz="800" dirty="0"/>
+            </a:br>
+            <a:r>
+              <a:rPr lang="en-US" sz="800" dirty="0"/>
+              <a:t>    &lt;</a:t>
+            </a:r>
+            <a:r>
+              <a:rPr lang="en-US" sz="800" b="1" dirty="0" err="1">
+                <a:solidFill>
+                  <a:srgbClr val="000080"/>
+                </a:solidFill>
+              </a:rPr>
+              <a:t>TextView</a:t>
+            </a:r>
+            <a:r>
+              <a:rPr lang="en-US" sz="800" b="1" dirty="0">
+                <a:solidFill>
+                  <a:srgbClr val="000080"/>
+                </a:solidFill>
+              </a:rPr>
+              <a:t/>
+            </a:r>
+            <a:br>
+              <a:rPr lang="en-US" sz="800" b="1" dirty="0">
+                <a:solidFill>
+                  <a:srgbClr val="000080"/>
+                </a:solidFill>
+              </a:rPr>
+            </a:br>
+            <a:r>
+              <a:rPr lang="en-US" sz="800" b="1" dirty="0">
+                <a:solidFill>
+                  <a:srgbClr val="000080"/>
+                </a:solidFill>
+              </a:rPr>
+              <a:t>        </a:t>
+            </a:r>
+            <a:r>
+              <a:rPr lang="en-US" sz="800" b="1" dirty="0" err="1">
+                <a:solidFill>
+                  <a:srgbClr val="660E7A"/>
+                </a:solidFill>
+              </a:rPr>
+              <a:t>android</a:t>
+            </a:r>
+            <a:r>
+              <a:rPr lang="en-US" sz="800" b="1" dirty="0" err="1">
+                <a:solidFill>
+                  <a:srgbClr val="0000FF"/>
+                </a:solidFill>
+              </a:rPr>
+              <a:t>:layout_width</a:t>
+            </a:r>
+            <a:r>
+              <a:rPr lang="en-US" sz="800" b="1" dirty="0">
+                <a:solidFill>
+                  <a:srgbClr val="0000FF"/>
+                </a:solidFill>
+              </a:rPr>
+              <a:t>=</a:t>
+            </a:r>
+            <a:r>
+              <a:rPr lang="en-US" sz="800" b="1" dirty="0">
+                <a:solidFill>
+                  <a:srgbClr val="008000"/>
+                </a:solidFill>
+              </a:rPr>
+              <a:t>"</a:t>
+            </a:r>
+            <a:r>
+              <a:rPr lang="en-US" sz="800" b="1" dirty="0" err="1">
+                <a:solidFill>
+                  <a:srgbClr val="008000"/>
+                </a:solidFill>
+              </a:rPr>
+              <a:t>wrap_content</a:t>
+            </a:r>
+            <a:r>
+              <a:rPr lang="en-US" sz="800" b="1" dirty="0">
+                <a:solidFill>
+                  <a:srgbClr val="008000"/>
+                </a:solidFill>
+              </a:rPr>
+              <a:t>"</a:t>
+            </a:r>
+            <a:br>
+              <a:rPr lang="en-US" sz="800" b="1" dirty="0">
+                <a:solidFill>
+                  <a:srgbClr val="008000"/>
+                </a:solidFill>
+              </a:rPr>
+            </a:br>
+            <a:r>
+              <a:rPr lang="en-US" sz="800" b="1" dirty="0">
+                <a:solidFill>
+                  <a:srgbClr val="008000"/>
+                </a:solidFill>
+              </a:rPr>
+              <a:t>        </a:t>
+            </a:r>
+            <a:r>
+              <a:rPr lang="en-US" sz="800" b="1" dirty="0" err="1">
+                <a:solidFill>
+                  <a:srgbClr val="660E7A"/>
+                </a:solidFill>
+              </a:rPr>
+              <a:t>android</a:t>
+            </a:r>
+            <a:r>
+              <a:rPr lang="en-US" sz="800" b="1" dirty="0" err="1">
+                <a:solidFill>
+                  <a:srgbClr val="0000FF"/>
+                </a:solidFill>
+              </a:rPr>
+              <a:t>:layout_height</a:t>
+            </a:r>
+            <a:r>
+              <a:rPr lang="en-US" sz="800" b="1" dirty="0">
+                <a:solidFill>
+                  <a:srgbClr val="0000FF"/>
+                </a:solidFill>
+              </a:rPr>
+              <a:t>=</a:t>
+            </a:r>
+            <a:r>
+              <a:rPr lang="en-US" sz="800" b="1" dirty="0">
+                <a:solidFill>
+                  <a:srgbClr val="008000"/>
+                </a:solidFill>
+              </a:rPr>
+              <a:t>"</a:t>
+            </a:r>
+            <a:r>
+              <a:rPr lang="en-US" sz="800" b="1" dirty="0" err="1">
+                <a:solidFill>
+                  <a:srgbClr val="008000"/>
+                </a:solidFill>
+              </a:rPr>
+              <a:t>wrap_content</a:t>
+            </a:r>
+            <a:r>
+              <a:rPr lang="en-US" sz="800" b="1" dirty="0">
+                <a:solidFill>
+                  <a:srgbClr val="008000"/>
+                </a:solidFill>
+              </a:rPr>
+              <a:t>"</a:t>
+            </a:r>
+            <a:br>
+              <a:rPr lang="en-US" sz="800" b="1" dirty="0">
+                <a:solidFill>
+                  <a:srgbClr val="008000"/>
+                </a:solidFill>
+              </a:rPr>
+            </a:br>
+            <a:r>
+              <a:rPr lang="en-US" sz="800" b="1" dirty="0">
+                <a:solidFill>
+                  <a:srgbClr val="008000"/>
+                </a:solidFill>
+              </a:rPr>
+              <a:t>        </a:t>
+            </a:r>
+            <a:r>
+              <a:rPr lang="en-US" sz="800" b="1" dirty="0" err="1">
+                <a:solidFill>
+                  <a:srgbClr val="660E7A"/>
+                </a:solidFill>
+              </a:rPr>
+              <a:t>android</a:t>
+            </a:r>
+            <a:r>
+              <a:rPr lang="en-US" sz="800" b="1" dirty="0" err="1">
+                <a:solidFill>
+                  <a:srgbClr val="0000FF"/>
+                </a:solidFill>
+              </a:rPr>
+              <a:t>:textAppearance</a:t>
+            </a:r>
+            <a:r>
+              <a:rPr lang="en-US" sz="800" b="1" dirty="0">
+                <a:solidFill>
+                  <a:srgbClr val="0000FF"/>
+                </a:solidFill>
+              </a:rPr>
+              <a:t>=</a:t>
+            </a:r>
+            <a:r>
+              <a:rPr lang="en-US" sz="800" b="1" dirty="0">
+                <a:solidFill>
+                  <a:srgbClr val="008000"/>
+                </a:solidFill>
+              </a:rPr>
+              <a:t>"?</a:t>
+            </a:r>
+            <a:r>
+              <a:rPr lang="en-US" sz="800" b="1" dirty="0" err="1">
+                <a:solidFill>
+                  <a:srgbClr val="008000"/>
+                </a:solidFill>
+              </a:rPr>
+              <a:t>android:attr</a:t>
+            </a:r>
+            <a:r>
+              <a:rPr lang="en-US" sz="800" b="1" dirty="0">
+                <a:solidFill>
+                  <a:srgbClr val="008000"/>
+                </a:solidFill>
+              </a:rPr>
+              <a:t>/</a:t>
+            </a:r>
+            <a:r>
+              <a:rPr lang="en-US" sz="800" b="1" dirty="0" err="1">
+                <a:solidFill>
+                  <a:srgbClr val="008000"/>
+                </a:solidFill>
+              </a:rPr>
+              <a:t>textAppearanceLarge</a:t>
+            </a:r>
+            <a:r>
+              <a:rPr lang="en-US" sz="800" b="1" dirty="0">
+                <a:solidFill>
+                  <a:srgbClr val="008000"/>
+                </a:solidFill>
+              </a:rPr>
+              <a:t>"</a:t>
+            </a:r>
+            <a:br>
+              <a:rPr lang="en-US" sz="800" b="1" dirty="0">
+                <a:solidFill>
+                  <a:srgbClr val="008000"/>
+                </a:solidFill>
+              </a:rPr>
+            </a:br>
+            <a:r>
+              <a:rPr lang="en-US" sz="800" b="1" dirty="0">
+                <a:solidFill>
+                  <a:srgbClr val="008000"/>
+                </a:solidFill>
+              </a:rPr>
+              <a:t>        </a:t>
+            </a:r>
+            <a:r>
+              <a:rPr lang="en-US" sz="800" b="1" dirty="0" err="1">
+                <a:solidFill>
+                  <a:srgbClr val="660E7A"/>
+                </a:solidFill>
+              </a:rPr>
+              <a:t>android</a:t>
+            </a:r>
+            <a:r>
+              <a:rPr lang="en-US" sz="800" b="1" dirty="0" err="1">
+                <a:solidFill>
+                  <a:srgbClr val="0000FF"/>
+                </a:solidFill>
+              </a:rPr>
+              <a:t>:text</a:t>
+            </a:r>
+            <a:r>
+              <a:rPr lang="en-US" sz="800" b="1" dirty="0">
+                <a:solidFill>
+                  <a:srgbClr val="0000FF"/>
+                </a:solidFill>
+              </a:rPr>
+              <a:t>=</a:t>
+            </a:r>
+            <a:r>
+              <a:rPr lang="en-US" sz="800" b="1" dirty="0">
+                <a:solidFill>
+                  <a:srgbClr val="008000"/>
+                </a:solidFill>
+              </a:rPr>
+              <a:t>"Points: 0"</a:t>
+            </a:r>
+            <a:br>
+              <a:rPr lang="en-US" sz="800" b="1" dirty="0">
+                <a:solidFill>
+                  <a:srgbClr val="008000"/>
+                </a:solidFill>
+              </a:rPr>
+            </a:br>
+            <a:r>
+              <a:rPr lang="en-US" sz="800" b="1" dirty="0">
+                <a:solidFill>
+                  <a:srgbClr val="008000"/>
+                </a:solidFill>
+              </a:rPr>
+              <a:t>        </a:t>
+            </a:r>
+            <a:r>
+              <a:rPr lang="en-US" sz="800" b="1" dirty="0" err="1">
+                <a:solidFill>
+                  <a:srgbClr val="660E7A"/>
+                </a:solidFill>
+              </a:rPr>
+              <a:t>android</a:t>
+            </a:r>
+            <a:r>
+              <a:rPr lang="en-US" sz="800" b="1" dirty="0" err="1">
+                <a:solidFill>
+                  <a:srgbClr val="0000FF"/>
+                </a:solidFill>
+              </a:rPr>
+              <a:t>:id</a:t>
+            </a:r>
+            <a:r>
+              <a:rPr lang="en-US" sz="800" b="1" dirty="0">
+                <a:solidFill>
+                  <a:srgbClr val="0000FF"/>
+                </a:solidFill>
+              </a:rPr>
+              <a:t>=</a:t>
+            </a:r>
+            <a:r>
+              <a:rPr lang="en-US" sz="800" b="1" dirty="0">
+                <a:solidFill>
+                  <a:srgbClr val="008000"/>
+                </a:solidFill>
+              </a:rPr>
+              <a:t>"@+id/</a:t>
+            </a:r>
+            <a:r>
+              <a:rPr lang="en-US" sz="800" b="1" dirty="0" err="1">
+                <a:solidFill>
+                  <a:srgbClr val="008000"/>
+                </a:solidFill>
+              </a:rPr>
+              <a:t>tvPoints</a:t>
+            </a:r>
+            <a:r>
+              <a:rPr lang="en-US" sz="800" b="1" dirty="0">
+                <a:solidFill>
+                  <a:srgbClr val="008000"/>
+                </a:solidFill>
+              </a:rPr>
+              <a:t>"</a:t>
+            </a:r>
+            <a:br>
+              <a:rPr lang="en-US" sz="800" b="1" dirty="0">
+                <a:solidFill>
+                  <a:srgbClr val="008000"/>
+                </a:solidFill>
+              </a:rPr>
+            </a:br>
+            <a:r>
+              <a:rPr lang="en-US" sz="800" b="1" dirty="0">
+                <a:solidFill>
+                  <a:srgbClr val="008000"/>
+                </a:solidFill>
+              </a:rPr>
+              <a:t>        </a:t>
+            </a:r>
+            <a:r>
+              <a:rPr lang="en-US" sz="800" b="1" dirty="0" err="1">
+                <a:solidFill>
+                  <a:srgbClr val="660E7A"/>
+                </a:solidFill>
+              </a:rPr>
+              <a:t>android</a:t>
+            </a:r>
+            <a:r>
+              <a:rPr lang="en-US" sz="800" b="1" dirty="0" err="1">
+                <a:solidFill>
+                  <a:srgbClr val="0000FF"/>
+                </a:solidFill>
+              </a:rPr>
+              <a:t>:layout_alignParentTop</a:t>
+            </a:r>
+            <a:r>
+              <a:rPr lang="en-US" sz="800" b="1" dirty="0">
+                <a:solidFill>
+                  <a:srgbClr val="0000FF"/>
+                </a:solidFill>
+              </a:rPr>
+              <a:t>=</a:t>
+            </a:r>
+            <a:r>
+              <a:rPr lang="en-US" sz="800" b="1" dirty="0">
+                <a:solidFill>
+                  <a:srgbClr val="008000"/>
+                </a:solidFill>
+              </a:rPr>
+              <a:t>"true"</a:t>
+            </a:r>
+            <a:br>
+              <a:rPr lang="en-US" sz="800" b="1" dirty="0">
+                <a:solidFill>
+                  <a:srgbClr val="008000"/>
+                </a:solidFill>
+              </a:rPr>
+            </a:br>
+            <a:r>
+              <a:rPr lang="en-US" sz="800" b="1" dirty="0">
+                <a:solidFill>
+                  <a:srgbClr val="008000"/>
+                </a:solidFill>
+              </a:rPr>
+              <a:t>        </a:t>
+            </a:r>
+            <a:r>
+              <a:rPr lang="en-US" sz="800" b="1" dirty="0" err="1">
+                <a:solidFill>
+                  <a:srgbClr val="660E7A"/>
+                </a:solidFill>
+              </a:rPr>
+              <a:t>android</a:t>
+            </a:r>
+            <a:r>
+              <a:rPr lang="en-US" sz="800" b="1" dirty="0" err="1">
+                <a:solidFill>
+                  <a:srgbClr val="0000FF"/>
+                </a:solidFill>
+              </a:rPr>
+              <a:t>:layout_centerHorizontal</a:t>
+            </a:r>
+            <a:r>
+              <a:rPr lang="en-US" sz="800" b="1" dirty="0">
+                <a:solidFill>
+                  <a:srgbClr val="0000FF"/>
+                </a:solidFill>
+              </a:rPr>
+              <a:t>=</a:t>
+            </a:r>
+            <a:r>
+              <a:rPr lang="en-US" sz="800" b="1" dirty="0">
+                <a:solidFill>
+                  <a:srgbClr val="008000"/>
+                </a:solidFill>
+              </a:rPr>
+              <a:t>"true"</a:t>
+            </a:r>
+            <a:br>
+              <a:rPr lang="en-US" sz="800" b="1" dirty="0">
+                <a:solidFill>
+                  <a:srgbClr val="008000"/>
+                </a:solidFill>
+              </a:rPr>
+            </a:br>
+            <a:r>
+              <a:rPr lang="en-US" sz="800" b="1" dirty="0">
+                <a:solidFill>
+                  <a:srgbClr val="008000"/>
+                </a:solidFill>
+              </a:rPr>
+              <a:t>        </a:t>
+            </a:r>
+            <a:r>
+              <a:rPr lang="en-US" sz="800" b="1" dirty="0" err="1">
+                <a:solidFill>
+                  <a:srgbClr val="660E7A"/>
+                </a:solidFill>
+              </a:rPr>
+              <a:t>android</a:t>
+            </a:r>
+            <a:r>
+              <a:rPr lang="en-US" sz="800" b="1" dirty="0" err="1">
+                <a:solidFill>
+                  <a:srgbClr val="0000FF"/>
+                </a:solidFill>
+              </a:rPr>
+              <a:t>:layout_marginTop</a:t>
+            </a:r>
+            <a:r>
+              <a:rPr lang="en-US" sz="800" b="1" dirty="0">
+                <a:solidFill>
+                  <a:srgbClr val="0000FF"/>
+                </a:solidFill>
+              </a:rPr>
+              <a:t>=</a:t>
+            </a:r>
+            <a:r>
+              <a:rPr lang="en-US" sz="800" b="1" dirty="0">
+                <a:solidFill>
+                  <a:srgbClr val="008000"/>
+                </a:solidFill>
+              </a:rPr>
+              <a:t>"101dp" </a:t>
+            </a:r>
+            <a:r>
+              <a:rPr lang="en-US" sz="800" dirty="0"/>
+              <a:t>/&gt;</a:t>
+            </a:r>
+            <a:br>
+              <a:rPr lang="en-US" sz="800" dirty="0"/>
+            </a:br>
+            <a:r>
+              <a:rPr lang="en-US" sz="800" dirty="0"/>
+              <a:t/>
+            </a:r>
+            <a:br>
+              <a:rPr lang="en-US" sz="800" dirty="0"/>
+            </a:br>
+            <a:r>
+              <a:rPr lang="en-US" sz="800" dirty="0"/>
+              <a:t>    &lt;</a:t>
+            </a:r>
+            <a:r>
+              <a:rPr lang="en-US" sz="800" b="1" dirty="0">
+                <a:solidFill>
+                  <a:srgbClr val="000080"/>
+                </a:solidFill>
+              </a:rPr>
+              <a:t>Button</a:t>
+            </a:r>
+            <a:br>
+              <a:rPr lang="en-US" sz="800" b="1" dirty="0">
+                <a:solidFill>
+                  <a:srgbClr val="000080"/>
+                </a:solidFill>
+              </a:rPr>
+            </a:br>
+            <a:r>
+              <a:rPr lang="en-US" sz="800" b="1" dirty="0">
+                <a:solidFill>
+                  <a:srgbClr val="000080"/>
+                </a:solidFill>
+              </a:rPr>
+              <a:t>        </a:t>
+            </a:r>
+            <a:r>
+              <a:rPr lang="en-US" sz="800" b="1" dirty="0" err="1">
+                <a:solidFill>
+                  <a:srgbClr val="660E7A"/>
+                </a:solidFill>
+              </a:rPr>
+              <a:t>android</a:t>
+            </a:r>
+            <a:r>
+              <a:rPr lang="en-US" sz="800" b="1" dirty="0" err="1">
+                <a:solidFill>
+                  <a:srgbClr val="0000FF"/>
+                </a:solidFill>
+              </a:rPr>
+              <a:t>:layout_width</a:t>
+            </a:r>
+            <a:r>
+              <a:rPr lang="en-US" sz="800" b="1" dirty="0">
+                <a:solidFill>
+                  <a:srgbClr val="0000FF"/>
+                </a:solidFill>
+              </a:rPr>
+              <a:t>=</a:t>
+            </a:r>
+            <a:r>
+              <a:rPr lang="en-US" sz="800" b="1" dirty="0">
+                <a:solidFill>
+                  <a:srgbClr val="008000"/>
+                </a:solidFill>
+              </a:rPr>
+              <a:t>"</a:t>
+            </a:r>
+            <a:r>
+              <a:rPr lang="en-US" sz="800" b="1" dirty="0" err="1">
+                <a:solidFill>
+                  <a:srgbClr val="008000"/>
+                </a:solidFill>
+              </a:rPr>
+              <a:t>wrap_content</a:t>
+            </a:r>
+            <a:r>
+              <a:rPr lang="en-US" sz="800" b="1" dirty="0">
+                <a:solidFill>
+                  <a:srgbClr val="008000"/>
+                </a:solidFill>
+              </a:rPr>
+              <a:t>"</a:t>
+            </a:r>
+            <a:br>
+              <a:rPr lang="en-US" sz="800" b="1" dirty="0">
+                <a:solidFill>
+                  <a:srgbClr val="008000"/>
+                </a:solidFill>
+              </a:rPr>
+            </a:br>
+            <a:r>
+              <a:rPr lang="en-US" sz="800" b="1" dirty="0">
+                <a:solidFill>
+                  <a:srgbClr val="008000"/>
+                </a:solidFill>
+              </a:rPr>
+              <a:t>        </a:t>
+            </a:r>
+            <a:r>
+              <a:rPr lang="en-US" sz="800" b="1" dirty="0" err="1">
+                <a:solidFill>
+                  <a:srgbClr val="660E7A"/>
+                </a:solidFill>
+              </a:rPr>
+              <a:t>android</a:t>
+            </a:r>
+            <a:r>
+              <a:rPr lang="en-US" sz="800" b="1" dirty="0" err="1">
+                <a:solidFill>
+                  <a:srgbClr val="0000FF"/>
+                </a:solidFill>
+              </a:rPr>
+              <a:t>:layout_height</a:t>
+            </a:r>
+            <a:r>
+              <a:rPr lang="en-US" sz="800" b="1" dirty="0">
+                <a:solidFill>
+                  <a:srgbClr val="0000FF"/>
+                </a:solidFill>
+              </a:rPr>
+              <a:t>=</a:t>
+            </a:r>
+            <a:r>
+              <a:rPr lang="en-US" sz="800" b="1" dirty="0">
+                <a:solidFill>
+                  <a:srgbClr val="008000"/>
+                </a:solidFill>
+              </a:rPr>
+              <a:t>"</a:t>
+            </a:r>
+            <a:r>
+              <a:rPr lang="en-US" sz="800" b="1" dirty="0" err="1">
+                <a:solidFill>
+                  <a:srgbClr val="008000"/>
+                </a:solidFill>
+              </a:rPr>
+              <a:t>wrap_content</a:t>
+            </a:r>
+            <a:r>
+              <a:rPr lang="en-US" sz="800" b="1" dirty="0">
+                <a:solidFill>
+                  <a:srgbClr val="008000"/>
+                </a:solidFill>
+              </a:rPr>
+              <a:t>"</a:t>
+            </a:r>
+            <a:br>
+              <a:rPr lang="en-US" sz="800" b="1" dirty="0">
+                <a:solidFill>
+                  <a:srgbClr val="008000"/>
+                </a:solidFill>
+              </a:rPr>
+            </a:br>
+            <a:r>
+              <a:rPr lang="en-US" sz="800" b="1" dirty="0">
+                <a:solidFill>
+                  <a:srgbClr val="008000"/>
+                </a:solidFill>
+              </a:rPr>
+              <a:t>        </a:t>
+            </a:r>
+            <a:r>
+              <a:rPr lang="en-US" sz="800" b="1" dirty="0" err="1">
+                <a:solidFill>
+                  <a:srgbClr val="660E7A"/>
+                </a:solidFill>
+              </a:rPr>
+              <a:t>android</a:t>
+            </a:r>
+            <a:r>
+              <a:rPr lang="en-US" sz="800" b="1" dirty="0" err="1">
+                <a:solidFill>
+                  <a:srgbClr val="0000FF"/>
+                </a:solidFill>
+              </a:rPr>
+              <a:t>:text</a:t>
+            </a:r>
+            <a:r>
+              <a:rPr lang="en-US" sz="800" b="1" dirty="0">
+                <a:solidFill>
+                  <a:srgbClr val="0000FF"/>
+                </a:solidFill>
+              </a:rPr>
+              <a:t>=</a:t>
+            </a:r>
+            <a:r>
+              <a:rPr lang="en-US" sz="800" b="1" dirty="0">
+                <a:solidFill>
+                  <a:srgbClr val="008000"/>
+                </a:solidFill>
+              </a:rPr>
+              <a:t>"Click"</a:t>
+            </a:r>
+            <a:br>
+              <a:rPr lang="en-US" sz="800" b="1" dirty="0">
+                <a:solidFill>
+                  <a:srgbClr val="008000"/>
+                </a:solidFill>
+              </a:rPr>
+            </a:br>
+            <a:r>
+              <a:rPr lang="en-US" sz="800" b="1" dirty="0">
+                <a:solidFill>
+                  <a:srgbClr val="008000"/>
+                </a:solidFill>
+              </a:rPr>
+              <a:t>        </a:t>
+            </a:r>
+            <a:r>
+              <a:rPr lang="en-US" sz="800" b="1" dirty="0" err="1">
+                <a:solidFill>
+                  <a:srgbClr val="660E7A"/>
+                </a:solidFill>
+              </a:rPr>
+              <a:t>android</a:t>
+            </a:r>
+            <a:r>
+              <a:rPr lang="en-US" sz="800" b="1" dirty="0" err="1">
+                <a:solidFill>
+                  <a:srgbClr val="0000FF"/>
+                </a:solidFill>
+              </a:rPr>
+              <a:t>:id</a:t>
+            </a:r>
+            <a:r>
+              <a:rPr lang="en-US" sz="800" b="1" dirty="0">
+                <a:solidFill>
+                  <a:srgbClr val="0000FF"/>
+                </a:solidFill>
+              </a:rPr>
+              <a:t>=</a:t>
+            </a:r>
+            <a:r>
+              <a:rPr lang="en-US" sz="800" b="1" dirty="0">
+                <a:solidFill>
+                  <a:srgbClr val="008000"/>
+                </a:solidFill>
+              </a:rPr>
+              <a:t>"@+id/</a:t>
+            </a:r>
+            <a:r>
+              <a:rPr lang="en-US" sz="800" b="1" dirty="0" err="1">
+                <a:solidFill>
+                  <a:srgbClr val="008000"/>
+                </a:solidFill>
+              </a:rPr>
+              <a:t>btnPoints</a:t>
+            </a:r>
+            <a:r>
+              <a:rPr lang="en-US" sz="800" b="1" dirty="0">
+                <a:solidFill>
+                  <a:srgbClr val="008000"/>
+                </a:solidFill>
+              </a:rPr>
+              <a:t>"</a:t>
+            </a:r>
+            <a:br>
+              <a:rPr lang="en-US" sz="800" b="1" dirty="0">
+                <a:solidFill>
+                  <a:srgbClr val="008000"/>
+                </a:solidFill>
+              </a:rPr>
+            </a:br>
+            <a:r>
+              <a:rPr lang="en-US" sz="800" b="1" dirty="0">
+                <a:solidFill>
+                  <a:srgbClr val="008000"/>
+                </a:solidFill>
+              </a:rPr>
+              <a:t>        </a:t>
+            </a:r>
+            <a:r>
+              <a:rPr lang="en-US" sz="800" b="1" dirty="0" err="1">
+                <a:solidFill>
+                  <a:srgbClr val="660E7A"/>
+                </a:solidFill>
+              </a:rPr>
+              <a:t>android</a:t>
+            </a:r>
+            <a:r>
+              <a:rPr lang="en-US" sz="800" b="1" dirty="0" err="1">
+                <a:solidFill>
+                  <a:srgbClr val="0000FF"/>
+                </a:solidFill>
+              </a:rPr>
+              <a:t>:onClick</a:t>
+            </a:r>
+            <a:r>
+              <a:rPr lang="en-US" sz="800" b="1" dirty="0">
+                <a:solidFill>
+                  <a:srgbClr val="0000FF"/>
+                </a:solidFill>
+              </a:rPr>
+              <a:t>=</a:t>
+            </a:r>
+            <a:r>
+              <a:rPr lang="en-US" sz="800" b="1" dirty="0">
+                <a:solidFill>
+                  <a:srgbClr val="008000"/>
+                </a:solidFill>
+              </a:rPr>
+              <a:t>"</a:t>
+            </a:r>
+            <a:r>
+              <a:rPr lang="en-US" sz="800" b="1" dirty="0" err="1">
+                <a:solidFill>
+                  <a:srgbClr val="008000"/>
+                </a:solidFill>
+              </a:rPr>
+              <a:t>btnClick</a:t>
+            </a:r>
+            <a:r>
+              <a:rPr lang="en-US" sz="800" b="1" dirty="0">
+                <a:solidFill>
+                  <a:srgbClr val="008000"/>
+                </a:solidFill>
+              </a:rPr>
+              <a:t>"</a:t>
+            </a:r>
+            <a:br>
+              <a:rPr lang="en-US" sz="800" b="1" dirty="0">
+                <a:solidFill>
+                  <a:srgbClr val="008000"/>
+                </a:solidFill>
+              </a:rPr>
+            </a:br>
+            <a:r>
+              <a:rPr lang="en-US" sz="800" b="1" dirty="0">
+                <a:solidFill>
+                  <a:srgbClr val="008000"/>
+                </a:solidFill>
+              </a:rPr>
+              <a:t>        </a:t>
+            </a:r>
+            <a:r>
+              <a:rPr lang="en-US" sz="800" b="1" dirty="0" err="1">
+                <a:solidFill>
+                  <a:srgbClr val="660E7A"/>
+                </a:solidFill>
+              </a:rPr>
+              <a:t>android</a:t>
+            </a:r>
+            <a:r>
+              <a:rPr lang="en-US" sz="800" b="1" dirty="0" err="1">
+                <a:solidFill>
+                  <a:srgbClr val="0000FF"/>
+                </a:solidFill>
+              </a:rPr>
+              <a:t>:layout_centerVertical</a:t>
+            </a:r>
+            <a:r>
+              <a:rPr lang="en-US" sz="800" b="1" dirty="0">
+                <a:solidFill>
+                  <a:srgbClr val="0000FF"/>
+                </a:solidFill>
+              </a:rPr>
+              <a:t>=</a:t>
+            </a:r>
+            <a:r>
+              <a:rPr lang="en-US" sz="800" b="1" dirty="0">
+                <a:solidFill>
+                  <a:srgbClr val="008000"/>
+                </a:solidFill>
+              </a:rPr>
+              <a:t>"true"</a:t>
+            </a:r>
+            <a:br>
+              <a:rPr lang="en-US" sz="800" b="1" dirty="0">
+                <a:solidFill>
+                  <a:srgbClr val="008000"/>
+                </a:solidFill>
+              </a:rPr>
+            </a:br>
+            <a:r>
+              <a:rPr lang="en-US" sz="800" b="1" dirty="0">
+                <a:solidFill>
+                  <a:srgbClr val="008000"/>
+                </a:solidFill>
+              </a:rPr>
+              <a:t>        </a:t>
+            </a:r>
+            <a:r>
+              <a:rPr lang="en-US" sz="800" b="1" dirty="0" err="1">
+                <a:solidFill>
+                  <a:srgbClr val="660E7A"/>
+                </a:solidFill>
+              </a:rPr>
+              <a:t>android</a:t>
+            </a:r>
+            <a:r>
+              <a:rPr lang="en-US" sz="800" b="1" dirty="0" err="1">
+                <a:solidFill>
+                  <a:srgbClr val="0000FF"/>
+                </a:solidFill>
+              </a:rPr>
+              <a:t>:layout_centerHorizontal</a:t>
+            </a:r>
+            <a:r>
+              <a:rPr lang="en-US" sz="800" b="1" dirty="0">
+                <a:solidFill>
+                  <a:srgbClr val="0000FF"/>
+                </a:solidFill>
+              </a:rPr>
+              <a:t>=</a:t>
+            </a:r>
+            <a:r>
+              <a:rPr lang="en-US" sz="800" b="1" dirty="0">
+                <a:solidFill>
+                  <a:srgbClr val="008000"/>
+                </a:solidFill>
+              </a:rPr>
+              <a:t>"true" </a:t>
+            </a:r>
+            <a:r>
+              <a:rPr lang="en-US" sz="800" dirty="0"/>
+              <a:t>/&gt;</a:t>
+            </a:r>
+            <a:br>
+              <a:rPr lang="en-US" sz="800" dirty="0"/>
+            </a:br>
+            <a:r>
+              <a:rPr lang="en-US" sz="800" dirty="0"/>
+              <a:t/>
+            </a:r>
+            <a:br>
+              <a:rPr lang="en-US" sz="800" dirty="0"/>
+            </a:br>
+            <a:r>
+              <a:rPr lang="en-US" sz="800" dirty="0"/>
+              <a:t>    &lt;</a:t>
+            </a:r>
+            <a:r>
+              <a:rPr lang="en-US" sz="800" b="1" dirty="0">
+                <a:solidFill>
+                  <a:srgbClr val="000080"/>
+                </a:solidFill>
+              </a:rPr>
+              <a:t>Button</a:t>
+            </a:r>
+            <a:br>
+              <a:rPr lang="en-US" sz="800" b="1" dirty="0">
+                <a:solidFill>
+                  <a:srgbClr val="000080"/>
+                </a:solidFill>
+              </a:rPr>
+            </a:br>
+            <a:r>
+              <a:rPr lang="en-US" sz="800" b="1" dirty="0">
+                <a:solidFill>
+                  <a:srgbClr val="000080"/>
+                </a:solidFill>
+              </a:rPr>
+              <a:t>        </a:t>
+            </a:r>
+            <a:r>
+              <a:rPr lang="en-US" sz="800" b="1" dirty="0" err="1">
+                <a:solidFill>
+                  <a:srgbClr val="660E7A"/>
+                </a:solidFill>
+              </a:rPr>
+              <a:t>android</a:t>
+            </a:r>
+            <a:r>
+              <a:rPr lang="en-US" sz="800" b="1" dirty="0" err="1">
+                <a:solidFill>
+                  <a:srgbClr val="0000FF"/>
+                </a:solidFill>
+              </a:rPr>
+              <a:t>:layout_width</a:t>
+            </a:r>
+            <a:r>
+              <a:rPr lang="en-US" sz="800" b="1" dirty="0">
+                <a:solidFill>
+                  <a:srgbClr val="0000FF"/>
+                </a:solidFill>
+              </a:rPr>
+              <a:t>=</a:t>
+            </a:r>
+            <a:r>
+              <a:rPr lang="en-US" sz="800" b="1" dirty="0">
+                <a:solidFill>
+                  <a:srgbClr val="008000"/>
+                </a:solidFill>
+              </a:rPr>
+              <a:t>"</a:t>
+            </a:r>
+            <a:r>
+              <a:rPr lang="en-US" sz="800" b="1" dirty="0" err="1">
+                <a:solidFill>
+                  <a:srgbClr val="008000"/>
+                </a:solidFill>
+              </a:rPr>
+              <a:t>wrap_content</a:t>
+            </a:r>
+            <a:r>
+              <a:rPr lang="en-US" sz="800" b="1" dirty="0">
+                <a:solidFill>
+                  <a:srgbClr val="008000"/>
+                </a:solidFill>
+              </a:rPr>
+              <a:t>"</a:t>
+            </a:r>
+            <a:br>
+              <a:rPr lang="en-US" sz="800" b="1" dirty="0">
+                <a:solidFill>
+                  <a:srgbClr val="008000"/>
+                </a:solidFill>
+              </a:rPr>
+            </a:br>
+            <a:r>
+              <a:rPr lang="en-US" sz="800" b="1" dirty="0">
+                <a:solidFill>
+                  <a:srgbClr val="008000"/>
+                </a:solidFill>
+              </a:rPr>
+              <a:t>        </a:t>
+            </a:r>
+            <a:r>
+              <a:rPr lang="en-US" sz="800" b="1" dirty="0" err="1">
+                <a:solidFill>
+                  <a:srgbClr val="660E7A"/>
+                </a:solidFill>
+              </a:rPr>
+              <a:t>android</a:t>
+            </a:r>
+            <a:r>
+              <a:rPr lang="en-US" sz="800" b="1" dirty="0" err="1">
+                <a:solidFill>
+                  <a:srgbClr val="0000FF"/>
+                </a:solidFill>
+              </a:rPr>
+              <a:t>:layout_height</a:t>
+            </a:r>
+            <a:r>
+              <a:rPr lang="en-US" sz="800" b="1" dirty="0">
+                <a:solidFill>
+                  <a:srgbClr val="0000FF"/>
+                </a:solidFill>
+              </a:rPr>
+              <a:t>=</a:t>
+            </a:r>
+            <a:r>
+              <a:rPr lang="en-US" sz="800" b="1" dirty="0">
+                <a:solidFill>
+                  <a:srgbClr val="008000"/>
+                </a:solidFill>
+              </a:rPr>
+              <a:t>"</a:t>
+            </a:r>
+            <a:r>
+              <a:rPr lang="en-US" sz="800" b="1" dirty="0" err="1">
+                <a:solidFill>
+                  <a:srgbClr val="008000"/>
+                </a:solidFill>
+              </a:rPr>
+              <a:t>wrap_content</a:t>
+            </a:r>
+            <a:r>
+              <a:rPr lang="en-US" sz="800" b="1" dirty="0">
+                <a:solidFill>
+                  <a:srgbClr val="008000"/>
+                </a:solidFill>
+              </a:rPr>
+              <a:t>"</a:t>
+            </a:r>
+            <a:br>
+              <a:rPr lang="en-US" sz="800" b="1" dirty="0">
+                <a:solidFill>
+                  <a:srgbClr val="008000"/>
+                </a:solidFill>
+              </a:rPr>
+            </a:br>
+            <a:r>
+              <a:rPr lang="en-US" sz="800" b="1" dirty="0">
+                <a:solidFill>
+                  <a:srgbClr val="008000"/>
+                </a:solidFill>
+              </a:rPr>
+              <a:t>        </a:t>
+            </a:r>
+            <a:r>
+              <a:rPr lang="en-US" sz="800" b="1" dirty="0" err="1">
+                <a:solidFill>
+                  <a:srgbClr val="660E7A"/>
+                </a:solidFill>
+              </a:rPr>
+              <a:t>android</a:t>
+            </a:r>
+            <a:r>
+              <a:rPr lang="en-US" sz="800" b="1" dirty="0" err="1">
+                <a:solidFill>
+                  <a:srgbClr val="0000FF"/>
+                </a:solidFill>
+              </a:rPr>
+              <a:t>:text</a:t>
+            </a:r>
+            <a:r>
+              <a:rPr lang="en-US" sz="800" b="1" dirty="0">
+                <a:solidFill>
+                  <a:srgbClr val="0000FF"/>
+                </a:solidFill>
+              </a:rPr>
+              <a:t>=</a:t>
+            </a:r>
+            <a:r>
+              <a:rPr lang="en-US" sz="800" b="1" dirty="0">
+                <a:solidFill>
+                  <a:srgbClr val="008000"/>
+                </a:solidFill>
+              </a:rPr>
+              <a:t>"Shop"</a:t>
+            </a:r>
+            <a:br>
+              <a:rPr lang="en-US" sz="800" b="1" dirty="0">
+                <a:solidFill>
+                  <a:srgbClr val="008000"/>
+                </a:solidFill>
+              </a:rPr>
+            </a:br>
+            <a:r>
+              <a:rPr lang="en-US" sz="800" b="1" dirty="0">
+                <a:solidFill>
+                  <a:srgbClr val="008000"/>
+                </a:solidFill>
+              </a:rPr>
+              <a:t>        </a:t>
+            </a:r>
+            <a:r>
+              <a:rPr lang="en-US" sz="800" b="1" dirty="0" err="1">
+                <a:solidFill>
+                  <a:srgbClr val="660E7A"/>
+                </a:solidFill>
+              </a:rPr>
+              <a:t>android</a:t>
+            </a:r>
+            <a:r>
+              <a:rPr lang="en-US" sz="800" b="1" dirty="0" err="1">
+                <a:solidFill>
+                  <a:srgbClr val="0000FF"/>
+                </a:solidFill>
+              </a:rPr>
+              <a:t>:id</a:t>
+            </a:r>
+            <a:r>
+              <a:rPr lang="en-US" sz="800" b="1" dirty="0">
+                <a:solidFill>
+                  <a:srgbClr val="0000FF"/>
+                </a:solidFill>
+              </a:rPr>
+              <a:t>=</a:t>
+            </a:r>
+            <a:r>
+              <a:rPr lang="en-US" sz="800" b="1" dirty="0">
+                <a:solidFill>
+                  <a:srgbClr val="008000"/>
+                </a:solidFill>
+              </a:rPr>
+              <a:t>"@+id/</a:t>
+            </a:r>
+            <a:r>
+              <a:rPr lang="en-US" sz="800" b="1" dirty="0" err="1">
+                <a:solidFill>
+                  <a:srgbClr val="008000"/>
+                </a:solidFill>
+              </a:rPr>
+              <a:t>btnShop</a:t>
+            </a:r>
+            <a:r>
+              <a:rPr lang="en-US" sz="800" b="1" dirty="0">
+                <a:solidFill>
+                  <a:srgbClr val="008000"/>
+                </a:solidFill>
+              </a:rPr>
+              <a:t>"</a:t>
+            </a:r>
+            <a:br>
+              <a:rPr lang="en-US" sz="800" b="1" dirty="0">
+                <a:solidFill>
+                  <a:srgbClr val="008000"/>
+                </a:solidFill>
+              </a:rPr>
+            </a:br>
+            <a:r>
+              <a:rPr lang="en-US" sz="800" b="1" dirty="0">
+                <a:solidFill>
+                  <a:srgbClr val="008000"/>
+                </a:solidFill>
+              </a:rPr>
+              <a:t>        </a:t>
+            </a:r>
+            <a:r>
+              <a:rPr lang="en-US" sz="800" b="1" dirty="0" err="1">
+                <a:solidFill>
+                  <a:srgbClr val="660E7A"/>
+                </a:solidFill>
+              </a:rPr>
+              <a:t>android</a:t>
+            </a:r>
+            <a:r>
+              <a:rPr lang="en-US" sz="800" b="1" dirty="0" err="1">
+                <a:solidFill>
+                  <a:srgbClr val="0000FF"/>
+                </a:solidFill>
+              </a:rPr>
+              <a:t>:onClick</a:t>
+            </a:r>
+            <a:r>
+              <a:rPr lang="en-US" sz="800" b="1" dirty="0">
+                <a:solidFill>
+                  <a:srgbClr val="0000FF"/>
+                </a:solidFill>
+              </a:rPr>
+              <a:t>=</a:t>
+            </a:r>
+            <a:r>
+              <a:rPr lang="en-US" sz="800" b="1" dirty="0">
+                <a:solidFill>
+                  <a:srgbClr val="008000"/>
+                </a:solidFill>
+              </a:rPr>
+              <a:t>"</a:t>
+            </a:r>
+            <a:r>
+              <a:rPr lang="en-US" sz="800" b="1" dirty="0" err="1">
+                <a:solidFill>
+                  <a:srgbClr val="008000"/>
+                </a:solidFill>
+              </a:rPr>
+              <a:t>shopButton</a:t>
+            </a:r>
+            <a:r>
+              <a:rPr lang="en-US" sz="800" b="1" dirty="0">
+                <a:solidFill>
+                  <a:srgbClr val="008000"/>
+                </a:solidFill>
+              </a:rPr>
+              <a:t>"</a:t>
+            </a:r>
+            <a:br>
+              <a:rPr lang="en-US" sz="800" b="1" dirty="0">
+                <a:solidFill>
+                  <a:srgbClr val="008000"/>
+                </a:solidFill>
+              </a:rPr>
+            </a:br>
+            <a:r>
+              <a:rPr lang="en-US" sz="800" b="1" dirty="0">
+                <a:solidFill>
+                  <a:srgbClr val="008000"/>
+                </a:solidFill>
+              </a:rPr>
+              <a:t>        </a:t>
+            </a:r>
+            <a:r>
+              <a:rPr lang="en-US" sz="800" b="1" dirty="0" err="1">
+                <a:solidFill>
+                  <a:srgbClr val="660E7A"/>
+                </a:solidFill>
+              </a:rPr>
+              <a:t>android</a:t>
+            </a:r>
+            <a:r>
+              <a:rPr lang="en-US" sz="800" b="1" dirty="0" err="1">
+                <a:solidFill>
+                  <a:srgbClr val="0000FF"/>
+                </a:solidFill>
+              </a:rPr>
+              <a:t>:layout_alignParentTop</a:t>
+            </a:r>
+            <a:r>
+              <a:rPr lang="en-US" sz="800" b="1" dirty="0">
+                <a:solidFill>
+                  <a:srgbClr val="0000FF"/>
+                </a:solidFill>
+              </a:rPr>
+              <a:t>=</a:t>
+            </a:r>
+            <a:r>
+              <a:rPr lang="en-US" sz="800" b="1" dirty="0">
+                <a:solidFill>
+                  <a:srgbClr val="008000"/>
+                </a:solidFill>
+              </a:rPr>
+              <a:t>"true"</a:t>
+            </a:r>
+            <a:br>
+              <a:rPr lang="en-US" sz="800" b="1" dirty="0">
+                <a:solidFill>
+                  <a:srgbClr val="008000"/>
+                </a:solidFill>
+              </a:rPr>
+            </a:br>
+            <a:r>
+              <a:rPr lang="en-US" sz="800" b="1" dirty="0">
+                <a:solidFill>
+                  <a:srgbClr val="008000"/>
+                </a:solidFill>
+              </a:rPr>
+              <a:t>        </a:t>
+            </a:r>
+            <a:r>
+              <a:rPr lang="en-US" sz="800" b="1" dirty="0" err="1">
+                <a:solidFill>
+                  <a:srgbClr val="660E7A"/>
+                </a:solidFill>
+              </a:rPr>
+              <a:t>android</a:t>
+            </a:r>
+            <a:r>
+              <a:rPr lang="en-US" sz="800" b="1" dirty="0" err="1">
+                <a:solidFill>
+                  <a:srgbClr val="0000FF"/>
+                </a:solidFill>
+              </a:rPr>
+              <a:t>:layout_alignParentRight</a:t>
+            </a:r>
+            <a:r>
+              <a:rPr lang="en-US" sz="800" b="1" dirty="0">
+                <a:solidFill>
+                  <a:srgbClr val="0000FF"/>
+                </a:solidFill>
+              </a:rPr>
+              <a:t>=</a:t>
+            </a:r>
+            <a:r>
+              <a:rPr lang="en-US" sz="800" b="1" dirty="0">
+                <a:solidFill>
+                  <a:srgbClr val="008000"/>
+                </a:solidFill>
+              </a:rPr>
+              <a:t>"true"</a:t>
+            </a:r>
+            <a:br>
+              <a:rPr lang="en-US" sz="800" b="1" dirty="0">
+                <a:solidFill>
+                  <a:srgbClr val="008000"/>
+                </a:solidFill>
+              </a:rPr>
+            </a:br>
+            <a:r>
+              <a:rPr lang="en-US" sz="800" b="1" dirty="0">
+                <a:solidFill>
+                  <a:srgbClr val="008000"/>
+                </a:solidFill>
+              </a:rPr>
+              <a:t>        </a:t>
+            </a:r>
+            <a:r>
+              <a:rPr lang="en-US" sz="800" b="1" dirty="0" err="1">
+                <a:solidFill>
+                  <a:srgbClr val="660E7A"/>
+                </a:solidFill>
+              </a:rPr>
+              <a:t>android</a:t>
+            </a:r>
+            <a:r>
+              <a:rPr lang="en-US" sz="800" b="1" dirty="0" err="1">
+                <a:solidFill>
+                  <a:srgbClr val="0000FF"/>
+                </a:solidFill>
+              </a:rPr>
+              <a:t>:layout_alignParentEnd</a:t>
+            </a:r>
+            <a:r>
+              <a:rPr lang="en-US" sz="800" b="1" dirty="0">
+                <a:solidFill>
+                  <a:srgbClr val="0000FF"/>
+                </a:solidFill>
+              </a:rPr>
+              <a:t>=</a:t>
+            </a:r>
+            <a:r>
+              <a:rPr lang="en-US" sz="800" b="1" dirty="0">
+                <a:solidFill>
+                  <a:srgbClr val="008000"/>
+                </a:solidFill>
+              </a:rPr>
+              <a:t>"true" </a:t>
+            </a:r>
+            <a:r>
+              <a:rPr lang="en-US" sz="800" dirty="0"/>
+              <a:t>/&gt;</a:t>
+            </a:r>
+            <a:br>
+              <a:rPr lang="en-US" sz="800" dirty="0"/>
+            </a:br>
+            <a:r>
+              <a:rPr lang="en-US" sz="800" dirty="0"/>
+              <a:t>&lt;/</a:t>
+            </a:r>
+            <a:r>
+              <a:rPr lang="en-US" sz="800" b="1" dirty="0" err="1">
+                <a:solidFill>
+                  <a:srgbClr val="000080"/>
+                </a:solidFill>
+              </a:rPr>
+              <a:t>RelativeLayout</a:t>
+            </a:r>
+            <a:r>
+              <a:rPr lang="en-US" sz="800" dirty="0"/>
+              <a:t>&gt;</a:t>
+            </a:r>
           </a:p>
         </p:txBody>
       </p:sp>
+      <p:pic>
+        <p:nvPicPr>
+          <p:cNvPr id="2049" name="Picture 1" descr="C:\Users\JoshDesktop\OneDrive\Work Things\DubTech\pictures\blog\Intent\2MainActivity.PNG"/>
+          <p:cNvPicPr>
+            <a:picLocks noChangeAspect="1" noChangeArrowheads="1"/>
+          </p:cNvPicPr>
+          <p:nvPr/>
+        </p:nvPicPr>
+        <p:blipFill>
+          <a:blip r:embed="rId2">
+            <a:extLst>
+              <a:ext uri="{28A0092B-C50C-407E-A947-70E740481C1C}">
+                <a14:useLocalDpi xmlns:a14="http://schemas.microsoft.com/office/drawing/2010/main" val="0"/>
+              </a:ext>
+            </a:extLst>
+          </a:blip>
+          <a:srcRect/>
+          <a:stretch>
+            <a:fillRect/>
+          </a:stretch>
+        </p:blipFill>
+        <p:spPr bwMode="auto">
+          <a:xfrm>
+            <a:off x="4876800" y="1371600"/>
+            <a:ext cx="3293729" cy="5259388"/>
+          </a:xfrm>
+          <a:prstGeom prst="rect">
+            <a:avLst/>
+          </a:prstGeom>
+          <a:noFill/>
+          <a:extLst>
+            <a:ext uri="{909E8E84-426E-40DD-AFC4-6F175D3DCCD1}">
+              <a14:hiddenFill xmlns:a14="http://schemas.microsoft.com/office/drawing/2010/main">
+                <a:solidFill>
+                  <a:srgbClr val="FFFFFF"/>
+                </a:solidFill>
+              </a14:hiddenFill>
+            </a:ext>
+          </a:extLst>
+        </p:spPr>
+      </p:pic>
     </p:spTree>
     <p:extLst>
       <p:ext uri="{BB962C8B-B14F-4D97-AF65-F5344CB8AC3E}">
-        <p14:creationId xmlns:p14="http://schemas.microsoft.com/office/powerpoint/2010/main" val="1206186605"/>
+        <p14:creationId xmlns:p14="http://schemas.microsoft.com/office/powerpoint/2010/main" val="2534770513"/>
       </p:ext>
     </p:extLst>
   </p:cSld>
@@ -4821,7 +6899,7 @@
           <a:p>
             <a:r>
               <a:rPr lang="en-US" dirty="0" smtClean="0"/>
-              <a:t>Acitivty_main.xml</a:t>
+              <a:t>MainActivity.java</a:t>
             </a:r>
             <a:endParaRPr lang="en-US" dirty="0"/>
           </a:p>
@@ -4839,2128 +6917,3101 @@
         </p:nvSpPr>
         <p:spPr>
           <a:xfrm>
-            <a:off x="457200" y="1600200"/>
-            <a:ext cx="4191000" cy="4953000"/>
+            <a:off x="457200" y="1066800"/>
+            <a:ext cx="8686800" cy="6096000"/>
           </a:xfrm>
         </p:spPr>
         <p:txBody>
           <a:bodyPr>
-            <a:noAutofit/>
+            <a:normAutofit fontScale="25000" lnSpcReduction="20000"/>
           </a:bodyPr>
           <a:lstStyle/>
+          <a:p>
+            <a:pPr marL="0" marR="0" indent="0">
+              <a:lnSpc>
+                <a:spcPct val="115000"/>
+              </a:lnSpc>
+              <a:spcBef>
+                <a:spcPts val="0"/>
+              </a:spcBef>
+              <a:spcAft>
+                <a:spcPts val="0"/>
+              </a:spcAft>
+              <a:buNone/>
+              <a:tabLst>
+                <a:tab pos="581660" algn="l"/>
+                <a:tab pos="1163320" algn="l"/>
+                <a:tab pos="1744980" algn="l"/>
+                <a:tab pos="2326640" algn="l"/>
+                <a:tab pos="2908300" algn="l"/>
+                <a:tab pos="3489960" algn="l"/>
+                <a:tab pos="4071620" algn="l"/>
+                <a:tab pos="4653280" algn="l"/>
+                <a:tab pos="5234940" algn="l"/>
+                <a:tab pos="5816600" algn="l"/>
+                <a:tab pos="6398260" algn="l"/>
+                <a:tab pos="6979920" algn="l"/>
+                <a:tab pos="7561580" algn="l"/>
+                <a:tab pos="8143240" algn="l"/>
+                <a:tab pos="8724900" algn="l"/>
+                <a:tab pos="9306560" algn="l"/>
+              </a:tabLst>
+            </a:pPr>
+            <a:r>
+              <a:rPr lang="en-US" b="1" dirty="0">
+                <a:solidFill>
+                  <a:srgbClr val="000080"/>
+                </a:solidFill>
+                <a:latin typeface="Courier New"/>
+                <a:ea typeface="Times New Roman"/>
+                <a:cs typeface="Times New Roman"/>
+              </a:rPr>
+              <a:t>public class </a:t>
+            </a:r>
+            <a:r>
+              <a:rPr lang="en-US" dirty="0" err="1">
+                <a:solidFill>
+                  <a:srgbClr val="000000"/>
+                </a:solidFill>
+                <a:latin typeface="Courier New"/>
+                <a:ea typeface="Times New Roman"/>
+                <a:cs typeface="Times New Roman"/>
+              </a:rPr>
+              <a:t>MainActivity</a:t>
+            </a:r>
+            <a:r>
+              <a:rPr lang="en-US" dirty="0">
+                <a:solidFill>
+                  <a:srgbClr val="000000"/>
+                </a:solidFill>
+                <a:latin typeface="Courier New"/>
+                <a:ea typeface="Times New Roman"/>
+                <a:cs typeface="Times New Roman"/>
+              </a:rPr>
+              <a:t> </a:t>
+            </a:r>
+            <a:r>
+              <a:rPr lang="en-US" b="1" dirty="0">
+                <a:solidFill>
+                  <a:srgbClr val="000080"/>
+                </a:solidFill>
+                <a:latin typeface="Courier New"/>
+                <a:ea typeface="Times New Roman"/>
+                <a:cs typeface="Times New Roman"/>
+              </a:rPr>
+              <a:t>extends </a:t>
+            </a:r>
+            <a:r>
+              <a:rPr lang="en-US" dirty="0" err="1">
+                <a:solidFill>
+                  <a:srgbClr val="000000"/>
+                </a:solidFill>
+                <a:latin typeface="Courier New"/>
+                <a:ea typeface="Times New Roman"/>
+                <a:cs typeface="Times New Roman"/>
+              </a:rPr>
+              <a:t>AppCompatActivity</a:t>
+            </a:r>
+            <a:r>
+              <a:rPr lang="en-US" dirty="0">
+                <a:solidFill>
+                  <a:srgbClr val="000000"/>
+                </a:solidFill>
+                <a:latin typeface="Courier New"/>
+                <a:ea typeface="Times New Roman"/>
+                <a:cs typeface="Times New Roman"/>
+              </a:rPr>
+              <a:t> {</a:t>
+            </a:r>
+            <a:br>
+              <a:rPr lang="en-US" dirty="0">
+                <a:solidFill>
+                  <a:srgbClr val="000000"/>
+                </a:solidFill>
+                <a:latin typeface="Courier New"/>
+                <a:ea typeface="Times New Roman"/>
+                <a:cs typeface="Times New Roman"/>
+              </a:rPr>
+            </a:br>
+            <a:r>
+              <a:rPr lang="en-US" dirty="0">
+                <a:solidFill>
+                  <a:srgbClr val="000000"/>
+                </a:solidFill>
+                <a:latin typeface="Courier New"/>
+                <a:ea typeface="Times New Roman"/>
+                <a:cs typeface="Times New Roman"/>
+              </a:rPr>
+              <a:t>    </a:t>
+            </a:r>
+            <a:r>
+              <a:rPr lang="en-US" b="1" dirty="0">
+                <a:solidFill>
+                  <a:srgbClr val="000080"/>
+                </a:solidFill>
+                <a:latin typeface="Courier New"/>
+                <a:ea typeface="Times New Roman"/>
+                <a:cs typeface="Times New Roman"/>
+              </a:rPr>
+              <a:t>private </a:t>
+            </a:r>
+            <a:r>
+              <a:rPr lang="en-US" dirty="0" err="1">
+                <a:solidFill>
+                  <a:srgbClr val="000000"/>
+                </a:solidFill>
+                <a:latin typeface="Courier New"/>
+                <a:ea typeface="Times New Roman"/>
+                <a:cs typeface="Times New Roman"/>
+              </a:rPr>
+              <a:t>TextView</a:t>
+            </a:r>
+            <a:r>
+              <a:rPr lang="en-US" dirty="0">
+                <a:solidFill>
+                  <a:srgbClr val="000000"/>
+                </a:solidFill>
+                <a:latin typeface="Courier New"/>
+                <a:ea typeface="Times New Roman"/>
+                <a:cs typeface="Times New Roman"/>
+              </a:rPr>
+              <a:t> </a:t>
+            </a:r>
+            <a:r>
+              <a:rPr lang="en-US" b="1" dirty="0" err="1">
+                <a:solidFill>
+                  <a:srgbClr val="660E7A"/>
+                </a:solidFill>
+                <a:latin typeface="Courier New"/>
+                <a:ea typeface="Times New Roman"/>
+                <a:cs typeface="Times New Roman"/>
+              </a:rPr>
+              <a:t>tvPoints</a:t>
+            </a:r>
+            <a:r>
+              <a:rPr lang="en-US" dirty="0">
+                <a:solidFill>
+                  <a:srgbClr val="000000"/>
+                </a:solidFill>
+                <a:latin typeface="Courier New"/>
+                <a:ea typeface="Times New Roman"/>
+                <a:cs typeface="Times New Roman"/>
+              </a:rPr>
+              <a:t>;</a:t>
+            </a:r>
+            <a:br>
+              <a:rPr lang="en-US" dirty="0">
+                <a:solidFill>
+                  <a:srgbClr val="000000"/>
+                </a:solidFill>
+                <a:latin typeface="Courier New"/>
+                <a:ea typeface="Times New Roman"/>
+                <a:cs typeface="Times New Roman"/>
+              </a:rPr>
+            </a:br>
+            <a:r>
+              <a:rPr lang="en-US" dirty="0">
+                <a:solidFill>
+                  <a:srgbClr val="000000"/>
+                </a:solidFill>
+                <a:latin typeface="Courier New"/>
+                <a:ea typeface="Times New Roman"/>
+                <a:cs typeface="Times New Roman"/>
+              </a:rPr>
+              <a:t>    </a:t>
+            </a:r>
+            <a:r>
+              <a:rPr lang="en-US" b="1" dirty="0">
+                <a:solidFill>
+                  <a:srgbClr val="000080"/>
+                </a:solidFill>
+                <a:latin typeface="Courier New"/>
+                <a:ea typeface="Times New Roman"/>
+                <a:cs typeface="Times New Roman"/>
+              </a:rPr>
+              <a:t>private </a:t>
+            </a:r>
+            <a:r>
+              <a:rPr lang="en-US" dirty="0">
+                <a:solidFill>
+                  <a:srgbClr val="000000"/>
+                </a:solidFill>
+                <a:latin typeface="Courier New"/>
+                <a:ea typeface="Times New Roman"/>
+                <a:cs typeface="Times New Roman"/>
+              </a:rPr>
+              <a:t>Button </a:t>
+            </a:r>
+            <a:r>
+              <a:rPr lang="en-US" b="1" dirty="0" err="1">
+                <a:solidFill>
+                  <a:srgbClr val="660E7A"/>
+                </a:solidFill>
+                <a:latin typeface="Courier New"/>
+                <a:ea typeface="Times New Roman"/>
+                <a:cs typeface="Times New Roman"/>
+              </a:rPr>
+              <a:t>btn</a:t>
+            </a:r>
+            <a:r>
+              <a:rPr lang="en-US" dirty="0">
+                <a:solidFill>
+                  <a:srgbClr val="000000"/>
+                </a:solidFill>
+                <a:latin typeface="Courier New"/>
+                <a:ea typeface="Times New Roman"/>
+                <a:cs typeface="Times New Roman"/>
+              </a:rPr>
+              <a:t>;</a:t>
+            </a:r>
+            <a:br>
+              <a:rPr lang="en-US" dirty="0">
+                <a:solidFill>
+                  <a:srgbClr val="000000"/>
+                </a:solidFill>
+                <a:latin typeface="Courier New"/>
+                <a:ea typeface="Times New Roman"/>
+                <a:cs typeface="Times New Roman"/>
+              </a:rPr>
+            </a:br>
+            <a:r>
+              <a:rPr lang="en-US" dirty="0">
+                <a:solidFill>
+                  <a:srgbClr val="000000"/>
+                </a:solidFill>
+                <a:latin typeface="Courier New"/>
+                <a:ea typeface="Times New Roman"/>
+                <a:cs typeface="Times New Roman"/>
+              </a:rPr>
+              <a:t>    </a:t>
+            </a:r>
+            <a:r>
+              <a:rPr lang="en-US" b="1" dirty="0">
+                <a:solidFill>
+                  <a:srgbClr val="000080"/>
+                </a:solidFill>
+                <a:latin typeface="Courier New"/>
+                <a:ea typeface="Times New Roman"/>
+                <a:cs typeface="Times New Roman"/>
+              </a:rPr>
+              <a:t>private </a:t>
+            </a:r>
+            <a:r>
+              <a:rPr lang="en-US" b="1" dirty="0" err="1">
+                <a:solidFill>
+                  <a:srgbClr val="000080"/>
+                </a:solidFill>
+                <a:latin typeface="Courier New"/>
+                <a:ea typeface="Times New Roman"/>
+                <a:cs typeface="Times New Roman"/>
+              </a:rPr>
+              <a:t>int</a:t>
+            </a:r>
+            <a:r>
+              <a:rPr lang="en-US" b="1" dirty="0">
+                <a:solidFill>
+                  <a:srgbClr val="000080"/>
+                </a:solidFill>
+                <a:latin typeface="Courier New"/>
+                <a:ea typeface="Times New Roman"/>
+                <a:cs typeface="Times New Roman"/>
+              </a:rPr>
+              <a:t> </a:t>
+            </a:r>
+            <a:r>
+              <a:rPr lang="en-US" b="1" dirty="0">
+                <a:solidFill>
+                  <a:srgbClr val="660E7A"/>
+                </a:solidFill>
+                <a:latin typeface="Courier New"/>
+                <a:ea typeface="Times New Roman"/>
+                <a:cs typeface="Times New Roman"/>
+              </a:rPr>
+              <a:t>points</a:t>
+            </a:r>
+            <a:r>
+              <a:rPr lang="en-US" dirty="0">
+                <a:solidFill>
+                  <a:srgbClr val="000000"/>
+                </a:solidFill>
+                <a:latin typeface="Courier New"/>
+                <a:ea typeface="Times New Roman"/>
+                <a:cs typeface="Times New Roman"/>
+              </a:rPr>
+              <a:t>;</a:t>
+            </a:r>
+            <a:br>
+              <a:rPr lang="en-US" dirty="0">
+                <a:solidFill>
+                  <a:srgbClr val="000000"/>
+                </a:solidFill>
+                <a:latin typeface="Courier New"/>
+                <a:ea typeface="Times New Roman"/>
+                <a:cs typeface="Times New Roman"/>
+              </a:rPr>
+            </a:br>
+            <a:r>
+              <a:rPr lang="en-US" dirty="0">
+                <a:solidFill>
+                  <a:srgbClr val="000000"/>
+                </a:solidFill>
+                <a:latin typeface="Courier New"/>
+                <a:ea typeface="Times New Roman"/>
+                <a:cs typeface="Times New Roman"/>
+              </a:rPr>
+              <a:t>    </a:t>
+            </a:r>
+            <a:r>
+              <a:rPr lang="en-US" b="1" dirty="0">
+                <a:solidFill>
+                  <a:srgbClr val="000080"/>
+                </a:solidFill>
+                <a:latin typeface="Courier New"/>
+                <a:ea typeface="Times New Roman"/>
+                <a:cs typeface="Times New Roman"/>
+              </a:rPr>
+              <a:t>private </a:t>
+            </a:r>
+            <a:r>
+              <a:rPr lang="en-US" dirty="0" err="1">
+                <a:solidFill>
+                  <a:srgbClr val="000000"/>
+                </a:solidFill>
+                <a:latin typeface="Courier New"/>
+                <a:ea typeface="Times New Roman"/>
+                <a:cs typeface="Times New Roman"/>
+              </a:rPr>
+              <a:t>SharedPreferences</a:t>
+            </a:r>
+            <a:r>
+              <a:rPr lang="en-US" dirty="0">
+                <a:solidFill>
+                  <a:srgbClr val="000000"/>
+                </a:solidFill>
+                <a:latin typeface="Courier New"/>
+                <a:ea typeface="Times New Roman"/>
+                <a:cs typeface="Times New Roman"/>
+              </a:rPr>
+              <a:t> </a:t>
+            </a:r>
+            <a:r>
+              <a:rPr lang="en-US" b="1" dirty="0" err="1">
+                <a:solidFill>
+                  <a:srgbClr val="660E7A"/>
+                </a:solidFill>
+                <a:latin typeface="Courier New"/>
+                <a:ea typeface="Times New Roman"/>
+                <a:cs typeface="Times New Roman"/>
+              </a:rPr>
+              <a:t>pref</a:t>
+            </a:r>
+            <a:r>
+              <a:rPr lang="en-US" dirty="0">
+                <a:solidFill>
+                  <a:srgbClr val="000000"/>
+                </a:solidFill>
+                <a:latin typeface="Courier New"/>
+                <a:ea typeface="Times New Roman"/>
+                <a:cs typeface="Times New Roman"/>
+              </a:rPr>
+              <a:t>;</a:t>
+            </a:r>
+            <a:br>
+              <a:rPr lang="en-US" dirty="0">
+                <a:solidFill>
+                  <a:srgbClr val="000000"/>
+                </a:solidFill>
+                <a:latin typeface="Courier New"/>
+                <a:ea typeface="Times New Roman"/>
+                <a:cs typeface="Times New Roman"/>
+              </a:rPr>
+            </a:br>
+            <a:r>
+              <a:rPr lang="en-US" dirty="0">
+                <a:solidFill>
+                  <a:srgbClr val="000000"/>
+                </a:solidFill>
+                <a:latin typeface="Courier New"/>
+                <a:ea typeface="Times New Roman"/>
+                <a:cs typeface="Times New Roman"/>
+              </a:rPr>
+              <a:t>    </a:t>
+            </a:r>
+            <a:r>
+              <a:rPr lang="en-US" b="1" dirty="0">
+                <a:solidFill>
+                  <a:srgbClr val="000080"/>
+                </a:solidFill>
+                <a:latin typeface="Courier New"/>
+                <a:ea typeface="Times New Roman"/>
+                <a:cs typeface="Times New Roman"/>
+              </a:rPr>
+              <a:t>private </a:t>
+            </a:r>
+            <a:r>
+              <a:rPr lang="en-US" dirty="0">
+                <a:solidFill>
+                  <a:srgbClr val="000000"/>
+                </a:solidFill>
+                <a:latin typeface="Courier New"/>
+                <a:ea typeface="Times New Roman"/>
+                <a:cs typeface="Times New Roman"/>
+              </a:rPr>
+              <a:t>Button </a:t>
+            </a:r>
+            <a:r>
+              <a:rPr lang="en-US" b="1" dirty="0">
+                <a:solidFill>
+                  <a:srgbClr val="660E7A"/>
+                </a:solidFill>
+                <a:latin typeface="Courier New"/>
+                <a:ea typeface="Times New Roman"/>
+                <a:cs typeface="Times New Roman"/>
+              </a:rPr>
+              <a:t>store</a:t>
+            </a:r>
+            <a:r>
+              <a:rPr lang="en-US" dirty="0">
+                <a:solidFill>
+                  <a:srgbClr val="000000"/>
+                </a:solidFill>
+                <a:latin typeface="Courier New"/>
+                <a:ea typeface="Times New Roman"/>
+                <a:cs typeface="Times New Roman"/>
+              </a:rPr>
+              <a:t>; </a:t>
+            </a:r>
+            <a:r>
+              <a:rPr lang="en-US" i="1" dirty="0">
+                <a:solidFill>
+                  <a:srgbClr val="808080"/>
+                </a:solidFill>
+                <a:latin typeface="Courier New"/>
+                <a:ea typeface="Times New Roman"/>
+                <a:cs typeface="Times New Roman"/>
+              </a:rPr>
+              <a:t>// !!!! Change #1</a:t>
+            </a:r>
+            <a:br>
+              <a:rPr lang="en-US" i="1" dirty="0">
+                <a:solidFill>
+                  <a:srgbClr val="808080"/>
+                </a:solidFill>
+                <a:latin typeface="Courier New"/>
+                <a:ea typeface="Times New Roman"/>
+                <a:cs typeface="Times New Roman"/>
+              </a:rPr>
+            </a:br>
+            <a:r>
+              <a:rPr lang="en-US" i="1" dirty="0">
+                <a:solidFill>
+                  <a:srgbClr val="808080"/>
+                </a:solidFill>
+                <a:latin typeface="Courier New"/>
+                <a:ea typeface="Times New Roman"/>
+                <a:cs typeface="Times New Roman"/>
+              </a:rPr>
+              <a:t/>
+            </a:r>
+            <a:br>
+              <a:rPr lang="en-US" i="1" dirty="0">
+                <a:solidFill>
+                  <a:srgbClr val="808080"/>
+                </a:solidFill>
+                <a:latin typeface="Courier New"/>
+                <a:ea typeface="Times New Roman"/>
+                <a:cs typeface="Times New Roman"/>
+              </a:rPr>
+            </a:br>
+            <a:r>
+              <a:rPr lang="en-US" i="1" dirty="0">
+                <a:solidFill>
+                  <a:srgbClr val="808080"/>
+                </a:solidFill>
+                <a:latin typeface="Courier New"/>
+                <a:ea typeface="Times New Roman"/>
+                <a:cs typeface="Times New Roman"/>
+              </a:rPr>
+              <a:t>    // Hard-coded values to prevent confusion with variable types</a:t>
+            </a:r>
+            <a:br>
+              <a:rPr lang="en-US" i="1" dirty="0">
+                <a:solidFill>
+                  <a:srgbClr val="808080"/>
+                </a:solidFill>
+                <a:latin typeface="Courier New"/>
+                <a:ea typeface="Times New Roman"/>
+                <a:cs typeface="Times New Roman"/>
+              </a:rPr>
+            </a:br>
+            <a:r>
+              <a:rPr lang="en-US" i="1" dirty="0">
+                <a:solidFill>
+                  <a:srgbClr val="808080"/>
+                </a:solidFill>
+                <a:latin typeface="Courier New"/>
+                <a:ea typeface="Times New Roman"/>
+                <a:cs typeface="Times New Roman"/>
+              </a:rPr>
+              <a:t>    </a:t>
+            </a:r>
+            <a:r>
+              <a:rPr lang="en-US" b="1" dirty="0">
+                <a:solidFill>
+                  <a:srgbClr val="000080"/>
+                </a:solidFill>
+                <a:latin typeface="Courier New"/>
+                <a:ea typeface="Times New Roman"/>
+                <a:cs typeface="Times New Roman"/>
+              </a:rPr>
+              <a:t>private final </a:t>
+            </a:r>
+            <a:r>
+              <a:rPr lang="en-US" dirty="0">
+                <a:solidFill>
+                  <a:srgbClr val="000000"/>
+                </a:solidFill>
+                <a:latin typeface="Courier New"/>
+                <a:ea typeface="Times New Roman"/>
+                <a:cs typeface="Times New Roman"/>
+              </a:rPr>
+              <a:t>String </a:t>
+            </a:r>
+            <a:r>
+              <a:rPr lang="en-US" b="1" dirty="0">
+                <a:solidFill>
+                  <a:srgbClr val="660E7A"/>
+                </a:solidFill>
+                <a:latin typeface="Courier New"/>
+                <a:ea typeface="Times New Roman"/>
+                <a:cs typeface="Times New Roman"/>
+              </a:rPr>
+              <a:t>PREF_NAME </a:t>
+            </a:r>
+            <a:r>
+              <a:rPr lang="en-US" dirty="0">
+                <a:solidFill>
+                  <a:srgbClr val="000000"/>
+                </a:solidFill>
+                <a:latin typeface="Courier New"/>
+                <a:ea typeface="Times New Roman"/>
+                <a:cs typeface="Times New Roman"/>
+              </a:rPr>
+              <a:t>= </a:t>
+            </a:r>
+            <a:r>
+              <a:rPr lang="en-US" b="1" dirty="0">
+                <a:solidFill>
+                  <a:srgbClr val="008000"/>
+                </a:solidFill>
+                <a:latin typeface="Courier New"/>
+                <a:ea typeface="Times New Roman"/>
+                <a:cs typeface="Times New Roman"/>
+              </a:rPr>
+              <a:t>"</a:t>
+            </a:r>
+            <a:r>
+              <a:rPr lang="en-US" b="1" dirty="0" err="1">
+                <a:solidFill>
+                  <a:srgbClr val="008000"/>
+                </a:solidFill>
+                <a:latin typeface="Courier New"/>
+                <a:ea typeface="Times New Roman"/>
+                <a:cs typeface="Times New Roman"/>
+              </a:rPr>
+              <a:t>pref</a:t>
+            </a:r>
+            <a:r>
+              <a:rPr lang="en-US" b="1" dirty="0">
+                <a:solidFill>
+                  <a:srgbClr val="008000"/>
+                </a:solidFill>
+                <a:latin typeface="Courier New"/>
+                <a:ea typeface="Times New Roman"/>
+                <a:cs typeface="Times New Roman"/>
+              </a:rPr>
+              <a:t>"</a:t>
+            </a:r>
+            <a:r>
+              <a:rPr lang="en-US" dirty="0">
+                <a:solidFill>
+                  <a:srgbClr val="000000"/>
+                </a:solidFill>
+                <a:latin typeface="Courier New"/>
+                <a:ea typeface="Times New Roman"/>
+                <a:cs typeface="Times New Roman"/>
+              </a:rPr>
+              <a:t>;</a:t>
+            </a:r>
+            <a:br>
+              <a:rPr lang="en-US" dirty="0">
+                <a:solidFill>
+                  <a:srgbClr val="000000"/>
+                </a:solidFill>
+                <a:latin typeface="Courier New"/>
+                <a:ea typeface="Times New Roman"/>
+                <a:cs typeface="Times New Roman"/>
+              </a:rPr>
+            </a:br>
+            <a:r>
+              <a:rPr lang="en-US" dirty="0">
+                <a:solidFill>
+                  <a:srgbClr val="000000"/>
+                </a:solidFill>
+                <a:latin typeface="Courier New"/>
+                <a:ea typeface="Times New Roman"/>
+                <a:cs typeface="Times New Roman"/>
+              </a:rPr>
+              <a:t>    </a:t>
+            </a:r>
+            <a:r>
+              <a:rPr lang="en-US" b="1" dirty="0">
+                <a:solidFill>
+                  <a:srgbClr val="000080"/>
+                </a:solidFill>
+                <a:latin typeface="Courier New"/>
+                <a:ea typeface="Times New Roman"/>
+                <a:cs typeface="Times New Roman"/>
+              </a:rPr>
+              <a:t>private final </a:t>
+            </a:r>
+            <a:r>
+              <a:rPr lang="en-US" dirty="0">
+                <a:solidFill>
+                  <a:srgbClr val="000000"/>
+                </a:solidFill>
+                <a:latin typeface="Courier New"/>
+                <a:ea typeface="Times New Roman"/>
+                <a:cs typeface="Times New Roman"/>
+              </a:rPr>
+              <a:t>String </a:t>
+            </a:r>
+            <a:r>
+              <a:rPr lang="en-US" b="1" dirty="0">
+                <a:solidFill>
+                  <a:srgbClr val="660E7A"/>
+                </a:solidFill>
+                <a:latin typeface="Courier New"/>
+                <a:ea typeface="Times New Roman"/>
+                <a:cs typeface="Times New Roman"/>
+              </a:rPr>
+              <a:t>POINTS </a:t>
+            </a:r>
+            <a:r>
+              <a:rPr lang="en-US" dirty="0">
+                <a:solidFill>
+                  <a:srgbClr val="000000"/>
+                </a:solidFill>
+                <a:latin typeface="Courier New"/>
+                <a:ea typeface="Times New Roman"/>
+                <a:cs typeface="Times New Roman"/>
+              </a:rPr>
+              <a:t>= </a:t>
+            </a:r>
+            <a:r>
+              <a:rPr lang="en-US" b="1" dirty="0">
+                <a:solidFill>
+                  <a:srgbClr val="008000"/>
+                </a:solidFill>
+                <a:latin typeface="Courier New"/>
+                <a:ea typeface="Times New Roman"/>
+                <a:cs typeface="Times New Roman"/>
+              </a:rPr>
+              <a:t>"</a:t>
+            </a:r>
+            <a:r>
+              <a:rPr lang="en-US" b="1" dirty="0" err="1">
+                <a:solidFill>
+                  <a:srgbClr val="008000"/>
+                </a:solidFill>
+                <a:latin typeface="Courier New"/>
+                <a:ea typeface="Times New Roman"/>
+                <a:cs typeface="Times New Roman"/>
+              </a:rPr>
+              <a:t>totalPoints</a:t>
+            </a:r>
+            <a:r>
+              <a:rPr lang="en-US" b="1" dirty="0">
+                <a:solidFill>
+                  <a:srgbClr val="008000"/>
+                </a:solidFill>
+                <a:latin typeface="Courier New"/>
+                <a:ea typeface="Times New Roman"/>
+                <a:cs typeface="Times New Roman"/>
+              </a:rPr>
+              <a:t>"</a:t>
+            </a:r>
+            <a:r>
+              <a:rPr lang="en-US" dirty="0">
+                <a:solidFill>
+                  <a:srgbClr val="000000"/>
+                </a:solidFill>
+                <a:latin typeface="Courier New"/>
+                <a:ea typeface="Times New Roman"/>
+                <a:cs typeface="Times New Roman"/>
+              </a:rPr>
+              <a:t>;</a:t>
+            </a:r>
+            <a:br>
+              <a:rPr lang="en-US" dirty="0">
+                <a:solidFill>
+                  <a:srgbClr val="000000"/>
+                </a:solidFill>
+                <a:latin typeface="Courier New"/>
+                <a:ea typeface="Times New Roman"/>
+                <a:cs typeface="Times New Roman"/>
+              </a:rPr>
+            </a:br>
+            <a:r>
+              <a:rPr lang="en-US" dirty="0">
+                <a:solidFill>
+                  <a:srgbClr val="000000"/>
+                </a:solidFill>
+                <a:latin typeface="Courier New"/>
+                <a:ea typeface="Times New Roman"/>
+                <a:cs typeface="Times New Roman"/>
+              </a:rPr>
+              <a:t/>
+            </a:r>
+            <a:br>
+              <a:rPr lang="en-US" dirty="0">
+                <a:solidFill>
+                  <a:srgbClr val="000000"/>
+                </a:solidFill>
+                <a:latin typeface="Courier New"/>
+                <a:ea typeface="Times New Roman"/>
+                <a:cs typeface="Times New Roman"/>
+              </a:rPr>
+            </a:br>
+            <a:r>
+              <a:rPr lang="en-US" dirty="0">
+                <a:solidFill>
+                  <a:srgbClr val="000000"/>
+                </a:solidFill>
+                <a:latin typeface="Courier New"/>
+                <a:ea typeface="Times New Roman"/>
+                <a:cs typeface="Times New Roman"/>
+              </a:rPr>
+              <a:t>    </a:t>
+            </a:r>
+            <a:r>
+              <a:rPr lang="en-US" dirty="0">
+                <a:solidFill>
+                  <a:srgbClr val="808000"/>
+                </a:solidFill>
+                <a:latin typeface="Courier New"/>
+                <a:ea typeface="Times New Roman"/>
+                <a:cs typeface="Times New Roman"/>
+              </a:rPr>
+              <a:t>@Override</a:t>
+            </a:r>
+            <a:br>
+              <a:rPr lang="en-US" dirty="0">
+                <a:solidFill>
+                  <a:srgbClr val="808000"/>
+                </a:solidFill>
+                <a:latin typeface="Courier New"/>
+                <a:ea typeface="Times New Roman"/>
+                <a:cs typeface="Times New Roman"/>
+              </a:rPr>
+            </a:br>
+            <a:r>
+              <a:rPr lang="en-US" dirty="0">
+                <a:solidFill>
+                  <a:srgbClr val="808000"/>
+                </a:solidFill>
+                <a:latin typeface="Courier New"/>
+                <a:ea typeface="Times New Roman"/>
+                <a:cs typeface="Times New Roman"/>
+              </a:rPr>
+              <a:t>    </a:t>
+            </a:r>
+            <a:r>
+              <a:rPr lang="en-US" b="1" dirty="0">
+                <a:solidFill>
+                  <a:srgbClr val="000080"/>
+                </a:solidFill>
+                <a:latin typeface="Courier New"/>
+                <a:ea typeface="Times New Roman"/>
+                <a:cs typeface="Times New Roman"/>
+              </a:rPr>
+              <a:t>protected void </a:t>
+            </a:r>
+            <a:r>
+              <a:rPr lang="en-US" dirty="0" err="1">
+                <a:solidFill>
+                  <a:srgbClr val="000000"/>
+                </a:solidFill>
+                <a:latin typeface="Courier New"/>
+                <a:ea typeface="Times New Roman"/>
+                <a:cs typeface="Times New Roman"/>
+              </a:rPr>
+              <a:t>onCreate</a:t>
+            </a:r>
+            <a:r>
+              <a:rPr lang="en-US" dirty="0">
+                <a:solidFill>
+                  <a:srgbClr val="000000"/>
+                </a:solidFill>
+                <a:latin typeface="Courier New"/>
+                <a:ea typeface="Times New Roman"/>
+                <a:cs typeface="Times New Roman"/>
+              </a:rPr>
+              <a:t>(Bundle </a:t>
+            </a:r>
+            <a:r>
+              <a:rPr lang="en-US" dirty="0" err="1">
+                <a:solidFill>
+                  <a:srgbClr val="000000"/>
+                </a:solidFill>
+                <a:latin typeface="Courier New"/>
+                <a:ea typeface="Times New Roman"/>
+                <a:cs typeface="Times New Roman"/>
+              </a:rPr>
+              <a:t>savedInstanceState</a:t>
+            </a:r>
+            <a:r>
+              <a:rPr lang="en-US" dirty="0">
+                <a:solidFill>
+                  <a:srgbClr val="000000"/>
+                </a:solidFill>
+                <a:latin typeface="Courier New"/>
+                <a:ea typeface="Times New Roman"/>
+                <a:cs typeface="Times New Roman"/>
+              </a:rPr>
+              <a:t>) {</a:t>
+            </a:r>
+            <a:br>
+              <a:rPr lang="en-US" dirty="0">
+                <a:solidFill>
+                  <a:srgbClr val="000000"/>
+                </a:solidFill>
+                <a:latin typeface="Courier New"/>
+                <a:ea typeface="Times New Roman"/>
+                <a:cs typeface="Times New Roman"/>
+              </a:rPr>
+            </a:br>
+            <a:r>
+              <a:rPr lang="en-US" dirty="0">
+                <a:solidFill>
+                  <a:srgbClr val="000000"/>
+                </a:solidFill>
+                <a:latin typeface="Courier New"/>
+                <a:ea typeface="Times New Roman"/>
+                <a:cs typeface="Times New Roman"/>
+              </a:rPr>
+              <a:t>        </a:t>
+            </a:r>
+            <a:r>
+              <a:rPr lang="en-US" b="1" dirty="0" err="1">
+                <a:solidFill>
+                  <a:srgbClr val="000080"/>
+                </a:solidFill>
+                <a:latin typeface="Courier New"/>
+                <a:ea typeface="Times New Roman"/>
+                <a:cs typeface="Times New Roman"/>
+              </a:rPr>
+              <a:t>super</a:t>
+            </a:r>
+            <a:r>
+              <a:rPr lang="en-US" dirty="0" err="1">
+                <a:solidFill>
+                  <a:srgbClr val="000000"/>
+                </a:solidFill>
+                <a:latin typeface="Courier New"/>
+                <a:ea typeface="Times New Roman"/>
+                <a:cs typeface="Times New Roman"/>
+              </a:rPr>
+              <a:t>.onCreate</a:t>
+            </a:r>
+            <a:r>
+              <a:rPr lang="en-US" dirty="0">
+                <a:solidFill>
+                  <a:srgbClr val="000000"/>
+                </a:solidFill>
+                <a:latin typeface="Courier New"/>
+                <a:ea typeface="Times New Roman"/>
+                <a:cs typeface="Times New Roman"/>
+              </a:rPr>
+              <a:t>(</a:t>
+            </a:r>
+            <a:r>
+              <a:rPr lang="en-US" dirty="0" err="1">
+                <a:solidFill>
+                  <a:srgbClr val="000000"/>
+                </a:solidFill>
+                <a:latin typeface="Courier New"/>
+                <a:ea typeface="Times New Roman"/>
+                <a:cs typeface="Times New Roman"/>
+              </a:rPr>
+              <a:t>savedInstanceState</a:t>
+            </a:r>
+            <a:r>
+              <a:rPr lang="en-US" dirty="0">
+                <a:solidFill>
+                  <a:srgbClr val="000000"/>
+                </a:solidFill>
+                <a:latin typeface="Courier New"/>
+                <a:ea typeface="Times New Roman"/>
+                <a:cs typeface="Times New Roman"/>
+              </a:rPr>
+              <a:t>);</a:t>
+            </a:r>
+            <a:br>
+              <a:rPr lang="en-US" dirty="0">
+                <a:solidFill>
+                  <a:srgbClr val="000000"/>
+                </a:solidFill>
+                <a:latin typeface="Courier New"/>
+                <a:ea typeface="Times New Roman"/>
+                <a:cs typeface="Times New Roman"/>
+              </a:rPr>
+            </a:br>
+            <a:r>
+              <a:rPr lang="en-US" dirty="0">
+                <a:solidFill>
+                  <a:srgbClr val="000000"/>
+                </a:solidFill>
+                <a:latin typeface="Courier New"/>
+                <a:ea typeface="Times New Roman"/>
+                <a:cs typeface="Times New Roman"/>
+              </a:rPr>
+              <a:t>        </a:t>
+            </a:r>
+            <a:r>
+              <a:rPr lang="en-US" dirty="0" err="1">
+                <a:solidFill>
+                  <a:srgbClr val="000000"/>
+                </a:solidFill>
+                <a:latin typeface="Courier New"/>
+                <a:ea typeface="Times New Roman"/>
+                <a:cs typeface="Times New Roman"/>
+              </a:rPr>
+              <a:t>setContentView</a:t>
+            </a:r>
+            <a:r>
+              <a:rPr lang="en-US" dirty="0">
+                <a:solidFill>
+                  <a:srgbClr val="000000"/>
+                </a:solidFill>
+                <a:latin typeface="Courier New"/>
+                <a:ea typeface="Times New Roman"/>
+                <a:cs typeface="Times New Roman"/>
+              </a:rPr>
+              <a:t>(</a:t>
+            </a:r>
+            <a:r>
+              <a:rPr lang="en-US" dirty="0" err="1">
+                <a:solidFill>
+                  <a:srgbClr val="000000"/>
+                </a:solidFill>
+                <a:latin typeface="Courier New"/>
+                <a:ea typeface="Times New Roman"/>
+                <a:cs typeface="Times New Roman"/>
+              </a:rPr>
+              <a:t>R.layout.</a:t>
+            </a:r>
+            <a:r>
+              <a:rPr lang="en-US" b="1" i="1" dirty="0" err="1">
+                <a:solidFill>
+                  <a:srgbClr val="660E7A"/>
+                </a:solidFill>
+                <a:latin typeface="Courier New"/>
+                <a:ea typeface="Times New Roman"/>
+                <a:cs typeface="Times New Roman"/>
+              </a:rPr>
+              <a:t>activity_main</a:t>
+            </a:r>
+            <a:r>
+              <a:rPr lang="en-US" dirty="0">
+                <a:solidFill>
+                  <a:srgbClr val="000000"/>
+                </a:solidFill>
+                <a:latin typeface="Courier New"/>
+                <a:ea typeface="Times New Roman"/>
+                <a:cs typeface="Times New Roman"/>
+              </a:rPr>
+              <a:t>);</a:t>
+            </a:r>
+            <a:br>
+              <a:rPr lang="en-US" dirty="0">
+                <a:solidFill>
+                  <a:srgbClr val="000000"/>
+                </a:solidFill>
+                <a:latin typeface="Courier New"/>
+                <a:ea typeface="Times New Roman"/>
+                <a:cs typeface="Times New Roman"/>
+              </a:rPr>
+            </a:br>
+            <a:r>
+              <a:rPr lang="en-US" dirty="0">
+                <a:solidFill>
+                  <a:srgbClr val="000000"/>
+                </a:solidFill>
+                <a:latin typeface="Courier New"/>
+                <a:ea typeface="Times New Roman"/>
+                <a:cs typeface="Times New Roman"/>
+              </a:rPr>
+              <a:t/>
+            </a:r>
+            <a:br>
+              <a:rPr lang="en-US" dirty="0">
+                <a:solidFill>
+                  <a:srgbClr val="000000"/>
+                </a:solidFill>
+                <a:latin typeface="Courier New"/>
+                <a:ea typeface="Times New Roman"/>
+                <a:cs typeface="Times New Roman"/>
+              </a:rPr>
+            </a:br>
+            <a:r>
+              <a:rPr lang="en-US" dirty="0">
+                <a:solidFill>
+                  <a:srgbClr val="000000"/>
+                </a:solidFill>
+                <a:latin typeface="Courier New"/>
+                <a:ea typeface="Times New Roman"/>
+                <a:cs typeface="Times New Roman"/>
+              </a:rPr>
+              <a:t>        </a:t>
+            </a:r>
+            <a:r>
+              <a:rPr lang="en-US" i="1" dirty="0">
+                <a:solidFill>
+                  <a:srgbClr val="808080"/>
+                </a:solidFill>
+                <a:latin typeface="Courier New"/>
+                <a:ea typeface="Times New Roman"/>
+                <a:cs typeface="Times New Roman"/>
+              </a:rPr>
+              <a:t>// Basic setup</a:t>
+            </a:r>
+            <a:br>
+              <a:rPr lang="en-US" i="1" dirty="0">
+                <a:solidFill>
+                  <a:srgbClr val="808080"/>
+                </a:solidFill>
+                <a:latin typeface="Courier New"/>
+                <a:ea typeface="Times New Roman"/>
+                <a:cs typeface="Times New Roman"/>
+              </a:rPr>
+            </a:br>
+            <a:r>
+              <a:rPr lang="en-US" i="1" dirty="0">
+                <a:solidFill>
+                  <a:srgbClr val="808080"/>
+                </a:solidFill>
+                <a:latin typeface="Courier New"/>
+                <a:ea typeface="Times New Roman"/>
+                <a:cs typeface="Times New Roman"/>
+              </a:rPr>
+              <a:t>        </a:t>
+            </a:r>
+            <a:r>
+              <a:rPr lang="en-US" b="1" dirty="0" err="1">
+                <a:solidFill>
+                  <a:srgbClr val="660E7A"/>
+                </a:solidFill>
+                <a:latin typeface="Courier New"/>
+                <a:ea typeface="Times New Roman"/>
+                <a:cs typeface="Times New Roman"/>
+              </a:rPr>
+              <a:t>tvPoints</a:t>
+            </a:r>
+            <a:r>
+              <a:rPr lang="en-US" b="1" dirty="0">
+                <a:solidFill>
+                  <a:srgbClr val="660E7A"/>
+                </a:solidFill>
+                <a:latin typeface="Courier New"/>
+                <a:ea typeface="Times New Roman"/>
+                <a:cs typeface="Times New Roman"/>
+              </a:rPr>
+              <a:t> </a:t>
+            </a:r>
+            <a:r>
+              <a:rPr lang="en-US" dirty="0">
+                <a:solidFill>
+                  <a:srgbClr val="000000"/>
+                </a:solidFill>
+                <a:latin typeface="Courier New"/>
+                <a:ea typeface="Times New Roman"/>
+                <a:cs typeface="Times New Roman"/>
+              </a:rPr>
+              <a:t>= (</a:t>
+            </a:r>
+            <a:r>
+              <a:rPr lang="en-US" dirty="0" err="1">
+                <a:solidFill>
+                  <a:srgbClr val="000000"/>
+                </a:solidFill>
+                <a:latin typeface="Courier New"/>
+                <a:ea typeface="Times New Roman"/>
+                <a:cs typeface="Times New Roman"/>
+              </a:rPr>
+              <a:t>TextView</a:t>
+            </a:r>
+            <a:r>
+              <a:rPr lang="en-US" dirty="0">
+                <a:solidFill>
+                  <a:srgbClr val="000000"/>
+                </a:solidFill>
+                <a:latin typeface="Courier New"/>
+                <a:ea typeface="Times New Roman"/>
+                <a:cs typeface="Times New Roman"/>
+              </a:rPr>
+              <a:t>) </a:t>
+            </a:r>
+            <a:r>
+              <a:rPr lang="en-US" dirty="0" err="1">
+                <a:solidFill>
+                  <a:srgbClr val="000000"/>
+                </a:solidFill>
+                <a:latin typeface="Courier New"/>
+                <a:ea typeface="Times New Roman"/>
+                <a:cs typeface="Times New Roman"/>
+              </a:rPr>
+              <a:t>findViewById</a:t>
+            </a:r>
+            <a:r>
+              <a:rPr lang="en-US" dirty="0">
+                <a:solidFill>
+                  <a:srgbClr val="000000"/>
+                </a:solidFill>
+                <a:latin typeface="Courier New"/>
+                <a:ea typeface="Times New Roman"/>
+                <a:cs typeface="Times New Roman"/>
+              </a:rPr>
+              <a:t>(</a:t>
+            </a:r>
+            <a:r>
+              <a:rPr lang="en-US" dirty="0" err="1">
+                <a:solidFill>
+                  <a:srgbClr val="000000"/>
+                </a:solidFill>
+                <a:latin typeface="Courier New"/>
+                <a:ea typeface="Times New Roman"/>
+                <a:cs typeface="Times New Roman"/>
+              </a:rPr>
+              <a:t>R.id.</a:t>
+            </a:r>
+            <a:r>
+              <a:rPr lang="en-US" b="1" i="1" dirty="0" err="1">
+                <a:solidFill>
+                  <a:srgbClr val="660E7A"/>
+                </a:solidFill>
+                <a:latin typeface="Courier New"/>
+                <a:ea typeface="Times New Roman"/>
+                <a:cs typeface="Times New Roman"/>
+              </a:rPr>
+              <a:t>tvPoints</a:t>
+            </a:r>
+            <a:r>
+              <a:rPr lang="en-US" dirty="0">
+                <a:solidFill>
+                  <a:srgbClr val="000000"/>
+                </a:solidFill>
+                <a:latin typeface="Courier New"/>
+                <a:ea typeface="Times New Roman"/>
+                <a:cs typeface="Times New Roman"/>
+              </a:rPr>
+              <a:t>);</a:t>
+            </a:r>
+            <a:br>
+              <a:rPr lang="en-US" dirty="0">
+                <a:solidFill>
+                  <a:srgbClr val="000000"/>
+                </a:solidFill>
+                <a:latin typeface="Courier New"/>
+                <a:ea typeface="Times New Roman"/>
+                <a:cs typeface="Times New Roman"/>
+              </a:rPr>
+            </a:br>
+            <a:r>
+              <a:rPr lang="en-US" dirty="0">
+                <a:solidFill>
+                  <a:srgbClr val="000000"/>
+                </a:solidFill>
+                <a:latin typeface="Courier New"/>
+                <a:ea typeface="Times New Roman"/>
+                <a:cs typeface="Times New Roman"/>
+              </a:rPr>
+              <a:t>        </a:t>
+            </a:r>
+            <a:r>
+              <a:rPr lang="en-US" b="1" dirty="0" err="1">
+                <a:solidFill>
+                  <a:srgbClr val="660E7A"/>
+                </a:solidFill>
+                <a:latin typeface="Courier New"/>
+                <a:ea typeface="Times New Roman"/>
+                <a:cs typeface="Times New Roman"/>
+              </a:rPr>
+              <a:t>btn</a:t>
+            </a:r>
+            <a:r>
+              <a:rPr lang="en-US" b="1" dirty="0">
+                <a:solidFill>
+                  <a:srgbClr val="660E7A"/>
+                </a:solidFill>
+                <a:latin typeface="Courier New"/>
+                <a:ea typeface="Times New Roman"/>
+                <a:cs typeface="Times New Roman"/>
+              </a:rPr>
+              <a:t> </a:t>
+            </a:r>
+            <a:r>
+              <a:rPr lang="en-US" dirty="0">
+                <a:solidFill>
+                  <a:srgbClr val="000000"/>
+                </a:solidFill>
+                <a:latin typeface="Courier New"/>
+                <a:ea typeface="Times New Roman"/>
+                <a:cs typeface="Times New Roman"/>
+              </a:rPr>
+              <a:t>= (Button) </a:t>
+            </a:r>
+            <a:r>
+              <a:rPr lang="en-US" dirty="0" err="1">
+                <a:solidFill>
+                  <a:srgbClr val="000000"/>
+                </a:solidFill>
+                <a:latin typeface="Courier New"/>
+                <a:ea typeface="Times New Roman"/>
+                <a:cs typeface="Times New Roman"/>
+              </a:rPr>
+              <a:t>findViewById</a:t>
+            </a:r>
+            <a:r>
+              <a:rPr lang="en-US" dirty="0">
+                <a:solidFill>
+                  <a:srgbClr val="000000"/>
+                </a:solidFill>
+                <a:latin typeface="Courier New"/>
+                <a:ea typeface="Times New Roman"/>
+                <a:cs typeface="Times New Roman"/>
+              </a:rPr>
+              <a:t>(</a:t>
+            </a:r>
+            <a:r>
+              <a:rPr lang="en-US" dirty="0" err="1">
+                <a:solidFill>
+                  <a:srgbClr val="000000"/>
+                </a:solidFill>
+                <a:latin typeface="Courier New"/>
+                <a:ea typeface="Times New Roman"/>
+                <a:cs typeface="Times New Roman"/>
+              </a:rPr>
+              <a:t>R.id.</a:t>
+            </a:r>
+            <a:r>
+              <a:rPr lang="en-US" b="1" i="1" dirty="0" err="1">
+                <a:solidFill>
+                  <a:srgbClr val="660E7A"/>
+                </a:solidFill>
+                <a:latin typeface="Courier New"/>
+                <a:ea typeface="Times New Roman"/>
+                <a:cs typeface="Times New Roman"/>
+              </a:rPr>
+              <a:t>btnPoints</a:t>
+            </a:r>
+            <a:r>
+              <a:rPr lang="en-US" dirty="0">
+                <a:solidFill>
+                  <a:srgbClr val="000000"/>
+                </a:solidFill>
+                <a:latin typeface="Courier New"/>
+                <a:ea typeface="Times New Roman"/>
+                <a:cs typeface="Times New Roman"/>
+              </a:rPr>
+              <a:t>);</a:t>
+            </a:r>
+            <a:br>
+              <a:rPr lang="en-US" dirty="0">
+                <a:solidFill>
+                  <a:srgbClr val="000000"/>
+                </a:solidFill>
+                <a:latin typeface="Courier New"/>
+                <a:ea typeface="Times New Roman"/>
+                <a:cs typeface="Times New Roman"/>
+              </a:rPr>
+            </a:br>
+            <a:r>
+              <a:rPr lang="en-US" dirty="0">
+                <a:solidFill>
+                  <a:srgbClr val="000000"/>
+                </a:solidFill>
+                <a:latin typeface="Courier New"/>
+                <a:ea typeface="Times New Roman"/>
+                <a:cs typeface="Times New Roman"/>
+              </a:rPr>
+              <a:t>        </a:t>
+            </a:r>
+            <a:r>
+              <a:rPr lang="en-US" b="1" dirty="0">
+                <a:solidFill>
+                  <a:srgbClr val="660E7A"/>
+                </a:solidFill>
+                <a:latin typeface="Courier New"/>
+                <a:ea typeface="Times New Roman"/>
+                <a:cs typeface="Times New Roman"/>
+              </a:rPr>
+              <a:t>store </a:t>
+            </a:r>
+            <a:r>
+              <a:rPr lang="en-US" dirty="0">
+                <a:solidFill>
+                  <a:srgbClr val="000000"/>
+                </a:solidFill>
+                <a:latin typeface="Courier New"/>
+                <a:ea typeface="Times New Roman"/>
+                <a:cs typeface="Times New Roman"/>
+              </a:rPr>
+              <a:t>= (Button) </a:t>
+            </a:r>
+            <a:r>
+              <a:rPr lang="en-US" dirty="0" err="1">
+                <a:solidFill>
+                  <a:srgbClr val="000000"/>
+                </a:solidFill>
+                <a:latin typeface="Courier New"/>
+                <a:ea typeface="Times New Roman"/>
+                <a:cs typeface="Times New Roman"/>
+              </a:rPr>
+              <a:t>findViewById</a:t>
+            </a:r>
+            <a:r>
+              <a:rPr lang="en-US" dirty="0">
+                <a:solidFill>
+                  <a:srgbClr val="000000"/>
+                </a:solidFill>
+                <a:latin typeface="Courier New"/>
+                <a:ea typeface="Times New Roman"/>
+                <a:cs typeface="Times New Roman"/>
+              </a:rPr>
+              <a:t>(</a:t>
+            </a:r>
+            <a:r>
+              <a:rPr lang="en-US" dirty="0" err="1">
+                <a:solidFill>
+                  <a:srgbClr val="000000"/>
+                </a:solidFill>
+                <a:latin typeface="Courier New"/>
+                <a:ea typeface="Times New Roman"/>
+                <a:cs typeface="Times New Roman"/>
+              </a:rPr>
+              <a:t>R.id.</a:t>
+            </a:r>
+            <a:r>
+              <a:rPr lang="en-US" b="1" i="1" dirty="0" err="1">
+                <a:solidFill>
+                  <a:srgbClr val="660E7A"/>
+                </a:solidFill>
+                <a:latin typeface="Courier New"/>
+                <a:ea typeface="Times New Roman"/>
+                <a:cs typeface="Times New Roman"/>
+              </a:rPr>
+              <a:t>btnShop</a:t>
+            </a:r>
+            <a:r>
+              <a:rPr lang="en-US" dirty="0">
+                <a:solidFill>
+                  <a:srgbClr val="000000"/>
+                </a:solidFill>
+                <a:latin typeface="Courier New"/>
+                <a:ea typeface="Times New Roman"/>
+                <a:cs typeface="Times New Roman"/>
+              </a:rPr>
+              <a:t>); </a:t>
+            </a:r>
+            <a:r>
+              <a:rPr lang="en-US" i="1" dirty="0">
+                <a:solidFill>
+                  <a:srgbClr val="808080"/>
+                </a:solidFill>
+                <a:latin typeface="Courier New"/>
+                <a:ea typeface="Times New Roman"/>
+                <a:cs typeface="Times New Roman"/>
+              </a:rPr>
+              <a:t>// !!!! Change #2</a:t>
+            </a:r>
+            <a:br>
+              <a:rPr lang="en-US" i="1" dirty="0">
+                <a:solidFill>
+                  <a:srgbClr val="808080"/>
+                </a:solidFill>
+                <a:latin typeface="Courier New"/>
+                <a:ea typeface="Times New Roman"/>
+                <a:cs typeface="Times New Roman"/>
+              </a:rPr>
+            </a:br>
+            <a:r>
+              <a:rPr lang="en-US" i="1" dirty="0">
+                <a:solidFill>
+                  <a:srgbClr val="808080"/>
+                </a:solidFill>
+                <a:latin typeface="Courier New"/>
+                <a:ea typeface="Times New Roman"/>
+                <a:cs typeface="Times New Roman"/>
+              </a:rPr>
+              <a:t/>
+            </a:r>
+            <a:br>
+              <a:rPr lang="en-US" i="1" dirty="0">
+                <a:solidFill>
+                  <a:srgbClr val="808080"/>
+                </a:solidFill>
+                <a:latin typeface="Courier New"/>
+                <a:ea typeface="Times New Roman"/>
+                <a:cs typeface="Times New Roman"/>
+              </a:rPr>
+            </a:br>
+            <a:r>
+              <a:rPr lang="en-US" i="1" dirty="0">
+                <a:solidFill>
+                  <a:srgbClr val="808080"/>
+                </a:solidFill>
+                <a:latin typeface="Courier New"/>
+                <a:ea typeface="Times New Roman"/>
+                <a:cs typeface="Times New Roman"/>
+              </a:rPr>
+              <a:t>        // Restoring data with </a:t>
+            </a:r>
+            <a:r>
+              <a:rPr lang="en-US" i="1" dirty="0" err="1">
+                <a:solidFill>
+                  <a:srgbClr val="808080"/>
+                </a:solidFill>
+                <a:latin typeface="Courier New"/>
+                <a:ea typeface="Times New Roman"/>
+                <a:cs typeface="Times New Roman"/>
+              </a:rPr>
+              <a:t>pref</a:t>
+            </a:r>
+            <a:r>
+              <a:rPr lang="en-US" i="1" dirty="0">
+                <a:solidFill>
+                  <a:srgbClr val="808080"/>
+                </a:solidFill>
+                <a:latin typeface="Courier New"/>
+                <a:ea typeface="Times New Roman"/>
+                <a:cs typeface="Times New Roman"/>
+              </a:rPr>
+              <a:t/>
+            </a:r>
+            <a:br>
+              <a:rPr lang="en-US" i="1" dirty="0">
+                <a:solidFill>
+                  <a:srgbClr val="808080"/>
+                </a:solidFill>
+                <a:latin typeface="Courier New"/>
+                <a:ea typeface="Times New Roman"/>
+                <a:cs typeface="Times New Roman"/>
+              </a:rPr>
+            </a:br>
+            <a:r>
+              <a:rPr lang="en-US" i="1" dirty="0">
+                <a:solidFill>
+                  <a:srgbClr val="808080"/>
+                </a:solidFill>
+                <a:latin typeface="Courier New"/>
+                <a:ea typeface="Times New Roman"/>
+                <a:cs typeface="Times New Roman"/>
+              </a:rPr>
+              <a:t>        </a:t>
+            </a:r>
+            <a:r>
+              <a:rPr lang="en-US" b="1" dirty="0" err="1">
+                <a:solidFill>
+                  <a:srgbClr val="660E7A"/>
+                </a:solidFill>
+                <a:latin typeface="Courier New"/>
+                <a:ea typeface="Times New Roman"/>
+                <a:cs typeface="Times New Roman"/>
+              </a:rPr>
+              <a:t>pref</a:t>
+            </a:r>
+            <a:r>
+              <a:rPr lang="en-US" b="1" dirty="0">
+                <a:solidFill>
+                  <a:srgbClr val="660E7A"/>
+                </a:solidFill>
+                <a:latin typeface="Courier New"/>
+                <a:ea typeface="Times New Roman"/>
+                <a:cs typeface="Times New Roman"/>
+              </a:rPr>
+              <a:t> </a:t>
+            </a:r>
+            <a:r>
+              <a:rPr lang="en-US" dirty="0">
+                <a:solidFill>
+                  <a:srgbClr val="000000"/>
+                </a:solidFill>
+                <a:latin typeface="Courier New"/>
+                <a:ea typeface="Times New Roman"/>
+                <a:cs typeface="Times New Roman"/>
+              </a:rPr>
+              <a:t>= </a:t>
+            </a:r>
+            <a:r>
+              <a:rPr lang="en-US" dirty="0" err="1">
+                <a:solidFill>
+                  <a:srgbClr val="000000"/>
+                </a:solidFill>
+                <a:latin typeface="Courier New"/>
+                <a:ea typeface="Times New Roman"/>
+                <a:cs typeface="Times New Roman"/>
+              </a:rPr>
+              <a:t>getSharedPreferences</a:t>
+            </a:r>
+            <a:r>
+              <a:rPr lang="en-US" dirty="0">
+                <a:solidFill>
+                  <a:srgbClr val="000000"/>
+                </a:solidFill>
+                <a:latin typeface="Courier New"/>
+                <a:ea typeface="Times New Roman"/>
+                <a:cs typeface="Times New Roman"/>
+              </a:rPr>
+              <a:t>(</a:t>
+            </a:r>
+            <a:r>
+              <a:rPr lang="en-US" b="1" dirty="0">
+                <a:solidFill>
+                  <a:srgbClr val="660E7A"/>
+                </a:solidFill>
+                <a:latin typeface="Courier New"/>
+                <a:ea typeface="Times New Roman"/>
+                <a:cs typeface="Times New Roman"/>
+              </a:rPr>
+              <a:t>PREF_NAME</a:t>
+            </a:r>
+            <a:r>
+              <a:rPr lang="en-US" dirty="0">
+                <a:solidFill>
+                  <a:srgbClr val="000000"/>
+                </a:solidFill>
+                <a:latin typeface="Courier New"/>
+                <a:ea typeface="Times New Roman"/>
+                <a:cs typeface="Times New Roman"/>
+              </a:rPr>
+              <a:t>, </a:t>
+            </a:r>
+            <a:r>
+              <a:rPr lang="en-US" dirty="0" err="1">
+                <a:solidFill>
+                  <a:srgbClr val="000000"/>
+                </a:solidFill>
+                <a:latin typeface="Courier New"/>
+                <a:ea typeface="Times New Roman"/>
+                <a:cs typeface="Times New Roman"/>
+              </a:rPr>
+              <a:t>Context.</a:t>
+            </a:r>
+            <a:r>
+              <a:rPr lang="en-US" b="1" i="1" dirty="0" err="1">
+                <a:solidFill>
+                  <a:srgbClr val="660E7A"/>
+                </a:solidFill>
+                <a:latin typeface="Courier New"/>
+                <a:ea typeface="Times New Roman"/>
+                <a:cs typeface="Times New Roman"/>
+              </a:rPr>
+              <a:t>MODE_PRIVATE</a:t>
+            </a:r>
+            <a:r>
+              <a:rPr lang="en-US" dirty="0">
+                <a:solidFill>
+                  <a:srgbClr val="000000"/>
+                </a:solidFill>
+                <a:latin typeface="Courier New"/>
+                <a:ea typeface="Times New Roman"/>
+                <a:cs typeface="Times New Roman"/>
+              </a:rPr>
+              <a:t>);</a:t>
+            </a:r>
+            <a:br>
+              <a:rPr lang="en-US" dirty="0">
+                <a:solidFill>
+                  <a:srgbClr val="000000"/>
+                </a:solidFill>
+                <a:latin typeface="Courier New"/>
+                <a:ea typeface="Times New Roman"/>
+                <a:cs typeface="Times New Roman"/>
+              </a:rPr>
+            </a:br>
+            <a:r>
+              <a:rPr lang="en-US" dirty="0">
+                <a:solidFill>
+                  <a:srgbClr val="000000"/>
+                </a:solidFill>
+                <a:latin typeface="Courier New"/>
+                <a:ea typeface="Times New Roman"/>
+                <a:cs typeface="Times New Roman"/>
+              </a:rPr>
+              <a:t>        </a:t>
+            </a:r>
+            <a:r>
+              <a:rPr lang="en-US" i="1" dirty="0">
+                <a:solidFill>
+                  <a:srgbClr val="808080"/>
+                </a:solidFill>
+                <a:latin typeface="Courier New"/>
+                <a:ea typeface="Times New Roman"/>
+                <a:cs typeface="Times New Roman"/>
+              </a:rPr>
+              <a:t>// Get the points that we store in the pref. Otherwise the default value</a:t>
+            </a:r>
+            <a:br>
+              <a:rPr lang="en-US" i="1" dirty="0">
+                <a:solidFill>
+                  <a:srgbClr val="808080"/>
+                </a:solidFill>
+                <a:latin typeface="Courier New"/>
+                <a:ea typeface="Times New Roman"/>
+                <a:cs typeface="Times New Roman"/>
+              </a:rPr>
+            </a:br>
+            <a:r>
+              <a:rPr lang="en-US" i="1" dirty="0">
+                <a:solidFill>
+                  <a:srgbClr val="808080"/>
+                </a:solidFill>
+                <a:latin typeface="Courier New"/>
+                <a:ea typeface="Times New Roman"/>
+                <a:cs typeface="Times New Roman"/>
+              </a:rPr>
+              <a:t>        </a:t>
+            </a:r>
+            <a:r>
+              <a:rPr lang="en-US" b="1" dirty="0">
+                <a:solidFill>
+                  <a:srgbClr val="660E7A"/>
+                </a:solidFill>
+                <a:latin typeface="Courier New"/>
+                <a:ea typeface="Times New Roman"/>
+                <a:cs typeface="Times New Roman"/>
+              </a:rPr>
+              <a:t>points </a:t>
+            </a:r>
+            <a:r>
+              <a:rPr lang="en-US" dirty="0">
+                <a:solidFill>
+                  <a:srgbClr val="000000"/>
+                </a:solidFill>
+                <a:latin typeface="Courier New"/>
+                <a:ea typeface="Times New Roman"/>
+                <a:cs typeface="Times New Roman"/>
+              </a:rPr>
+              <a:t>= </a:t>
+            </a:r>
+            <a:r>
+              <a:rPr lang="en-US" b="1" dirty="0" err="1">
+                <a:solidFill>
+                  <a:srgbClr val="660E7A"/>
+                </a:solidFill>
+                <a:latin typeface="Courier New"/>
+                <a:ea typeface="Times New Roman"/>
+                <a:cs typeface="Times New Roman"/>
+              </a:rPr>
+              <a:t>pref</a:t>
+            </a:r>
+            <a:r>
+              <a:rPr lang="en-US" dirty="0" err="1">
+                <a:solidFill>
+                  <a:srgbClr val="000000"/>
+                </a:solidFill>
+                <a:latin typeface="Courier New"/>
+                <a:ea typeface="Times New Roman"/>
+                <a:cs typeface="Times New Roman"/>
+              </a:rPr>
+              <a:t>.getInt</a:t>
+            </a:r>
+            <a:r>
+              <a:rPr lang="en-US" dirty="0">
+                <a:solidFill>
+                  <a:srgbClr val="000000"/>
+                </a:solidFill>
+                <a:latin typeface="Courier New"/>
+                <a:ea typeface="Times New Roman"/>
+                <a:cs typeface="Times New Roman"/>
+              </a:rPr>
+              <a:t>(</a:t>
+            </a:r>
+            <a:r>
+              <a:rPr lang="en-US" b="1" dirty="0">
+                <a:solidFill>
+                  <a:srgbClr val="660E7A"/>
+                </a:solidFill>
+                <a:latin typeface="Courier New"/>
+                <a:ea typeface="Times New Roman"/>
+                <a:cs typeface="Times New Roman"/>
+              </a:rPr>
+              <a:t>POINTS</a:t>
+            </a:r>
+            <a:r>
+              <a:rPr lang="en-US" dirty="0">
+                <a:solidFill>
+                  <a:srgbClr val="000000"/>
+                </a:solidFill>
+                <a:latin typeface="Courier New"/>
+                <a:ea typeface="Times New Roman"/>
+                <a:cs typeface="Times New Roman"/>
+              </a:rPr>
+              <a:t>, </a:t>
+            </a:r>
+            <a:r>
+              <a:rPr lang="en-US" dirty="0">
+                <a:solidFill>
+                  <a:srgbClr val="0000FF"/>
+                </a:solidFill>
+                <a:latin typeface="Courier New"/>
+                <a:ea typeface="Times New Roman"/>
+                <a:cs typeface="Times New Roman"/>
+              </a:rPr>
+              <a:t>0</a:t>
+            </a:r>
+            <a:r>
+              <a:rPr lang="en-US" dirty="0">
+                <a:solidFill>
+                  <a:srgbClr val="000000"/>
+                </a:solidFill>
+                <a:latin typeface="Courier New"/>
+                <a:ea typeface="Times New Roman"/>
+                <a:cs typeface="Times New Roman"/>
+              </a:rPr>
+              <a:t>);</a:t>
+            </a:r>
+            <a:br>
+              <a:rPr lang="en-US" dirty="0">
+                <a:solidFill>
+                  <a:srgbClr val="000000"/>
+                </a:solidFill>
+                <a:latin typeface="Courier New"/>
+                <a:ea typeface="Times New Roman"/>
+                <a:cs typeface="Times New Roman"/>
+              </a:rPr>
+            </a:br>
+            <a:r>
+              <a:rPr lang="en-US" dirty="0">
+                <a:solidFill>
+                  <a:srgbClr val="000000"/>
+                </a:solidFill>
+                <a:latin typeface="Courier New"/>
+                <a:ea typeface="Times New Roman"/>
+                <a:cs typeface="Times New Roman"/>
+              </a:rPr>
+              <a:t>        </a:t>
+            </a:r>
+            <a:r>
+              <a:rPr lang="en-US" i="1" dirty="0">
+                <a:solidFill>
+                  <a:srgbClr val="808080"/>
+                </a:solidFill>
+                <a:latin typeface="Courier New"/>
+                <a:ea typeface="Times New Roman"/>
+                <a:cs typeface="Times New Roman"/>
+              </a:rPr>
+              <a:t>// Sets the text</a:t>
+            </a:r>
+            <a:br>
+              <a:rPr lang="en-US" i="1" dirty="0">
+                <a:solidFill>
+                  <a:srgbClr val="808080"/>
+                </a:solidFill>
+                <a:latin typeface="Courier New"/>
+                <a:ea typeface="Times New Roman"/>
+                <a:cs typeface="Times New Roman"/>
+              </a:rPr>
+            </a:br>
+            <a:r>
+              <a:rPr lang="en-US" i="1" dirty="0">
+                <a:solidFill>
+                  <a:srgbClr val="808080"/>
+                </a:solidFill>
+                <a:latin typeface="Courier New"/>
+                <a:ea typeface="Times New Roman"/>
+                <a:cs typeface="Times New Roman"/>
+              </a:rPr>
+              <a:t>        </a:t>
+            </a:r>
+            <a:r>
+              <a:rPr lang="en-US" b="1" dirty="0" err="1">
+                <a:solidFill>
+                  <a:srgbClr val="660E7A"/>
+                </a:solidFill>
+                <a:latin typeface="Courier New"/>
+                <a:ea typeface="Times New Roman"/>
+                <a:cs typeface="Times New Roman"/>
+              </a:rPr>
+              <a:t>tvPoints</a:t>
+            </a:r>
+            <a:r>
+              <a:rPr lang="en-US" dirty="0" err="1">
+                <a:solidFill>
+                  <a:srgbClr val="000000"/>
+                </a:solidFill>
+                <a:latin typeface="Courier New"/>
+                <a:ea typeface="Times New Roman"/>
+                <a:cs typeface="Times New Roman"/>
+              </a:rPr>
+              <a:t>.setText</a:t>
+            </a:r>
+            <a:r>
+              <a:rPr lang="en-US" dirty="0">
+                <a:solidFill>
+                  <a:srgbClr val="000000"/>
+                </a:solidFill>
+                <a:latin typeface="Courier New"/>
+                <a:ea typeface="Times New Roman"/>
+                <a:cs typeface="Times New Roman"/>
+              </a:rPr>
+              <a:t>(</a:t>
+            </a:r>
+            <a:r>
+              <a:rPr lang="en-US" b="1" dirty="0">
+                <a:solidFill>
+                  <a:srgbClr val="008000"/>
+                </a:solidFill>
+                <a:latin typeface="Courier New"/>
+                <a:ea typeface="Times New Roman"/>
+                <a:cs typeface="Times New Roman"/>
+              </a:rPr>
+              <a:t>"Score: " </a:t>
+            </a:r>
+            <a:r>
+              <a:rPr lang="en-US" dirty="0">
+                <a:solidFill>
+                  <a:srgbClr val="000000"/>
+                </a:solidFill>
+                <a:latin typeface="Courier New"/>
+                <a:ea typeface="Times New Roman"/>
+                <a:cs typeface="Times New Roman"/>
+              </a:rPr>
+              <a:t>+ </a:t>
+            </a:r>
+            <a:r>
+              <a:rPr lang="en-US" b="1" dirty="0">
+                <a:solidFill>
+                  <a:srgbClr val="660E7A"/>
+                </a:solidFill>
+                <a:latin typeface="Courier New"/>
+                <a:ea typeface="Times New Roman"/>
+                <a:cs typeface="Times New Roman"/>
+              </a:rPr>
+              <a:t>points</a:t>
+            </a:r>
+            <a:r>
+              <a:rPr lang="en-US" dirty="0">
+                <a:solidFill>
+                  <a:srgbClr val="000000"/>
+                </a:solidFill>
+                <a:latin typeface="Courier New"/>
+                <a:ea typeface="Times New Roman"/>
+                <a:cs typeface="Times New Roman"/>
+              </a:rPr>
+              <a:t>);</a:t>
+            </a:r>
+            <a:br>
+              <a:rPr lang="en-US" dirty="0">
+                <a:solidFill>
+                  <a:srgbClr val="000000"/>
+                </a:solidFill>
+                <a:latin typeface="Courier New"/>
+                <a:ea typeface="Times New Roman"/>
+                <a:cs typeface="Times New Roman"/>
+              </a:rPr>
+            </a:br>
+            <a:r>
+              <a:rPr lang="en-US" dirty="0">
+                <a:solidFill>
+                  <a:srgbClr val="000000"/>
+                </a:solidFill>
+                <a:latin typeface="Courier New"/>
+                <a:ea typeface="Times New Roman"/>
+                <a:cs typeface="Times New Roman"/>
+              </a:rPr>
+              <a:t>    }</a:t>
+            </a:r>
+            <a:br>
+              <a:rPr lang="en-US" dirty="0">
+                <a:solidFill>
+                  <a:srgbClr val="000000"/>
+                </a:solidFill>
+                <a:latin typeface="Courier New"/>
+                <a:ea typeface="Times New Roman"/>
+                <a:cs typeface="Times New Roman"/>
+              </a:rPr>
+            </a:br>
+            <a:r>
+              <a:rPr lang="en-US" dirty="0">
+                <a:solidFill>
+                  <a:srgbClr val="000000"/>
+                </a:solidFill>
+                <a:latin typeface="Courier New"/>
+                <a:ea typeface="Times New Roman"/>
+                <a:cs typeface="Times New Roman"/>
+              </a:rPr>
+              <a:t/>
+            </a:r>
+            <a:br>
+              <a:rPr lang="en-US" dirty="0">
+                <a:solidFill>
+                  <a:srgbClr val="000000"/>
+                </a:solidFill>
+                <a:latin typeface="Courier New"/>
+                <a:ea typeface="Times New Roman"/>
+                <a:cs typeface="Times New Roman"/>
+              </a:rPr>
+            </a:br>
+            <a:r>
+              <a:rPr lang="en-US" dirty="0">
+                <a:solidFill>
+                  <a:srgbClr val="000000"/>
+                </a:solidFill>
+                <a:latin typeface="Courier New"/>
+                <a:ea typeface="Times New Roman"/>
+                <a:cs typeface="Times New Roman"/>
+              </a:rPr>
+              <a:t>    </a:t>
+            </a:r>
+            <a:r>
+              <a:rPr lang="en-US" i="1" dirty="0">
+                <a:solidFill>
+                  <a:srgbClr val="808080"/>
+                </a:solidFill>
+                <a:latin typeface="Courier New"/>
+                <a:ea typeface="Times New Roman"/>
+                <a:cs typeface="Times New Roman"/>
+              </a:rPr>
+              <a:t>// opens the new </a:t>
+            </a:r>
+            <a:r>
+              <a:rPr lang="en-US" i="1" dirty="0" err="1">
+                <a:solidFill>
+                  <a:srgbClr val="808080"/>
+                </a:solidFill>
+                <a:latin typeface="Courier New"/>
+                <a:ea typeface="Times New Roman"/>
+                <a:cs typeface="Times New Roman"/>
+              </a:rPr>
+              <a:t>ShopActivity</a:t>
+            </a:r>
+            <a:r>
+              <a:rPr lang="en-US" i="1" dirty="0">
+                <a:solidFill>
+                  <a:srgbClr val="808080"/>
+                </a:solidFill>
+                <a:latin typeface="Courier New"/>
+                <a:ea typeface="Times New Roman"/>
+                <a:cs typeface="Times New Roman"/>
+              </a:rPr>
+              <a:t/>
+            </a:r>
+            <a:br>
+              <a:rPr lang="en-US" i="1" dirty="0">
+                <a:solidFill>
+                  <a:srgbClr val="808080"/>
+                </a:solidFill>
+                <a:latin typeface="Courier New"/>
+                <a:ea typeface="Times New Roman"/>
+                <a:cs typeface="Times New Roman"/>
+              </a:rPr>
+            </a:br>
+            <a:r>
+              <a:rPr lang="en-US" i="1" dirty="0">
+                <a:solidFill>
+                  <a:srgbClr val="808080"/>
+                </a:solidFill>
+                <a:latin typeface="Courier New"/>
+                <a:ea typeface="Times New Roman"/>
+                <a:cs typeface="Times New Roman"/>
+              </a:rPr>
+              <a:t>    </a:t>
+            </a:r>
+            <a:r>
+              <a:rPr lang="en-US" b="1" dirty="0">
+                <a:solidFill>
+                  <a:srgbClr val="000080"/>
+                </a:solidFill>
+                <a:latin typeface="Courier New"/>
+                <a:ea typeface="Times New Roman"/>
+                <a:cs typeface="Times New Roman"/>
+              </a:rPr>
+              <a:t>public void </a:t>
+            </a:r>
+            <a:r>
+              <a:rPr lang="en-US" dirty="0" err="1">
+                <a:solidFill>
+                  <a:srgbClr val="000000"/>
+                </a:solidFill>
+                <a:latin typeface="Courier New"/>
+                <a:ea typeface="Times New Roman"/>
+                <a:cs typeface="Times New Roman"/>
+              </a:rPr>
+              <a:t>shopButton</a:t>
+            </a:r>
+            <a:r>
+              <a:rPr lang="en-US" dirty="0">
+                <a:solidFill>
+                  <a:srgbClr val="000000"/>
+                </a:solidFill>
+                <a:latin typeface="Courier New"/>
+                <a:ea typeface="Times New Roman"/>
+                <a:cs typeface="Times New Roman"/>
+              </a:rPr>
+              <a:t>(View v) {</a:t>
+            </a:r>
+            <a:br>
+              <a:rPr lang="en-US" dirty="0">
+                <a:solidFill>
+                  <a:srgbClr val="000000"/>
+                </a:solidFill>
+                <a:latin typeface="Courier New"/>
+                <a:ea typeface="Times New Roman"/>
+                <a:cs typeface="Times New Roman"/>
+              </a:rPr>
+            </a:br>
+            <a:r>
+              <a:rPr lang="en-US" dirty="0">
+                <a:solidFill>
+                  <a:srgbClr val="000000"/>
+                </a:solidFill>
+                <a:latin typeface="Courier New"/>
+                <a:ea typeface="Times New Roman"/>
+                <a:cs typeface="Times New Roman"/>
+              </a:rPr>
+              <a:t>        Intent </a:t>
+            </a:r>
+            <a:r>
+              <a:rPr lang="en-US" dirty="0" err="1">
+                <a:solidFill>
+                  <a:srgbClr val="000000"/>
+                </a:solidFill>
+                <a:latin typeface="Courier New"/>
+                <a:ea typeface="Times New Roman"/>
+                <a:cs typeface="Times New Roman"/>
+              </a:rPr>
+              <a:t>intent</a:t>
+            </a:r>
+            <a:r>
+              <a:rPr lang="en-US" dirty="0">
+                <a:solidFill>
+                  <a:srgbClr val="000000"/>
+                </a:solidFill>
+                <a:latin typeface="Courier New"/>
+                <a:ea typeface="Times New Roman"/>
+                <a:cs typeface="Times New Roman"/>
+              </a:rPr>
+              <a:t> = </a:t>
+            </a:r>
+            <a:r>
+              <a:rPr lang="en-US" b="1" dirty="0">
+                <a:solidFill>
+                  <a:srgbClr val="000080"/>
+                </a:solidFill>
+                <a:latin typeface="Courier New"/>
+                <a:ea typeface="Times New Roman"/>
+                <a:cs typeface="Times New Roman"/>
+              </a:rPr>
+              <a:t>new </a:t>
+            </a:r>
+            <a:r>
+              <a:rPr lang="en-US" dirty="0">
+                <a:solidFill>
+                  <a:srgbClr val="000000"/>
+                </a:solidFill>
+                <a:latin typeface="Courier New"/>
+                <a:ea typeface="Times New Roman"/>
+                <a:cs typeface="Times New Roman"/>
+              </a:rPr>
+              <a:t>Intent(</a:t>
+            </a:r>
+            <a:r>
+              <a:rPr lang="en-US" dirty="0" err="1">
+                <a:solidFill>
+                  <a:srgbClr val="000000"/>
+                </a:solidFill>
+                <a:latin typeface="Courier New"/>
+                <a:ea typeface="Times New Roman"/>
+                <a:cs typeface="Times New Roman"/>
+              </a:rPr>
+              <a:t>getApplicationContext</a:t>
+            </a:r>
+            <a:r>
+              <a:rPr lang="en-US" dirty="0">
+                <a:solidFill>
+                  <a:srgbClr val="000000"/>
+                </a:solidFill>
+                <a:latin typeface="Courier New"/>
+                <a:ea typeface="Times New Roman"/>
+                <a:cs typeface="Times New Roman"/>
+              </a:rPr>
+              <a:t>(), </a:t>
+            </a:r>
+            <a:r>
+              <a:rPr lang="en-US" dirty="0" err="1">
+                <a:solidFill>
+                  <a:srgbClr val="000000"/>
+                </a:solidFill>
+                <a:latin typeface="Courier New"/>
+                <a:ea typeface="Times New Roman"/>
+                <a:cs typeface="Times New Roman"/>
+              </a:rPr>
+              <a:t>ShopActivity.</a:t>
+            </a:r>
+            <a:r>
+              <a:rPr lang="en-US" b="1" dirty="0" err="1">
+                <a:solidFill>
+                  <a:srgbClr val="000080"/>
+                </a:solidFill>
+                <a:latin typeface="Courier New"/>
+                <a:ea typeface="Times New Roman"/>
+                <a:cs typeface="Times New Roman"/>
+              </a:rPr>
+              <a:t>class</a:t>
+            </a:r>
+            <a:r>
+              <a:rPr lang="en-US" dirty="0">
+                <a:solidFill>
+                  <a:srgbClr val="000000"/>
+                </a:solidFill>
+                <a:latin typeface="Courier New"/>
+                <a:ea typeface="Times New Roman"/>
+                <a:cs typeface="Times New Roman"/>
+              </a:rPr>
+              <a:t>);</a:t>
+            </a:r>
+            <a:br>
+              <a:rPr lang="en-US" dirty="0">
+                <a:solidFill>
+                  <a:srgbClr val="000000"/>
+                </a:solidFill>
+                <a:latin typeface="Courier New"/>
+                <a:ea typeface="Times New Roman"/>
+                <a:cs typeface="Times New Roman"/>
+              </a:rPr>
+            </a:br>
+            <a:r>
+              <a:rPr lang="en-US" dirty="0">
+                <a:solidFill>
+                  <a:srgbClr val="000000"/>
+                </a:solidFill>
+                <a:latin typeface="Courier New"/>
+                <a:ea typeface="Times New Roman"/>
+                <a:cs typeface="Times New Roman"/>
+              </a:rPr>
+              <a:t>        </a:t>
+            </a:r>
+            <a:r>
+              <a:rPr lang="en-US" dirty="0" err="1">
+                <a:solidFill>
+                  <a:srgbClr val="000000"/>
+                </a:solidFill>
+                <a:latin typeface="Courier New"/>
+                <a:ea typeface="Times New Roman"/>
+                <a:cs typeface="Times New Roman"/>
+              </a:rPr>
+              <a:t>intent.putExtra</a:t>
+            </a:r>
+            <a:r>
+              <a:rPr lang="en-US" dirty="0">
+                <a:solidFill>
+                  <a:srgbClr val="000000"/>
+                </a:solidFill>
+                <a:latin typeface="Courier New"/>
+                <a:ea typeface="Times New Roman"/>
+                <a:cs typeface="Times New Roman"/>
+              </a:rPr>
+              <a:t>(</a:t>
+            </a:r>
+            <a:r>
+              <a:rPr lang="en-US" b="1" dirty="0">
+                <a:solidFill>
+                  <a:srgbClr val="008000"/>
+                </a:solidFill>
+                <a:latin typeface="Courier New"/>
+                <a:ea typeface="Times New Roman"/>
+                <a:cs typeface="Times New Roman"/>
+              </a:rPr>
+              <a:t>"points"</a:t>
+            </a:r>
+            <a:r>
+              <a:rPr lang="en-US" dirty="0">
+                <a:solidFill>
+                  <a:srgbClr val="000000"/>
+                </a:solidFill>
+                <a:latin typeface="Courier New"/>
+                <a:ea typeface="Times New Roman"/>
+                <a:cs typeface="Times New Roman"/>
+              </a:rPr>
+              <a:t>, </a:t>
+            </a:r>
+            <a:r>
+              <a:rPr lang="en-US" b="1" dirty="0">
+                <a:solidFill>
+                  <a:srgbClr val="660E7A"/>
+                </a:solidFill>
+                <a:latin typeface="Courier New"/>
+                <a:ea typeface="Times New Roman"/>
+                <a:cs typeface="Times New Roman"/>
+              </a:rPr>
+              <a:t>points</a:t>
+            </a:r>
+            <a:r>
+              <a:rPr lang="en-US" dirty="0">
+                <a:solidFill>
+                  <a:srgbClr val="000000"/>
+                </a:solidFill>
+                <a:latin typeface="Courier New"/>
+                <a:ea typeface="Times New Roman"/>
+                <a:cs typeface="Times New Roman"/>
+              </a:rPr>
+              <a:t>);</a:t>
+            </a:r>
+            <a:br>
+              <a:rPr lang="en-US" dirty="0">
+                <a:solidFill>
+                  <a:srgbClr val="000000"/>
+                </a:solidFill>
+                <a:latin typeface="Courier New"/>
+                <a:ea typeface="Times New Roman"/>
+                <a:cs typeface="Times New Roman"/>
+              </a:rPr>
+            </a:br>
+            <a:r>
+              <a:rPr lang="en-US" dirty="0">
+                <a:solidFill>
+                  <a:srgbClr val="000000"/>
+                </a:solidFill>
+                <a:latin typeface="Courier New"/>
+                <a:ea typeface="Times New Roman"/>
+                <a:cs typeface="Times New Roman"/>
+              </a:rPr>
+              <a:t>        </a:t>
+            </a:r>
+            <a:r>
+              <a:rPr lang="en-US" dirty="0" err="1">
+                <a:solidFill>
+                  <a:srgbClr val="000000"/>
+                </a:solidFill>
+                <a:latin typeface="Courier New"/>
+                <a:ea typeface="Times New Roman"/>
+                <a:cs typeface="Times New Roman"/>
+              </a:rPr>
+              <a:t>startActivity</a:t>
+            </a:r>
+            <a:r>
+              <a:rPr lang="en-US" dirty="0">
+                <a:solidFill>
+                  <a:srgbClr val="000000"/>
+                </a:solidFill>
+                <a:latin typeface="Courier New"/>
+                <a:ea typeface="Times New Roman"/>
+                <a:cs typeface="Times New Roman"/>
+              </a:rPr>
+              <a:t>(intent);</a:t>
+            </a:r>
+            <a:br>
+              <a:rPr lang="en-US" dirty="0">
+                <a:solidFill>
+                  <a:srgbClr val="000000"/>
+                </a:solidFill>
+                <a:latin typeface="Courier New"/>
+                <a:ea typeface="Times New Roman"/>
+                <a:cs typeface="Times New Roman"/>
+              </a:rPr>
+            </a:br>
+            <a:r>
+              <a:rPr lang="en-US" dirty="0">
+                <a:solidFill>
+                  <a:srgbClr val="000000"/>
+                </a:solidFill>
+                <a:latin typeface="Courier New"/>
+                <a:ea typeface="Times New Roman"/>
+                <a:cs typeface="Times New Roman"/>
+              </a:rPr>
+              <a:t>    }</a:t>
+            </a:r>
+            <a:br>
+              <a:rPr lang="en-US" dirty="0">
+                <a:solidFill>
+                  <a:srgbClr val="000000"/>
+                </a:solidFill>
+                <a:latin typeface="Courier New"/>
+                <a:ea typeface="Times New Roman"/>
+                <a:cs typeface="Times New Roman"/>
+              </a:rPr>
+            </a:br>
+            <a:r>
+              <a:rPr lang="en-US" dirty="0">
+                <a:solidFill>
+                  <a:srgbClr val="000000"/>
+                </a:solidFill>
+                <a:latin typeface="Courier New"/>
+                <a:ea typeface="Times New Roman"/>
+                <a:cs typeface="Times New Roman"/>
+              </a:rPr>
+              <a:t/>
+            </a:r>
+            <a:br>
+              <a:rPr lang="en-US" dirty="0">
+                <a:solidFill>
+                  <a:srgbClr val="000000"/>
+                </a:solidFill>
+                <a:latin typeface="Courier New"/>
+                <a:ea typeface="Times New Roman"/>
+                <a:cs typeface="Times New Roman"/>
+              </a:rPr>
+            </a:br>
+            <a:r>
+              <a:rPr lang="en-US" dirty="0">
+                <a:solidFill>
+                  <a:srgbClr val="000000"/>
+                </a:solidFill>
+                <a:latin typeface="Courier New"/>
+                <a:ea typeface="Times New Roman"/>
+                <a:cs typeface="Times New Roman"/>
+              </a:rPr>
+              <a:t>    </a:t>
+            </a:r>
+            <a:r>
+              <a:rPr lang="en-US" i="1" dirty="0">
+                <a:solidFill>
+                  <a:srgbClr val="808080"/>
+                </a:solidFill>
+                <a:latin typeface="Courier New"/>
+                <a:ea typeface="Times New Roman"/>
+                <a:cs typeface="Times New Roman"/>
+              </a:rPr>
+              <a:t>// Increment our points and displays it</a:t>
+            </a:r>
+            <a:br>
+              <a:rPr lang="en-US" i="1" dirty="0">
+                <a:solidFill>
+                  <a:srgbClr val="808080"/>
+                </a:solidFill>
+                <a:latin typeface="Courier New"/>
+                <a:ea typeface="Times New Roman"/>
+                <a:cs typeface="Times New Roman"/>
+              </a:rPr>
+            </a:br>
+            <a:r>
+              <a:rPr lang="en-US" i="1" dirty="0">
+                <a:solidFill>
+                  <a:srgbClr val="808080"/>
+                </a:solidFill>
+                <a:latin typeface="Courier New"/>
+                <a:ea typeface="Times New Roman"/>
+                <a:cs typeface="Times New Roman"/>
+              </a:rPr>
+              <a:t>    </a:t>
+            </a:r>
+            <a:r>
+              <a:rPr lang="en-US" b="1" dirty="0">
+                <a:solidFill>
+                  <a:srgbClr val="000080"/>
+                </a:solidFill>
+                <a:latin typeface="Courier New"/>
+                <a:ea typeface="Times New Roman"/>
+                <a:cs typeface="Times New Roman"/>
+              </a:rPr>
+              <a:t>public void </a:t>
+            </a:r>
+            <a:r>
+              <a:rPr lang="en-US" dirty="0" err="1">
+                <a:solidFill>
+                  <a:srgbClr val="000000"/>
+                </a:solidFill>
+                <a:latin typeface="Courier New"/>
+                <a:ea typeface="Times New Roman"/>
+                <a:cs typeface="Times New Roman"/>
+              </a:rPr>
+              <a:t>btnClick</a:t>
+            </a:r>
+            <a:r>
+              <a:rPr lang="en-US" dirty="0">
+                <a:solidFill>
+                  <a:srgbClr val="000000"/>
+                </a:solidFill>
+                <a:latin typeface="Courier New"/>
+                <a:ea typeface="Times New Roman"/>
+                <a:cs typeface="Times New Roman"/>
+              </a:rPr>
+              <a:t>(View v) {</a:t>
+            </a:r>
+            <a:br>
+              <a:rPr lang="en-US" dirty="0">
+                <a:solidFill>
+                  <a:srgbClr val="000000"/>
+                </a:solidFill>
+                <a:latin typeface="Courier New"/>
+                <a:ea typeface="Times New Roman"/>
+                <a:cs typeface="Times New Roman"/>
+              </a:rPr>
+            </a:br>
+            <a:r>
+              <a:rPr lang="en-US" dirty="0">
+                <a:solidFill>
+                  <a:srgbClr val="000000"/>
+                </a:solidFill>
+                <a:latin typeface="Courier New"/>
+                <a:ea typeface="Times New Roman"/>
+                <a:cs typeface="Times New Roman"/>
+              </a:rPr>
+              <a:t>        </a:t>
+            </a:r>
+            <a:r>
+              <a:rPr lang="en-US" b="1" dirty="0">
+                <a:solidFill>
+                  <a:srgbClr val="660E7A"/>
+                </a:solidFill>
+                <a:latin typeface="Courier New"/>
+                <a:ea typeface="Times New Roman"/>
+                <a:cs typeface="Times New Roman"/>
+              </a:rPr>
+              <a:t>points</a:t>
+            </a:r>
+            <a:r>
+              <a:rPr lang="en-US" dirty="0">
+                <a:solidFill>
+                  <a:srgbClr val="000000"/>
+                </a:solidFill>
+                <a:latin typeface="Courier New"/>
+                <a:ea typeface="Times New Roman"/>
+                <a:cs typeface="Times New Roman"/>
+              </a:rPr>
+              <a:t>++;</a:t>
+            </a:r>
+            <a:br>
+              <a:rPr lang="en-US" dirty="0">
+                <a:solidFill>
+                  <a:srgbClr val="000000"/>
+                </a:solidFill>
+                <a:latin typeface="Courier New"/>
+                <a:ea typeface="Times New Roman"/>
+                <a:cs typeface="Times New Roman"/>
+              </a:rPr>
+            </a:br>
+            <a:r>
+              <a:rPr lang="en-US" dirty="0">
+                <a:solidFill>
+                  <a:srgbClr val="000000"/>
+                </a:solidFill>
+                <a:latin typeface="Courier New"/>
+                <a:ea typeface="Times New Roman"/>
+                <a:cs typeface="Times New Roman"/>
+              </a:rPr>
+              <a:t>        </a:t>
+            </a:r>
+            <a:r>
+              <a:rPr lang="en-US" b="1" dirty="0" err="1">
+                <a:solidFill>
+                  <a:srgbClr val="660E7A"/>
+                </a:solidFill>
+                <a:latin typeface="Courier New"/>
+                <a:ea typeface="Times New Roman"/>
+                <a:cs typeface="Times New Roman"/>
+              </a:rPr>
+              <a:t>tvPoints</a:t>
+            </a:r>
+            <a:r>
+              <a:rPr lang="en-US" dirty="0" err="1">
+                <a:solidFill>
+                  <a:srgbClr val="000000"/>
+                </a:solidFill>
+                <a:latin typeface="Courier New"/>
+                <a:ea typeface="Times New Roman"/>
+                <a:cs typeface="Times New Roman"/>
+              </a:rPr>
+              <a:t>.setText</a:t>
+            </a:r>
+            <a:r>
+              <a:rPr lang="en-US" dirty="0">
+                <a:solidFill>
+                  <a:srgbClr val="000000"/>
+                </a:solidFill>
+                <a:latin typeface="Courier New"/>
+                <a:ea typeface="Times New Roman"/>
+                <a:cs typeface="Times New Roman"/>
+              </a:rPr>
+              <a:t>(</a:t>
+            </a:r>
+            <a:r>
+              <a:rPr lang="en-US" b="1" dirty="0">
+                <a:solidFill>
+                  <a:srgbClr val="008000"/>
+                </a:solidFill>
+                <a:latin typeface="Courier New"/>
+                <a:ea typeface="Times New Roman"/>
+                <a:cs typeface="Times New Roman"/>
+              </a:rPr>
+              <a:t>"Points: " </a:t>
+            </a:r>
+            <a:r>
+              <a:rPr lang="en-US" dirty="0">
+                <a:solidFill>
+                  <a:srgbClr val="000000"/>
+                </a:solidFill>
+                <a:latin typeface="Courier New"/>
+                <a:ea typeface="Times New Roman"/>
+                <a:cs typeface="Times New Roman"/>
+              </a:rPr>
+              <a:t>+ </a:t>
+            </a:r>
+            <a:r>
+              <a:rPr lang="en-US" b="1" dirty="0">
+                <a:solidFill>
+                  <a:srgbClr val="660E7A"/>
+                </a:solidFill>
+                <a:latin typeface="Courier New"/>
+                <a:ea typeface="Times New Roman"/>
+                <a:cs typeface="Times New Roman"/>
+              </a:rPr>
+              <a:t>points</a:t>
+            </a:r>
+            <a:r>
+              <a:rPr lang="en-US" dirty="0">
+                <a:solidFill>
+                  <a:srgbClr val="000000"/>
+                </a:solidFill>
+                <a:latin typeface="Courier New"/>
+                <a:ea typeface="Times New Roman"/>
+                <a:cs typeface="Times New Roman"/>
+              </a:rPr>
+              <a:t>);</a:t>
+            </a:r>
+            <a:br>
+              <a:rPr lang="en-US" dirty="0">
+                <a:solidFill>
+                  <a:srgbClr val="000000"/>
+                </a:solidFill>
+                <a:latin typeface="Courier New"/>
+                <a:ea typeface="Times New Roman"/>
+                <a:cs typeface="Times New Roman"/>
+              </a:rPr>
+            </a:br>
+            <a:r>
+              <a:rPr lang="en-US" dirty="0">
+                <a:solidFill>
+                  <a:srgbClr val="000000"/>
+                </a:solidFill>
+                <a:latin typeface="Courier New"/>
+                <a:ea typeface="Times New Roman"/>
+                <a:cs typeface="Times New Roman"/>
+              </a:rPr>
+              <a:t>    }</a:t>
+            </a:r>
+            <a:br>
+              <a:rPr lang="en-US" dirty="0">
+                <a:solidFill>
+                  <a:srgbClr val="000000"/>
+                </a:solidFill>
+                <a:latin typeface="Courier New"/>
+                <a:ea typeface="Times New Roman"/>
+                <a:cs typeface="Times New Roman"/>
+              </a:rPr>
+            </a:br>
+            <a:r>
+              <a:rPr lang="en-US" dirty="0">
+                <a:solidFill>
+                  <a:srgbClr val="000000"/>
+                </a:solidFill>
+                <a:latin typeface="Courier New"/>
+                <a:ea typeface="Times New Roman"/>
+                <a:cs typeface="Times New Roman"/>
+              </a:rPr>
+              <a:t/>
+            </a:r>
+            <a:br>
+              <a:rPr lang="en-US" dirty="0">
+                <a:solidFill>
+                  <a:srgbClr val="000000"/>
+                </a:solidFill>
+                <a:latin typeface="Courier New"/>
+                <a:ea typeface="Times New Roman"/>
+                <a:cs typeface="Times New Roman"/>
+              </a:rPr>
+            </a:br>
+            <a:r>
+              <a:rPr lang="en-US" dirty="0">
+                <a:solidFill>
+                  <a:srgbClr val="000000"/>
+                </a:solidFill>
+                <a:latin typeface="Courier New"/>
+                <a:ea typeface="Times New Roman"/>
+                <a:cs typeface="Times New Roman"/>
+              </a:rPr>
+              <a:t>    </a:t>
+            </a:r>
+            <a:r>
+              <a:rPr lang="en-US" i="1" dirty="0" smtClean="0">
+                <a:solidFill>
+                  <a:srgbClr val="808080"/>
+                </a:solidFill>
+                <a:latin typeface="Courier New"/>
+                <a:ea typeface="Times New Roman"/>
+                <a:cs typeface="Times New Roman"/>
+              </a:rPr>
+              <a:t>// Same </a:t>
+            </a:r>
+            <a:r>
+              <a:rPr lang="en-US" i="1" dirty="0" err="1" smtClean="0">
+                <a:solidFill>
+                  <a:srgbClr val="808080"/>
+                </a:solidFill>
+                <a:latin typeface="Courier New"/>
+                <a:ea typeface="Times New Roman"/>
+                <a:cs typeface="Times New Roman"/>
+              </a:rPr>
+              <a:t>onPause</a:t>
+            </a:r>
+            <a:r>
+              <a:rPr lang="en-US" i="1" dirty="0" smtClean="0">
+                <a:solidFill>
+                  <a:srgbClr val="808080"/>
+                </a:solidFill>
+                <a:latin typeface="Courier New"/>
+                <a:ea typeface="Times New Roman"/>
+                <a:cs typeface="Times New Roman"/>
+              </a:rPr>
+              <a:t> method...</a:t>
+            </a:r>
+            <a:r>
+              <a:rPr lang="en-US" i="1" dirty="0">
+                <a:solidFill>
+                  <a:srgbClr val="808080"/>
+                </a:solidFill>
+                <a:latin typeface="Courier New"/>
+                <a:ea typeface="Times New Roman"/>
+                <a:cs typeface="Times New Roman"/>
+              </a:rPr>
+              <a:t/>
+            </a:r>
+            <a:br>
+              <a:rPr lang="en-US" i="1" dirty="0">
+                <a:solidFill>
+                  <a:srgbClr val="808080"/>
+                </a:solidFill>
+                <a:latin typeface="Courier New"/>
+                <a:ea typeface="Times New Roman"/>
+                <a:cs typeface="Times New Roman"/>
+              </a:rPr>
+            </a:br>
+            <a:r>
+              <a:rPr lang="en-US" i="1" dirty="0" smtClean="0">
+                <a:solidFill>
+                  <a:srgbClr val="808080"/>
+                </a:solidFill>
+                <a:latin typeface="Courier New"/>
+                <a:ea typeface="Times New Roman"/>
+                <a:cs typeface="Times New Roman"/>
+              </a:rPr>
+              <a:t>    </a:t>
+            </a:r>
+            <a:r>
+              <a:rPr lang="en-US" i="1" dirty="0">
+                <a:solidFill>
+                  <a:srgbClr val="808080"/>
+                </a:solidFill>
+                <a:latin typeface="Courier New"/>
+                <a:ea typeface="Times New Roman"/>
+                <a:cs typeface="Times New Roman"/>
+              </a:rPr>
+              <a:t>// .</a:t>
+            </a:r>
+            <a:r>
+              <a:rPr lang="en-US" i="1" dirty="0" smtClean="0">
+                <a:solidFill>
+                  <a:srgbClr val="808080"/>
+                </a:solidFill>
+                <a:latin typeface="Courier New"/>
+                <a:ea typeface="Times New Roman"/>
+                <a:cs typeface="Times New Roman"/>
+              </a:rPr>
+              <a:t>..</a:t>
+            </a:r>
+            <a:r>
+              <a:rPr lang="en-US" dirty="0">
+                <a:solidFill>
+                  <a:srgbClr val="000000"/>
+                </a:solidFill>
+                <a:latin typeface="Courier New"/>
+                <a:ea typeface="Times New Roman"/>
+                <a:cs typeface="Times New Roman"/>
+              </a:rPr>
+              <a:t/>
+            </a:r>
+            <a:br>
+              <a:rPr lang="en-US" dirty="0">
+                <a:solidFill>
+                  <a:srgbClr val="000000"/>
+                </a:solidFill>
+                <a:latin typeface="Courier New"/>
+                <a:ea typeface="Times New Roman"/>
+                <a:cs typeface="Times New Roman"/>
+              </a:rPr>
+            </a:br>
+            <a:r>
+              <a:rPr lang="en-US" dirty="0">
+                <a:solidFill>
+                  <a:srgbClr val="000000"/>
+                </a:solidFill>
+                <a:latin typeface="Courier New"/>
+                <a:ea typeface="Times New Roman"/>
+                <a:cs typeface="Times New Roman"/>
+              </a:rPr>
+              <a:t>}</a:t>
+            </a:r>
+            <a:endParaRPr lang="en-US" sz="4400" dirty="0">
+              <a:ea typeface="Calibri"/>
+              <a:cs typeface="Times New Roman"/>
+            </a:endParaRPr>
+          </a:p>
           <a:p>
             <a:pPr marL="0" indent="0">
               <a:buNone/>
             </a:pPr>
-            <a:r>
-              <a:rPr lang="en-US" sz="800" i="1" dirty="0"/>
-              <a:t>&lt;?</a:t>
-            </a:r>
-            <a:r>
-              <a:rPr lang="en-US" sz="800" b="1" dirty="0">
-                <a:solidFill>
-                  <a:srgbClr val="0000FF"/>
-                </a:solidFill>
-              </a:rPr>
-              <a:t>xml version=</a:t>
-            </a:r>
-            <a:r>
-              <a:rPr lang="en-US" sz="800" b="1" dirty="0">
-                <a:solidFill>
-                  <a:srgbClr val="008000"/>
-                </a:solidFill>
-              </a:rPr>
-              <a:t>"1.0" </a:t>
-            </a:r>
-            <a:r>
-              <a:rPr lang="en-US" sz="800" b="1" dirty="0">
-                <a:solidFill>
-                  <a:srgbClr val="0000FF"/>
-                </a:solidFill>
-              </a:rPr>
-              <a:t>encoding=</a:t>
-            </a:r>
-            <a:r>
-              <a:rPr lang="en-US" sz="800" b="1" dirty="0">
-                <a:solidFill>
-                  <a:srgbClr val="008000"/>
-                </a:solidFill>
-              </a:rPr>
-              <a:t>"utf-8"</a:t>
-            </a:r>
-            <a:r>
-              <a:rPr lang="en-US" sz="800" i="1" dirty="0"/>
-              <a:t>?&gt;</a:t>
-            </a:r>
-            <a:br>
-              <a:rPr lang="en-US" sz="800" i="1" dirty="0"/>
-            </a:br>
-            <a:r>
-              <a:rPr lang="en-US" sz="800" dirty="0"/>
-              <a:t>&lt;</a:t>
-            </a:r>
-            <a:r>
-              <a:rPr lang="en-US" sz="800" b="1" dirty="0" err="1">
-                <a:solidFill>
-                  <a:srgbClr val="000080"/>
-                </a:solidFill>
-              </a:rPr>
-              <a:t>RelativeLayout</a:t>
-            </a:r>
-            <a:r>
-              <a:rPr lang="en-US" sz="800" b="1" dirty="0">
-                <a:solidFill>
-                  <a:srgbClr val="000080"/>
-                </a:solidFill>
-              </a:rPr>
-              <a:t> </a:t>
-            </a:r>
-            <a:r>
-              <a:rPr lang="en-US" sz="800" b="1" dirty="0" err="1">
-                <a:solidFill>
-                  <a:srgbClr val="0000FF"/>
-                </a:solidFill>
-              </a:rPr>
-              <a:t>xmlns:</a:t>
-            </a:r>
-            <a:r>
-              <a:rPr lang="en-US" sz="800" b="1" dirty="0" err="1">
-                <a:solidFill>
-                  <a:srgbClr val="660E7A"/>
-                </a:solidFill>
-              </a:rPr>
-              <a:t>android</a:t>
-            </a:r>
-            <a:r>
-              <a:rPr lang="en-US" sz="800" b="1" dirty="0">
-                <a:solidFill>
-                  <a:srgbClr val="0000FF"/>
-                </a:solidFill>
-              </a:rPr>
-              <a:t>=</a:t>
-            </a:r>
-            <a:r>
-              <a:rPr lang="en-US" sz="800" b="1" dirty="0">
-                <a:solidFill>
-                  <a:srgbClr val="008000"/>
-                </a:solidFill>
-              </a:rPr>
-              <a:t>"http://schemas.android.com/</a:t>
-            </a:r>
-            <a:r>
-              <a:rPr lang="en-US" sz="800" b="1" dirty="0" err="1">
-                <a:solidFill>
-                  <a:srgbClr val="008000"/>
-                </a:solidFill>
-              </a:rPr>
-              <a:t>apk</a:t>
-            </a:r>
-            <a:r>
-              <a:rPr lang="en-US" sz="800" b="1" dirty="0">
-                <a:solidFill>
-                  <a:srgbClr val="008000"/>
-                </a:solidFill>
-              </a:rPr>
-              <a:t>/res/android"</a:t>
-            </a:r>
-            <a:br>
-              <a:rPr lang="en-US" sz="800" b="1" dirty="0">
-                <a:solidFill>
-                  <a:srgbClr val="008000"/>
-                </a:solidFill>
-              </a:rPr>
-            </a:br>
-            <a:r>
-              <a:rPr lang="en-US" sz="800" b="1" dirty="0">
-                <a:solidFill>
-                  <a:srgbClr val="008000"/>
-                </a:solidFill>
-              </a:rPr>
-              <a:t>    </a:t>
-            </a:r>
-            <a:r>
-              <a:rPr lang="en-US" sz="800" b="1" dirty="0" err="1">
-                <a:solidFill>
-                  <a:srgbClr val="0000FF"/>
-                </a:solidFill>
-              </a:rPr>
-              <a:t>xmlns:</a:t>
-            </a:r>
-            <a:r>
-              <a:rPr lang="en-US" sz="800" b="1" dirty="0" err="1">
-                <a:solidFill>
-                  <a:srgbClr val="660E7A"/>
-                </a:solidFill>
-              </a:rPr>
-              <a:t>tools</a:t>
-            </a:r>
-            <a:r>
-              <a:rPr lang="en-US" sz="800" b="1" dirty="0">
-                <a:solidFill>
-                  <a:srgbClr val="0000FF"/>
-                </a:solidFill>
-              </a:rPr>
-              <a:t>=</a:t>
-            </a:r>
-            <a:r>
-              <a:rPr lang="en-US" sz="800" b="1" dirty="0">
-                <a:solidFill>
-                  <a:srgbClr val="008000"/>
-                </a:solidFill>
-              </a:rPr>
-              <a:t>"http://schemas.android.com/tools"</a:t>
-            </a:r>
-            <a:br>
-              <a:rPr lang="en-US" sz="800" b="1" dirty="0">
-                <a:solidFill>
-                  <a:srgbClr val="008000"/>
-                </a:solidFill>
-              </a:rPr>
-            </a:br>
-            <a:r>
-              <a:rPr lang="en-US" sz="800" b="1" dirty="0">
-                <a:solidFill>
-                  <a:srgbClr val="008000"/>
-                </a:solidFill>
-              </a:rPr>
-              <a:t>    </a:t>
-            </a:r>
-            <a:r>
-              <a:rPr lang="en-US" sz="800" b="1" dirty="0" err="1">
-                <a:solidFill>
-                  <a:srgbClr val="660E7A"/>
-                </a:solidFill>
-              </a:rPr>
-              <a:t>android</a:t>
-            </a:r>
-            <a:r>
-              <a:rPr lang="en-US" sz="800" b="1" dirty="0" err="1">
-                <a:solidFill>
-                  <a:srgbClr val="0000FF"/>
-                </a:solidFill>
-              </a:rPr>
-              <a:t>:layout_width</a:t>
-            </a:r>
-            <a:r>
-              <a:rPr lang="en-US" sz="800" b="1" dirty="0">
-                <a:solidFill>
-                  <a:srgbClr val="0000FF"/>
-                </a:solidFill>
-              </a:rPr>
-              <a:t>=</a:t>
-            </a:r>
-            <a:r>
-              <a:rPr lang="en-US" sz="800" b="1" dirty="0">
-                <a:solidFill>
-                  <a:srgbClr val="008000"/>
-                </a:solidFill>
-              </a:rPr>
-              <a:t>"</a:t>
-            </a:r>
-            <a:r>
-              <a:rPr lang="en-US" sz="800" b="1" dirty="0" err="1">
-                <a:solidFill>
-                  <a:srgbClr val="008000"/>
-                </a:solidFill>
-              </a:rPr>
-              <a:t>match_parent</a:t>
-            </a:r>
-            <a:r>
-              <a:rPr lang="en-US" sz="800" b="1" dirty="0">
-                <a:solidFill>
-                  <a:srgbClr val="008000"/>
-                </a:solidFill>
-              </a:rPr>
-              <a:t>"</a:t>
-            </a:r>
-            <a:br>
-              <a:rPr lang="en-US" sz="800" b="1" dirty="0">
-                <a:solidFill>
-                  <a:srgbClr val="008000"/>
-                </a:solidFill>
-              </a:rPr>
-            </a:br>
-            <a:r>
-              <a:rPr lang="en-US" sz="800" b="1" dirty="0">
-                <a:solidFill>
-                  <a:srgbClr val="008000"/>
-                </a:solidFill>
-              </a:rPr>
-              <a:t>    </a:t>
-            </a:r>
-            <a:r>
-              <a:rPr lang="en-US" sz="800" b="1" dirty="0" err="1">
-                <a:solidFill>
-                  <a:srgbClr val="660E7A"/>
-                </a:solidFill>
-              </a:rPr>
-              <a:t>android</a:t>
-            </a:r>
-            <a:r>
-              <a:rPr lang="en-US" sz="800" b="1" dirty="0" err="1">
-                <a:solidFill>
-                  <a:srgbClr val="0000FF"/>
-                </a:solidFill>
-              </a:rPr>
-              <a:t>:layout_height</a:t>
-            </a:r>
-            <a:r>
-              <a:rPr lang="en-US" sz="800" b="1" dirty="0">
-                <a:solidFill>
-                  <a:srgbClr val="0000FF"/>
-                </a:solidFill>
-              </a:rPr>
-              <a:t>=</a:t>
-            </a:r>
-            <a:r>
-              <a:rPr lang="en-US" sz="800" b="1" dirty="0">
-                <a:solidFill>
-                  <a:srgbClr val="008000"/>
-                </a:solidFill>
-              </a:rPr>
-              <a:t>"</a:t>
-            </a:r>
-            <a:r>
-              <a:rPr lang="en-US" sz="800" b="1" dirty="0" err="1">
-                <a:solidFill>
-                  <a:srgbClr val="008000"/>
-                </a:solidFill>
-              </a:rPr>
-              <a:t>match_parent</a:t>
-            </a:r>
-            <a:r>
-              <a:rPr lang="en-US" sz="800" b="1" dirty="0">
-                <a:solidFill>
-                  <a:srgbClr val="008000"/>
-                </a:solidFill>
-              </a:rPr>
-              <a:t>"</a:t>
-            </a:r>
-            <a:br>
-              <a:rPr lang="en-US" sz="800" b="1" dirty="0">
-                <a:solidFill>
-                  <a:srgbClr val="008000"/>
-                </a:solidFill>
-              </a:rPr>
-            </a:br>
-            <a:r>
-              <a:rPr lang="en-US" sz="800" b="1" dirty="0">
-                <a:solidFill>
-                  <a:srgbClr val="008000"/>
-                </a:solidFill>
-              </a:rPr>
-              <a:t>    </a:t>
-            </a:r>
-            <a:r>
-              <a:rPr lang="en-US" sz="800" b="1" dirty="0" err="1">
-                <a:solidFill>
-                  <a:srgbClr val="660E7A"/>
-                </a:solidFill>
-              </a:rPr>
-              <a:t>android</a:t>
-            </a:r>
-            <a:r>
-              <a:rPr lang="en-US" sz="800" b="1" dirty="0" err="1">
-                <a:solidFill>
-                  <a:srgbClr val="0000FF"/>
-                </a:solidFill>
-              </a:rPr>
-              <a:t>:paddingBottom</a:t>
-            </a:r>
-            <a:r>
-              <a:rPr lang="en-US" sz="800" b="1" dirty="0">
-                <a:solidFill>
-                  <a:srgbClr val="0000FF"/>
-                </a:solidFill>
-              </a:rPr>
-              <a:t>=</a:t>
-            </a:r>
-            <a:r>
-              <a:rPr lang="en-US" sz="800" b="1" dirty="0">
-                <a:solidFill>
-                  <a:srgbClr val="008000"/>
-                </a:solidFill>
-              </a:rPr>
-              <a:t>"@</a:t>
-            </a:r>
-            <a:r>
-              <a:rPr lang="en-US" sz="800" b="1" dirty="0" err="1">
-                <a:solidFill>
-                  <a:srgbClr val="008000"/>
-                </a:solidFill>
-              </a:rPr>
-              <a:t>dimen</a:t>
-            </a:r>
-            <a:r>
-              <a:rPr lang="en-US" sz="800" b="1" dirty="0">
-                <a:solidFill>
-                  <a:srgbClr val="008000"/>
-                </a:solidFill>
-              </a:rPr>
-              <a:t>/</a:t>
-            </a:r>
-            <a:r>
-              <a:rPr lang="en-US" sz="800" b="1" dirty="0" err="1">
-                <a:solidFill>
-                  <a:srgbClr val="008000"/>
-                </a:solidFill>
-              </a:rPr>
-              <a:t>activity_vertical_margin</a:t>
-            </a:r>
-            <a:r>
-              <a:rPr lang="en-US" sz="800" b="1" dirty="0">
-                <a:solidFill>
-                  <a:srgbClr val="008000"/>
-                </a:solidFill>
-              </a:rPr>
-              <a:t>"</a:t>
-            </a:r>
-            <a:br>
-              <a:rPr lang="en-US" sz="800" b="1" dirty="0">
-                <a:solidFill>
-                  <a:srgbClr val="008000"/>
-                </a:solidFill>
-              </a:rPr>
-            </a:br>
-            <a:r>
-              <a:rPr lang="en-US" sz="800" b="1" dirty="0">
-                <a:solidFill>
-                  <a:srgbClr val="008000"/>
-                </a:solidFill>
-              </a:rPr>
-              <a:t>    </a:t>
-            </a:r>
-            <a:r>
-              <a:rPr lang="en-US" sz="800" b="1" dirty="0" err="1">
-                <a:solidFill>
-                  <a:srgbClr val="660E7A"/>
-                </a:solidFill>
-              </a:rPr>
-              <a:t>android</a:t>
-            </a:r>
-            <a:r>
-              <a:rPr lang="en-US" sz="800" b="1" dirty="0" err="1">
-                <a:solidFill>
-                  <a:srgbClr val="0000FF"/>
-                </a:solidFill>
-              </a:rPr>
-              <a:t>:paddingLeft</a:t>
-            </a:r>
-            <a:r>
-              <a:rPr lang="en-US" sz="800" b="1" dirty="0">
-                <a:solidFill>
-                  <a:srgbClr val="0000FF"/>
-                </a:solidFill>
-              </a:rPr>
-              <a:t>=</a:t>
-            </a:r>
-            <a:r>
-              <a:rPr lang="en-US" sz="800" b="1" dirty="0">
-                <a:solidFill>
-                  <a:srgbClr val="008000"/>
-                </a:solidFill>
-              </a:rPr>
-              <a:t>"@</a:t>
-            </a:r>
-            <a:r>
-              <a:rPr lang="en-US" sz="800" b="1" dirty="0" err="1">
-                <a:solidFill>
-                  <a:srgbClr val="008000"/>
-                </a:solidFill>
-              </a:rPr>
-              <a:t>dimen</a:t>
-            </a:r>
-            <a:r>
-              <a:rPr lang="en-US" sz="800" b="1" dirty="0">
-                <a:solidFill>
-                  <a:srgbClr val="008000"/>
-                </a:solidFill>
-              </a:rPr>
-              <a:t>/</a:t>
-            </a:r>
-            <a:r>
-              <a:rPr lang="en-US" sz="800" b="1" dirty="0" err="1">
-                <a:solidFill>
-                  <a:srgbClr val="008000"/>
-                </a:solidFill>
-              </a:rPr>
-              <a:t>activity_horizontal_margin</a:t>
-            </a:r>
-            <a:r>
-              <a:rPr lang="en-US" sz="800" b="1" dirty="0">
-                <a:solidFill>
-                  <a:srgbClr val="008000"/>
-                </a:solidFill>
-              </a:rPr>
-              <a:t>"</a:t>
-            </a:r>
-            <a:br>
-              <a:rPr lang="en-US" sz="800" b="1" dirty="0">
-                <a:solidFill>
-                  <a:srgbClr val="008000"/>
-                </a:solidFill>
-              </a:rPr>
-            </a:br>
-            <a:r>
-              <a:rPr lang="en-US" sz="800" b="1" dirty="0">
-                <a:solidFill>
-                  <a:srgbClr val="008000"/>
-                </a:solidFill>
-              </a:rPr>
-              <a:t>    </a:t>
-            </a:r>
-            <a:r>
-              <a:rPr lang="en-US" sz="800" b="1" dirty="0" err="1">
-                <a:solidFill>
-                  <a:srgbClr val="660E7A"/>
-                </a:solidFill>
-              </a:rPr>
-              <a:t>android</a:t>
-            </a:r>
-            <a:r>
-              <a:rPr lang="en-US" sz="800" b="1" dirty="0" err="1">
-                <a:solidFill>
-                  <a:srgbClr val="0000FF"/>
-                </a:solidFill>
-              </a:rPr>
-              <a:t>:paddingRight</a:t>
-            </a:r>
-            <a:r>
-              <a:rPr lang="en-US" sz="800" b="1" dirty="0">
-                <a:solidFill>
-                  <a:srgbClr val="0000FF"/>
-                </a:solidFill>
-              </a:rPr>
-              <a:t>=</a:t>
-            </a:r>
-            <a:r>
-              <a:rPr lang="en-US" sz="800" b="1" dirty="0">
-                <a:solidFill>
-                  <a:srgbClr val="008000"/>
-                </a:solidFill>
-              </a:rPr>
-              <a:t>"@</a:t>
-            </a:r>
-            <a:r>
-              <a:rPr lang="en-US" sz="800" b="1" dirty="0" err="1">
-                <a:solidFill>
-                  <a:srgbClr val="008000"/>
-                </a:solidFill>
-              </a:rPr>
-              <a:t>dimen</a:t>
-            </a:r>
-            <a:r>
-              <a:rPr lang="en-US" sz="800" b="1" dirty="0">
-                <a:solidFill>
-                  <a:srgbClr val="008000"/>
-                </a:solidFill>
-              </a:rPr>
-              <a:t>/</a:t>
-            </a:r>
-            <a:r>
-              <a:rPr lang="en-US" sz="800" b="1" dirty="0" err="1">
-                <a:solidFill>
-                  <a:srgbClr val="008000"/>
-                </a:solidFill>
-              </a:rPr>
-              <a:t>activity_horizontal_margin</a:t>
-            </a:r>
-            <a:r>
-              <a:rPr lang="en-US" sz="800" b="1" dirty="0">
-                <a:solidFill>
-                  <a:srgbClr val="008000"/>
-                </a:solidFill>
-              </a:rPr>
-              <a:t>"</a:t>
-            </a:r>
-            <a:br>
-              <a:rPr lang="en-US" sz="800" b="1" dirty="0">
-                <a:solidFill>
-                  <a:srgbClr val="008000"/>
-                </a:solidFill>
-              </a:rPr>
-            </a:br>
-            <a:r>
-              <a:rPr lang="en-US" sz="800" b="1" dirty="0">
-                <a:solidFill>
-                  <a:srgbClr val="008000"/>
-                </a:solidFill>
-              </a:rPr>
-              <a:t>    </a:t>
-            </a:r>
-            <a:r>
-              <a:rPr lang="en-US" sz="800" b="1" dirty="0" err="1">
-                <a:solidFill>
-                  <a:srgbClr val="660E7A"/>
-                </a:solidFill>
-              </a:rPr>
-              <a:t>android</a:t>
-            </a:r>
-            <a:r>
-              <a:rPr lang="en-US" sz="800" b="1" dirty="0" err="1">
-                <a:solidFill>
-                  <a:srgbClr val="0000FF"/>
-                </a:solidFill>
-              </a:rPr>
-              <a:t>:paddingTop</a:t>
-            </a:r>
-            <a:r>
-              <a:rPr lang="en-US" sz="800" b="1" dirty="0">
-                <a:solidFill>
-                  <a:srgbClr val="0000FF"/>
-                </a:solidFill>
-              </a:rPr>
-              <a:t>=</a:t>
-            </a:r>
-            <a:r>
-              <a:rPr lang="en-US" sz="800" b="1" dirty="0">
-                <a:solidFill>
-                  <a:srgbClr val="008000"/>
-                </a:solidFill>
-              </a:rPr>
-              <a:t>"@</a:t>
-            </a:r>
-            <a:r>
-              <a:rPr lang="en-US" sz="800" b="1" dirty="0" err="1">
-                <a:solidFill>
-                  <a:srgbClr val="008000"/>
-                </a:solidFill>
-              </a:rPr>
-              <a:t>dimen</a:t>
-            </a:r>
-            <a:r>
-              <a:rPr lang="en-US" sz="800" b="1" dirty="0">
-                <a:solidFill>
-                  <a:srgbClr val="008000"/>
-                </a:solidFill>
-              </a:rPr>
-              <a:t>/</a:t>
-            </a:r>
-            <a:r>
-              <a:rPr lang="en-US" sz="800" b="1" dirty="0" err="1">
-                <a:solidFill>
-                  <a:srgbClr val="008000"/>
-                </a:solidFill>
-              </a:rPr>
-              <a:t>activity_vertical_margin</a:t>
-            </a:r>
-            <a:r>
-              <a:rPr lang="en-US" sz="800" b="1" dirty="0">
-                <a:solidFill>
-                  <a:srgbClr val="008000"/>
-                </a:solidFill>
-              </a:rPr>
-              <a:t>"</a:t>
-            </a:r>
-            <a:br>
-              <a:rPr lang="en-US" sz="800" b="1" dirty="0">
-                <a:solidFill>
-                  <a:srgbClr val="008000"/>
-                </a:solidFill>
-              </a:rPr>
-            </a:br>
-            <a:r>
-              <a:rPr lang="en-US" sz="800" b="1" dirty="0">
-                <a:solidFill>
-                  <a:srgbClr val="008000"/>
-                </a:solidFill>
-              </a:rPr>
-              <a:t>    </a:t>
-            </a:r>
-            <a:r>
-              <a:rPr lang="en-US" sz="800" b="1" dirty="0" err="1">
-                <a:solidFill>
-                  <a:srgbClr val="660E7A"/>
-                </a:solidFill>
-              </a:rPr>
-              <a:t>tools</a:t>
-            </a:r>
-            <a:r>
-              <a:rPr lang="en-US" sz="800" b="1" dirty="0" err="1">
-                <a:solidFill>
-                  <a:srgbClr val="0000FF"/>
-                </a:solidFill>
-              </a:rPr>
-              <a:t>:context</a:t>
-            </a:r>
-            <a:r>
-              <a:rPr lang="en-US" sz="800" b="1" dirty="0">
-                <a:solidFill>
-                  <a:srgbClr val="0000FF"/>
-                </a:solidFill>
-              </a:rPr>
-              <a:t>=</a:t>
-            </a:r>
-            <a:r>
-              <a:rPr lang="en-US" sz="800" b="1" dirty="0">
-                <a:solidFill>
-                  <a:srgbClr val="008000"/>
-                </a:solidFill>
-              </a:rPr>
-              <a:t>"</a:t>
-            </a:r>
-            <a:r>
-              <a:rPr lang="en-US" sz="800" b="1" dirty="0" err="1">
-                <a:solidFill>
-                  <a:srgbClr val="008000"/>
-                </a:solidFill>
-              </a:rPr>
-              <a:t>com.example.iamjo.cookieclicker.MainActivity</a:t>
-            </a:r>
-            <a:r>
-              <a:rPr lang="en-US" sz="800" b="1" dirty="0">
-                <a:solidFill>
-                  <a:srgbClr val="008000"/>
-                </a:solidFill>
-              </a:rPr>
-              <a:t>"</a:t>
-            </a:r>
-            <a:r>
-              <a:rPr lang="en-US" sz="800" dirty="0"/>
-              <a:t>&gt;</a:t>
-            </a:r>
-            <a:br>
-              <a:rPr lang="en-US" sz="800" dirty="0"/>
-            </a:br>
-            <a:r>
-              <a:rPr lang="en-US" sz="800" dirty="0"/>
-              <a:t/>
-            </a:r>
-            <a:br>
-              <a:rPr lang="en-US" sz="800" dirty="0"/>
-            </a:br>
-            <a:r>
-              <a:rPr lang="en-US" sz="800" dirty="0"/>
-              <a:t>    &lt;</a:t>
-            </a:r>
-            <a:r>
-              <a:rPr lang="en-US" sz="800" b="1" dirty="0" err="1">
-                <a:solidFill>
-                  <a:srgbClr val="000080"/>
-                </a:solidFill>
-              </a:rPr>
-              <a:t>TextView</a:t>
-            </a:r>
-            <a:r>
-              <a:rPr lang="en-US" sz="800" b="1" dirty="0">
-                <a:solidFill>
-                  <a:srgbClr val="000080"/>
-                </a:solidFill>
-              </a:rPr>
-              <a:t/>
-            </a:r>
-            <a:br>
-              <a:rPr lang="en-US" sz="800" b="1" dirty="0">
-                <a:solidFill>
-                  <a:srgbClr val="000080"/>
-                </a:solidFill>
-              </a:rPr>
-            </a:br>
-            <a:r>
-              <a:rPr lang="en-US" sz="800" b="1" dirty="0">
-                <a:solidFill>
-                  <a:srgbClr val="000080"/>
-                </a:solidFill>
-              </a:rPr>
-              <a:t>        </a:t>
-            </a:r>
-            <a:r>
-              <a:rPr lang="en-US" sz="800" b="1" dirty="0" err="1">
-                <a:solidFill>
-                  <a:srgbClr val="660E7A"/>
-                </a:solidFill>
-              </a:rPr>
-              <a:t>android</a:t>
-            </a:r>
-            <a:r>
-              <a:rPr lang="en-US" sz="800" b="1" dirty="0" err="1">
-                <a:solidFill>
-                  <a:srgbClr val="0000FF"/>
-                </a:solidFill>
-              </a:rPr>
-              <a:t>:layout_width</a:t>
-            </a:r>
-            <a:r>
-              <a:rPr lang="en-US" sz="800" b="1" dirty="0">
-                <a:solidFill>
-                  <a:srgbClr val="0000FF"/>
-                </a:solidFill>
-              </a:rPr>
-              <a:t>=</a:t>
-            </a:r>
-            <a:r>
-              <a:rPr lang="en-US" sz="800" b="1" dirty="0">
-                <a:solidFill>
-                  <a:srgbClr val="008000"/>
-                </a:solidFill>
-              </a:rPr>
-              <a:t>"</a:t>
-            </a:r>
-            <a:r>
-              <a:rPr lang="en-US" sz="800" b="1" dirty="0" err="1">
-                <a:solidFill>
-                  <a:srgbClr val="008000"/>
-                </a:solidFill>
-              </a:rPr>
-              <a:t>wrap_content</a:t>
-            </a:r>
-            <a:r>
-              <a:rPr lang="en-US" sz="800" b="1" dirty="0">
-                <a:solidFill>
-                  <a:srgbClr val="008000"/>
-                </a:solidFill>
-              </a:rPr>
-              <a:t>"</a:t>
-            </a:r>
-            <a:br>
-              <a:rPr lang="en-US" sz="800" b="1" dirty="0">
-                <a:solidFill>
-                  <a:srgbClr val="008000"/>
-                </a:solidFill>
-              </a:rPr>
-            </a:br>
-            <a:r>
-              <a:rPr lang="en-US" sz="800" b="1" dirty="0">
-                <a:solidFill>
-                  <a:srgbClr val="008000"/>
-                </a:solidFill>
-              </a:rPr>
-              <a:t>        </a:t>
-            </a:r>
-            <a:r>
-              <a:rPr lang="en-US" sz="800" b="1" dirty="0" err="1">
-                <a:solidFill>
-                  <a:srgbClr val="660E7A"/>
-                </a:solidFill>
-              </a:rPr>
-              <a:t>android</a:t>
-            </a:r>
-            <a:r>
-              <a:rPr lang="en-US" sz="800" b="1" dirty="0" err="1">
-                <a:solidFill>
-                  <a:srgbClr val="0000FF"/>
-                </a:solidFill>
-              </a:rPr>
-              <a:t>:layout_height</a:t>
-            </a:r>
-            <a:r>
-              <a:rPr lang="en-US" sz="800" b="1" dirty="0">
-                <a:solidFill>
-                  <a:srgbClr val="0000FF"/>
-                </a:solidFill>
-              </a:rPr>
-              <a:t>=</a:t>
-            </a:r>
-            <a:r>
-              <a:rPr lang="en-US" sz="800" b="1" dirty="0">
-                <a:solidFill>
-                  <a:srgbClr val="008000"/>
-                </a:solidFill>
-              </a:rPr>
-              <a:t>"</a:t>
-            </a:r>
-            <a:r>
-              <a:rPr lang="en-US" sz="800" b="1" dirty="0" err="1">
-                <a:solidFill>
-                  <a:srgbClr val="008000"/>
-                </a:solidFill>
-              </a:rPr>
-              <a:t>wrap_content</a:t>
-            </a:r>
-            <a:r>
-              <a:rPr lang="en-US" sz="800" b="1" dirty="0">
-                <a:solidFill>
-                  <a:srgbClr val="008000"/>
-                </a:solidFill>
-              </a:rPr>
-              <a:t>"</a:t>
-            </a:r>
-            <a:br>
-              <a:rPr lang="en-US" sz="800" b="1" dirty="0">
-                <a:solidFill>
-                  <a:srgbClr val="008000"/>
-                </a:solidFill>
-              </a:rPr>
-            </a:br>
-            <a:r>
-              <a:rPr lang="en-US" sz="800" b="1" dirty="0">
-                <a:solidFill>
-                  <a:srgbClr val="008000"/>
-                </a:solidFill>
-              </a:rPr>
-              <a:t>        </a:t>
-            </a:r>
-            <a:r>
-              <a:rPr lang="en-US" sz="800" b="1" dirty="0" err="1">
-                <a:solidFill>
-                  <a:srgbClr val="660E7A"/>
-                </a:solidFill>
-              </a:rPr>
-              <a:t>android</a:t>
-            </a:r>
-            <a:r>
-              <a:rPr lang="en-US" sz="800" b="1" dirty="0" err="1">
-                <a:solidFill>
-                  <a:srgbClr val="0000FF"/>
-                </a:solidFill>
-              </a:rPr>
-              <a:t>:textAppearance</a:t>
-            </a:r>
-            <a:r>
-              <a:rPr lang="en-US" sz="800" b="1" dirty="0">
-                <a:solidFill>
-                  <a:srgbClr val="0000FF"/>
-                </a:solidFill>
-              </a:rPr>
-              <a:t>=</a:t>
-            </a:r>
-            <a:r>
-              <a:rPr lang="en-US" sz="800" b="1" dirty="0">
-                <a:solidFill>
-                  <a:srgbClr val="008000"/>
-                </a:solidFill>
-              </a:rPr>
-              <a:t>"?</a:t>
-            </a:r>
-            <a:r>
-              <a:rPr lang="en-US" sz="800" b="1" dirty="0" err="1">
-                <a:solidFill>
-                  <a:srgbClr val="008000"/>
-                </a:solidFill>
-              </a:rPr>
-              <a:t>android:attr</a:t>
-            </a:r>
-            <a:r>
-              <a:rPr lang="en-US" sz="800" b="1" dirty="0">
-                <a:solidFill>
-                  <a:srgbClr val="008000"/>
-                </a:solidFill>
-              </a:rPr>
-              <a:t>/</a:t>
-            </a:r>
-            <a:r>
-              <a:rPr lang="en-US" sz="800" b="1" dirty="0" err="1">
-                <a:solidFill>
-                  <a:srgbClr val="008000"/>
-                </a:solidFill>
-              </a:rPr>
-              <a:t>textAppearanceLarge</a:t>
-            </a:r>
-            <a:r>
-              <a:rPr lang="en-US" sz="800" b="1" dirty="0">
-                <a:solidFill>
-                  <a:srgbClr val="008000"/>
-                </a:solidFill>
-              </a:rPr>
-              <a:t>"</a:t>
-            </a:r>
-            <a:br>
-              <a:rPr lang="en-US" sz="800" b="1" dirty="0">
-                <a:solidFill>
-                  <a:srgbClr val="008000"/>
-                </a:solidFill>
-              </a:rPr>
-            </a:br>
-            <a:r>
-              <a:rPr lang="en-US" sz="800" b="1" dirty="0">
-                <a:solidFill>
-                  <a:srgbClr val="008000"/>
-                </a:solidFill>
-              </a:rPr>
-              <a:t>        </a:t>
-            </a:r>
-            <a:r>
-              <a:rPr lang="en-US" sz="800" b="1" dirty="0" err="1">
-                <a:solidFill>
-                  <a:srgbClr val="660E7A"/>
-                </a:solidFill>
-              </a:rPr>
-              <a:t>android</a:t>
-            </a:r>
-            <a:r>
-              <a:rPr lang="en-US" sz="800" b="1" dirty="0" err="1">
-                <a:solidFill>
-                  <a:srgbClr val="0000FF"/>
-                </a:solidFill>
-              </a:rPr>
-              <a:t>:text</a:t>
-            </a:r>
-            <a:r>
-              <a:rPr lang="en-US" sz="800" b="1" dirty="0">
-                <a:solidFill>
-                  <a:srgbClr val="0000FF"/>
-                </a:solidFill>
-              </a:rPr>
-              <a:t>=</a:t>
-            </a:r>
-            <a:r>
-              <a:rPr lang="en-US" sz="800" b="1" dirty="0">
-                <a:solidFill>
-                  <a:srgbClr val="008000"/>
-                </a:solidFill>
-              </a:rPr>
-              <a:t>"Points: 0"</a:t>
-            </a:r>
-            <a:br>
-              <a:rPr lang="en-US" sz="800" b="1" dirty="0">
-                <a:solidFill>
-                  <a:srgbClr val="008000"/>
-                </a:solidFill>
-              </a:rPr>
-            </a:br>
-            <a:r>
-              <a:rPr lang="en-US" sz="800" b="1" dirty="0">
-                <a:solidFill>
-                  <a:srgbClr val="008000"/>
-                </a:solidFill>
-              </a:rPr>
-              <a:t>        </a:t>
-            </a:r>
-            <a:r>
-              <a:rPr lang="en-US" sz="800" b="1" dirty="0" err="1">
-                <a:solidFill>
-                  <a:srgbClr val="660E7A"/>
-                </a:solidFill>
-              </a:rPr>
-              <a:t>android</a:t>
-            </a:r>
-            <a:r>
-              <a:rPr lang="en-US" sz="800" b="1" dirty="0" err="1">
-                <a:solidFill>
-                  <a:srgbClr val="0000FF"/>
-                </a:solidFill>
-              </a:rPr>
-              <a:t>:id</a:t>
-            </a:r>
-            <a:r>
-              <a:rPr lang="en-US" sz="800" b="1" dirty="0">
-                <a:solidFill>
-                  <a:srgbClr val="0000FF"/>
-                </a:solidFill>
-              </a:rPr>
-              <a:t>=</a:t>
-            </a:r>
-            <a:r>
-              <a:rPr lang="en-US" sz="800" b="1" dirty="0">
-                <a:solidFill>
-                  <a:srgbClr val="008000"/>
-                </a:solidFill>
-              </a:rPr>
-              <a:t>"@+id/</a:t>
-            </a:r>
-            <a:r>
-              <a:rPr lang="en-US" sz="800" b="1" dirty="0" err="1">
-                <a:solidFill>
-                  <a:srgbClr val="008000"/>
-                </a:solidFill>
-              </a:rPr>
-              <a:t>tvPoints</a:t>
-            </a:r>
-            <a:r>
-              <a:rPr lang="en-US" sz="800" b="1" dirty="0">
-                <a:solidFill>
-                  <a:srgbClr val="008000"/>
-                </a:solidFill>
-              </a:rPr>
-              <a:t>"</a:t>
-            </a:r>
-            <a:br>
-              <a:rPr lang="en-US" sz="800" b="1" dirty="0">
-                <a:solidFill>
-                  <a:srgbClr val="008000"/>
-                </a:solidFill>
-              </a:rPr>
-            </a:br>
-            <a:r>
-              <a:rPr lang="en-US" sz="800" b="1" dirty="0">
-                <a:solidFill>
-                  <a:srgbClr val="008000"/>
-                </a:solidFill>
-              </a:rPr>
-              <a:t>        </a:t>
-            </a:r>
-            <a:r>
-              <a:rPr lang="en-US" sz="800" b="1" dirty="0" err="1">
-                <a:solidFill>
-                  <a:srgbClr val="660E7A"/>
-                </a:solidFill>
-              </a:rPr>
-              <a:t>android</a:t>
-            </a:r>
-            <a:r>
-              <a:rPr lang="en-US" sz="800" b="1" dirty="0" err="1">
-                <a:solidFill>
-                  <a:srgbClr val="0000FF"/>
-                </a:solidFill>
-              </a:rPr>
-              <a:t>:layout_alignParentTop</a:t>
-            </a:r>
-            <a:r>
-              <a:rPr lang="en-US" sz="800" b="1" dirty="0">
-                <a:solidFill>
-                  <a:srgbClr val="0000FF"/>
-                </a:solidFill>
-              </a:rPr>
-              <a:t>=</a:t>
-            </a:r>
-            <a:r>
-              <a:rPr lang="en-US" sz="800" b="1" dirty="0">
-                <a:solidFill>
-                  <a:srgbClr val="008000"/>
-                </a:solidFill>
-              </a:rPr>
-              <a:t>"true"</a:t>
-            </a:r>
-            <a:br>
-              <a:rPr lang="en-US" sz="800" b="1" dirty="0">
-                <a:solidFill>
-                  <a:srgbClr val="008000"/>
-                </a:solidFill>
-              </a:rPr>
-            </a:br>
-            <a:r>
-              <a:rPr lang="en-US" sz="800" b="1" dirty="0">
-                <a:solidFill>
-                  <a:srgbClr val="008000"/>
-                </a:solidFill>
-              </a:rPr>
-              <a:t>        </a:t>
-            </a:r>
-            <a:r>
-              <a:rPr lang="en-US" sz="800" b="1" dirty="0" err="1">
-                <a:solidFill>
-                  <a:srgbClr val="660E7A"/>
-                </a:solidFill>
-              </a:rPr>
-              <a:t>android</a:t>
-            </a:r>
-            <a:r>
-              <a:rPr lang="en-US" sz="800" b="1" dirty="0" err="1">
-                <a:solidFill>
-                  <a:srgbClr val="0000FF"/>
-                </a:solidFill>
-              </a:rPr>
-              <a:t>:layout_centerHorizontal</a:t>
-            </a:r>
-            <a:r>
-              <a:rPr lang="en-US" sz="800" b="1" dirty="0">
-                <a:solidFill>
-                  <a:srgbClr val="0000FF"/>
-                </a:solidFill>
-              </a:rPr>
-              <a:t>=</a:t>
-            </a:r>
-            <a:r>
-              <a:rPr lang="en-US" sz="800" b="1" dirty="0">
-                <a:solidFill>
-                  <a:srgbClr val="008000"/>
-                </a:solidFill>
-              </a:rPr>
-              <a:t>"true"</a:t>
-            </a:r>
-            <a:br>
-              <a:rPr lang="en-US" sz="800" b="1" dirty="0">
-                <a:solidFill>
-                  <a:srgbClr val="008000"/>
-                </a:solidFill>
-              </a:rPr>
-            </a:br>
-            <a:r>
-              <a:rPr lang="en-US" sz="800" b="1" dirty="0">
-                <a:solidFill>
-                  <a:srgbClr val="008000"/>
-                </a:solidFill>
-              </a:rPr>
-              <a:t>        </a:t>
-            </a:r>
-            <a:r>
-              <a:rPr lang="en-US" sz="800" b="1" dirty="0" err="1">
-                <a:solidFill>
-                  <a:srgbClr val="660E7A"/>
-                </a:solidFill>
-              </a:rPr>
-              <a:t>android</a:t>
-            </a:r>
-            <a:r>
-              <a:rPr lang="en-US" sz="800" b="1" dirty="0" err="1">
-                <a:solidFill>
-                  <a:srgbClr val="0000FF"/>
-                </a:solidFill>
-              </a:rPr>
-              <a:t>:layout_marginTop</a:t>
-            </a:r>
-            <a:r>
-              <a:rPr lang="en-US" sz="800" b="1" dirty="0">
-                <a:solidFill>
-                  <a:srgbClr val="0000FF"/>
-                </a:solidFill>
-              </a:rPr>
-              <a:t>=</a:t>
-            </a:r>
-            <a:r>
-              <a:rPr lang="en-US" sz="800" b="1" dirty="0">
-                <a:solidFill>
-                  <a:srgbClr val="008000"/>
-                </a:solidFill>
-              </a:rPr>
-              <a:t>"101dp" </a:t>
-            </a:r>
-            <a:r>
-              <a:rPr lang="en-US" sz="800" dirty="0"/>
-              <a:t>/&gt;</a:t>
-            </a:r>
-            <a:br>
-              <a:rPr lang="en-US" sz="800" dirty="0"/>
-            </a:br>
-            <a:r>
-              <a:rPr lang="en-US" sz="800" dirty="0"/>
-              <a:t/>
-            </a:r>
-            <a:br>
-              <a:rPr lang="en-US" sz="800" dirty="0"/>
-            </a:br>
-            <a:r>
-              <a:rPr lang="en-US" sz="800" dirty="0"/>
-              <a:t>    &lt;</a:t>
-            </a:r>
-            <a:r>
-              <a:rPr lang="en-US" sz="800" b="1" dirty="0">
-                <a:solidFill>
-                  <a:srgbClr val="000080"/>
-                </a:solidFill>
-              </a:rPr>
-              <a:t>Button</a:t>
-            </a:r>
-            <a:br>
-              <a:rPr lang="en-US" sz="800" b="1" dirty="0">
-                <a:solidFill>
-                  <a:srgbClr val="000080"/>
-                </a:solidFill>
-              </a:rPr>
-            </a:br>
-            <a:r>
-              <a:rPr lang="en-US" sz="800" b="1" dirty="0">
-                <a:solidFill>
-                  <a:srgbClr val="000080"/>
-                </a:solidFill>
-              </a:rPr>
-              <a:t>        </a:t>
-            </a:r>
-            <a:r>
-              <a:rPr lang="en-US" sz="800" b="1" dirty="0" err="1">
-                <a:solidFill>
-                  <a:srgbClr val="660E7A"/>
-                </a:solidFill>
-              </a:rPr>
-              <a:t>android</a:t>
-            </a:r>
-            <a:r>
-              <a:rPr lang="en-US" sz="800" b="1" dirty="0" err="1">
-                <a:solidFill>
-                  <a:srgbClr val="0000FF"/>
-                </a:solidFill>
-              </a:rPr>
-              <a:t>:layout_width</a:t>
-            </a:r>
-            <a:r>
-              <a:rPr lang="en-US" sz="800" b="1" dirty="0">
-                <a:solidFill>
-                  <a:srgbClr val="0000FF"/>
-                </a:solidFill>
-              </a:rPr>
-              <a:t>=</a:t>
-            </a:r>
-            <a:r>
-              <a:rPr lang="en-US" sz="800" b="1" dirty="0">
-                <a:solidFill>
-                  <a:srgbClr val="008000"/>
-                </a:solidFill>
-              </a:rPr>
-              <a:t>"</a:t>
-            </a:r>
-            <a:r>
-              <a:rPr lang="en-US" sz="800" b="1" dirty="0" err="1">
-                <a:solidFill>
-                  <a:srgbClr val="008000"/>
-                </a:solidFill>
-              </a:rPr>
-              <a:t>wrap_content</a:t>
-            </a:r>
-            <a:r>
-              <a:rPr lang="en-US" sz="800" b="1" dirty="0">
-                <a:solidFill>
-                  <a:srgbClr val="008000"/>
-                </a:solidFill>
-              </a:rPr>
-              <a:t>"</a:t>
-            </a:r>
-            <a:br>
-              <a:rPr lang="en-US" sz="800" b="1" dirty="0">
-                <a:solidFill>
-                  <a:srgbClr val="008000"/>
-                </a:solidFill>
-              </a:rPr>
-            </a:br>
-            <a:r>
-              <a:rPr lang="en-US" sz="800" b="1" dirty="0">
-                <a:solidFill>
-                  <a:srgbClr val="008000"/>
-                </a:solidFill>
-              </a:rPr>
-              <a:t>        </a:t>
-            </a:r>
-            <a:r>
-              <a:rPr lang="en-US" sz="800" b="1" dirty="0" err="1">
-                <a:solidFill>
-                  <a:srgbClr val="660E7A"/>
-                </a:solidFill>
-              </a:rPr>
-              <a:t>android</a:t>
-            </a:r>
-            <a:r>
-              <a:rPr lang="en-US" sz="800" b="1" dirty="0" err="1">
-                <a:solidFill>
-                  <a:srgbClr val="0000FF"/>
-                </a:solidFill>
-              </a:rPr>
-              <a:t>:layout_height</a:t>
-            </a:r>
-            <a:r>
-              <a:rPr lang="en-US" sz="800" b="1" dirty="0">
-                <a:solidFill>
-                  <a:srgbClr val="0000FF"/>
-                </a:solidFill>
-              </a:rPr>
-              <a:t>=</a:t>
-            </a:r>
-            <a:r>
-              <a:rPr lang="en-US" sz="800" b="1" dirty="0">
-                <a:solidFill>
-                  <a:srgbClr val="008000"/>
-                </a:solidFill>
-              </a:rPr>
-              <a:t>"</a:t>
-            </a:r>
-            <a:r>
-              <a:rPr lang="en-US" sz="800" b="1" dirty="0" err="1">
-                <a:solidFill>
-                  <a:srgbClr val="008000"/>
-                </a:solidFill>
-              </a:rPr>
-              <a:t>wrap_content</a:t>
-            </a:r>
-            <a:r>
-              <a:rPr lang="en-US" sz="800" b="1" dirty="0">
-                <a:solidFill>
-                  <a:srgbClr val="008000"/>
-                </a:solidFill>
-              </a:rPr>
-              <a:t>"</a:t>
-            </a:r>
-            <a:br>
-              <a:rPr lang="en-US" sz="800" b="1" dirty="0">
-                <a:solidFill>
-                  <a:srgbClr val="008000"/>
-                </a:solidFill>
-              </a:rPr>
-            </a:br>
-            <a:r>
-              <a:rPr lang="en-US" sz="800" b="1" dirty="0">
-                <a:solidFill>
-                  <a:srgbClr val="008000"/>
-                </a:solidFill>
-              </a:rPr>
-              <a:t>        </a:t>
-            </a:r>
-            <a:r>
-              <a:rPr lang="en-US" sz="800" b="1" dirty="0" err="1">
-                <a:solidFill>
-                  <a:srgbClr val="660E7A"/>
-                </a:solidFill>
-              </a:rPr>
-              <a:t>android</a:t>
-            </a:r>
-            <a:r>
-              <a:rPr lang="en-US" sz="800" b="1" dirty="0" err="1">
-                <a:solidFill>
-                  <a:srgbClr val="0000FF"/>
-                </a:solidFill>
-              </a:rPr>
-              <a:t>:text</a:t>
-            </a:r>
-            <a:r>
-              <a:rPr lang="en-US" sz="800" b="1" dirty="0">
-                <a:solidFill>
-                  <a:srgbClr val="0000FF"/>
-                </a:solidFill>
-              </a:rPr>
-              <a:t>=</a:t>
-            </a:r>
-            <a:r>
-              <a:rPr lang="en-US" sz="800" b="1" dirty="0">
-                <a:solidFill>
-                  <a:srgbClr val="008000"/>
-                </a:solidFill>
-              </a:rPr>
-              <a:t>"Click"</a:t>
-            </a:r>
-            <a:br>
-              <a:rPr lang="en-US" sz="800" b="1" dirty="0">
-                <a:solidFill>
-                  <a:srgbClr val="008000"/>
-                </a:solidFill>
-              </a:rPr>
-            </a:br>
-            <a:r>
-              <a:rPr lang="en-US" sz="800" b="1" dirty="0">
-                <a:solidFill>
-                  <a:srgbClr val="008000"/>
-                </a:solidFill>
-              </a:rPr>
-              <a:t>        </a:t>
-            </a:r>
-            <a:r>
-              <a:rPr lang="en-US" sz="800" b="1" dirty="0" err="1">
-                <a:solidFill>
-                  <a:srgbClr val="660E7A"/>
-                </a:solidFill>
-              </a:rPr>
-              <a:t>android</a:t>
-            </a:r>
-            <a:r>
-              <a:rPr lang="en-US" sz="800" b="1" dirty="0" err="1">
-                <a:solidFill>
-                  <a:srgbClr val="0000FF"/>
-                </a:solidFill>
-              </a:rPr>
-              <a:t>:id</a:t>
-            </a:r>
-            <a:r>
-              <a:rPr lang="en-US" sz="800" b="1" dirty="0">
-                <a:solidFill>
-                  <a:srgbClr val="0000FF"/>
-                </a:solidFill>
-              </a:rPr>
-              <a:t>=</a:t>
-            </a:r>
-            <a:r>
-              <a:rPr lang="en-US" sz="800" b="1" dirty="0">
-                <a:solidFill>
-                  <a:srgbClr val="008000"/>
-                </a:solidFill>
-              </a:rPr>
-              <a:t>"@+id/</a:t>
-            </a:r>
-            <a:r>
-              <a:rPr lang="en-US" sz="800" b="1" dirty="0" err="1">
-                <a:solidFill>
-                  <a:srgbClr val="008000"/>
-                </a:solidFill>
-              </a:rPr>
-              <a:t>btnPoints</a:t>
-            </a:r>
-            <a:r>
-              <a:rPr lang="en-US" sz="800" b="1" dirty="0">
-                <a:solidFill>
-                  <a:srgbClr val="008000"/>
-                </a:solidFill>
-              </a:rPr>
-              <a:t>"</a:t>
-            </a:r>
-            <a:br>
-              <a:rPr lang="en-US" sz="800" b="1" dirty="0">
-                <a:solidFill>
-                  <a:srgbClr val="008000"/>
-                </a:solidFill>
-              </a:rPr>
-            </a:br>
-            <a:r>
-              <a:rPr lang="en-US" sz="800" b="1" dirty="0">
-                <a:solidFill>
-                  <a:srgbClr val="008000"/>
-                </a:solidFill>
-              </a:rPr>
-              <a:t>        </a:t>
-            </a:r>
-            <a:r>
-              <a:rPr lang="en-US" sz="800" b="1" dirty="0" err="1">
-                <a:solidFill>
-                  <a:srgbClr val="660E7A"/>
-                </a:solidFill>
-              </a:rPr>
-              <a:t>android</a:t>
-            </a:r>
-            <a:r>
-              <a:rPr lang="en-US" sz="800" b="1" dirty="0" err="1">
-                <a:solidFill>
-                  <a:srgbClr val="0000FF"/>
-                </a:solidFill>
-              </a:rPr>
-              <a:t>:onClick</a:t>
-            </a:r>
-            <a:r>
-              <a:rPr lang="en-US" sz="800" b="1" dirty="0">
-                <a:solidFill>
-                  <a:srgbClr val="0000FF"/>
-                </a:solidFill>
-              </a:rPr>
-              <a:t>=</a:t>
-            </a:r>
-            <a:r>
-              <a:rPr lang="en-US" sz="800" b="1" dirty="0">
-                <a:solidFill>
-                  <a:srgbClr val="008000"/>
-                </a:solidFill>
-              </a:rPr>
-              <a:t>"</a:t>
-            </a:r>
-            <a:r>
-              <a:rPr lang="en-US" sz="800" b="1" dirty="0" err="1">
-                <a:solidFill>
-                  <a:srgbClr val="008000"/>
-                </a:solidFill>
-              </a:rPr>
-              <a:t>btnClick</a:t>
-            </a:r>
-            <a:r>
-              <a:rPr lang="en-US" sz="800" b="1" dirty="0">
-                <a:solidFill>
-                  <a:srgbClr val="008000"/>
-                </a:solidFill>
-              </a:rPr>
-              <a:t>"</a:t>
-            </a:r>
-            <a:br>
-              <a:rPr lang="en-US" sz="800" b="1" dirty="0">
-                <a:solidFill>
-                  <a:srgbClr val="008000"/>
-                </a:solidFill>
-              </a:rPr>
-            </a:br>
-            <a:r>
-              <a:rPr lang="en-US" sz="800" b="1" dirty="0">
-                <a:solidFill>
-                  <a:srgbClr val="008000"/>
-                </a:solidFill>
-              </a:rPr>
-              <a:t>        </a:t>
-            </a:r>
-            <a:r>
-              <a:rPr lang="en-US" sz="800" b="1" dirty="0" err="1">
-                <a:solidFill>
-                  <a:srgbClr val="660E7A"/>
-                </a:solidFill>
-              </a:rPr>
-              <a:t>android</a:t>
-            </a:r>
-            <a:r>
-              <a:rPr lang="en-US" sz="800" b="1" dirty="0" err="1">
-                <a:solidFill>
-                  <a:srgbClr val="0000FF"/>
-                </a:solidFill>
-              </a:rPr>
-              <a:t>:layout_centerVertical</a:t>
-            </a:r>
-            <a:r>
-              <a:rPr lang="en-US" sz="800" b="1" dirty="0">
-                <a:solidFill>
-                  <a:srgbClr val="0000FF"/>
-                </a:solidFill>
-              </a:rPr>
-              <a:t>=</a:t>
-            </a:r>
-            <a:r>
-              <a:rPr lang="en-US" sz="800" b="1" dirty="0">
-                <a:solidFill>
-                  <a:srgbClr val="008000"/>
-                </a:solidFill>
-              </a:rPr>
-              <a:t>"true"</a:t>
-            </a:r>
-            <a:br>
-              <a:rPr lang="en-US" sz="800" b="1" dirty="0">
-                <a:solidFill>
-                  <a:srgbClr val="008000"/>
-                </a:solidFill>
-              </a:rPr>
-            </a:br>
-            <a:r>
-              <a:rPr lang="en-US" sz="800" b="1" dirty="0">
-                <a:solidFill>
-                  <a:srgbClr val="008000"/>
-                </a:solidFill>
-              </a:rPr>
-              <a:t>        </a:t>
-            </a:r>
-            <a:r>
-              <a:rPr lang="en-US" sz="800" b="1" dirty="0" err="1">
-                <a:solidFill>
-                  <a:srgbClr val="660E7A"/>
-                </a:solidFill>
-              </a:rPr>
-              <a:t>android</a:t>
-            </a:r>
-            <a:r>
-              <a:rPr lang="en-US" sz="800" b="1" dirty="0" err="1">
-                <a:solidFill>
-                  <a:srgbClr val="0000FF"/>
-                </a:solidFill>
-              </a:rPr>
-              <a:t>:layout_centerHorizontal</a:t>
-            </a:r>
-            <a:r>
-              <a:rPr lang="en-US" sz="800" b="1" dirty="0">
-                <a:solidFill>
-                  <a:srgbClr val="0000FF"/>
-                </a:solidFill>
-              </a:rPr>
-              <a:t>=</a:t>
-            </a:r>
-            <a:r>
-              <a:rPr lang="en-US" sz="800" b="1" dirty="0">
-                <a:solidFill>
-                  <a:srgbClr val="008000"/>
-                </a:solidFill>
-              </a:rPr>
-              <a:t>"true" </a:t>
-            </a:r>
-            <a:r>
-              <a:rPr lang="en-US" sz="800" dirty="0"/>
-              <a:t>/&gt;</a:t>
-            </a:r>
-            <a:br>
-              <a:rPr lang="en-US" sz="800" dirty="0"/>
-            </a:br>
-            <a:r>
-              <a:rPr lang="en-US" sz="800" dirty="0"/>
-              <a:t/>
-            </a:r>
-            <a:br>
-              <a:rPr lang="en-US" sz="800" dirty="0"/>
-            </a:br>
-            <a:r>
-              <a:rPr lang="en-US" sz="800" dirty="0"/>
-              <a:t>    &lt;</a:t>
-            </a:r>
-            <a:r>
-              <a:rPr lang="en-US" sz="800" b="1" dirty="0">
-                <a:solidFill>
-                  <a:srgbClr val="000080"/>
-                </a:solidFill>
-              </a:rPr>
-              <a:t>Button</a:t>
-            </a:r>
-            <a:br>
-              <a:rPr lang="en-US" sz="800" b="1" dirty="0">
-                <a:solidFill>
-                  <a:srgbClr val="000080"/>
-                </a:solidFill>
-              </a:rPr>
-            </a:br>
-            <a:r>
-              <a:rPr lang="en-US" sz="800" b="1" dirty="0">
-                <a:solidFill>
-                  <a:srgbClr val="000080"/>
-                </a:solidFill>
-              </a:rPr>
-              <a:t>        </a:t>
-            </a:r>
-            <a:r>
-              <a:rPr lang="en-US" sz="800" b="1" dirty="0" err="1">
-                <a:solidFill>
-                  <a:srgbClr val="660E7A"/>
-                </a:solidFill>
-              </a:rPr>
-              <a:t>android</a:t>
-            </a:r>
-            <a:r>
-              <a:rPr lang="en-US" sz="800" b="1" dirty="0" err="1">
-                <a:solidFill>
-                  <a:srgbClr val="0000FF"/>
-                </a:solidFill>
-              </a:rPr>
-              <a:t>:layout_width</a:t>
-            </a:r>
-            <a:r>
-              <a:rPr lang="en-US" sz="800" b="1" dirty="0">
-                <a:solidFill>
-                  <a:srgbClr val="0000FF"/>
-                </a:solidFill>
-              </a:rPr>
-              <a:t>=</a:t>
-            </a:r>
-            <a:r>
-              <a:rPr lang="en-US" sz="800" b="1" dirty="0">
-                <a:solidFill>
-                  <a:srgbClr val="008000"/>
-                </a:solidFill>
-              </a:rPr>
-              <a:t>"</a:t>
-            </a:r>
-            <a:r>
-              <a:rPr lang="en-US" sz="800" b="1" dirty="0" err="1">
-                <a:solidFill>
-                  <a:srgbClr val="008000"/>
-                </a:solidFill>
-              </a:rPr>
-              <a:t>wrap_content</a:t>
-            </a:r>
-            <a:r>
-              <a:rPr lang="en-US" sz="800" b="1" dirty="0">
-                <a:solidFill>
-                  <a:srgbClr val="008000"/>
-                </a:solidFill>
-              </a:rPr>
-              <a:t>"</a:t>
-            </a:r>
-            <a:br>
-              <a:rPr lang="en-US" sz="800" b="1" dirty="0">
-                <a:solidFill>
-                  <a:srgbClr val="008000"/>
-                </a:solidFill>
-              </a:rPr>
-            </a:br>
-            <a:r>
-              <a:rPr lang="en-US" sz="800" b="1" dirty="0">
-                <a:solidFill>
-                  <a:srgbClr val="008000"/>
-                </a:solidFill>
-              </a:rPr>
-              <a:t>        </a:t>
-            </a:r>
-            <a:r>
-              <a:rPr lang="en-US" sz="800" b="1" dirty="0" err="1">
-                <a:solidFill>
-                  <a:srgbClr val="660E7A"/>
-                </a:solidFill>
-              </a:rPr>
-              <a:t>android</a:t>
-            </a:r>
-            <a:r>
-              <a:rPr lang="en-US" sz="800" b="1" dirty="0" err="1">
-                <a:solidFill>
-                  <a:srgbClr val="0000FF"/>
-                </a:solidFill>
-              </a:rPr>
-              <a:t>:layout_height</a:t>
-            </a:r>
-            <a:r>
-              <a:rPr lang="en-US" sz="800" b="1" dirty="0">
-                <a:solidFill>
-                  <a:srgbClr val="0000FF"/>
-                </a:solidFill>
-              </a:rPr>
-              <a:t>=</a:t>
-            </a:r>
-            <a:r>
-              <a:rPr lang="en-US" sz="800" b="1" dirty="0">
-                <a:solidFill>
-                  <a:srgbClr val="008000"/>
-                </a:solidFill>
-              </a:rPr>
-              <a:t>"</a:t>
-            </a:r>
-            <a:r>
-              <a:rPr lang="en-US" sz="800" b="1" dirty="0" err="1">
-                <a:solidFill>
-                  <a:srgbClr val="008000"/>
-                </a:solidFill>
-              </a:rPr>
-              <a:t>wrap_content</a:t>
-            </a:r>
-            <a:r>
-              <a:rPr lang="en-US" sz="800" b="1" dirty="0">
-                <a:solidFill>
-                  <a:srgbClr val="008000"/>
-                </a:solidFill>
-              </a:rPr>
-              <a:t>"</a:t>
-            </a:r>
-            <a:br>
-              <a:rPr lang="en-US" sz="800" b="1" dirty="0">
-                <a:solidFill>
-                  <a:srgbClr val="008000"/>
-                </a:solidFill>
-              </a:rPr>
-            </a:br>
-            <a:r>
-              <a:rPr lang="en-US" sz="800" b="1" dirty="0">
-                <a:solidFill>
-                  <a:srgbClr val="008000"/>
-                </a:solidFill>
-              </a:rPr>
-              <a:t>        </a:t>
-            </a:r>
-            <a:r>
-              <a:rPr lang="en-US" sz="800" b="1" dirty="0" err="1">
-                <a:solidFill>
-                  <a:srgbClr val="660E7A"/>
-                </a:solidFill>
-              </a:rPr>
-              <a:t>android</a:t>
-            </a:r>
-            <a:r>
-              <a:rPr lang="en-US" sz="800" b="1" dirty="0" err="1">
-                <a:solidFill>
-                  <a:srgbClr val="0000FF"/>
-                </a:solidFill>
-              </a:rPr>
-              <a:t>:text</a:t>
-            </a:r>
-            <a:r>
-              <a:rPr lang="en-US" sz="800" b="1" dirty="0">
-                <a:solidFill>
-                  <a:srgbClr val="0000FF"/>
-                </a:solidFill>
-              </a:rPr>
-              <a:t>=</a:t>
-            </a:r>
-            <a:r>
-              <a:rPr lang="en-US" sz="800" b="1" dirty="0">
-                <a:solidFill>
-                  <a:srgbClr val="008000"/>
-                </a:solidFill>
-              </a:rPr>
-              <a:t>"Shop"</a:t>
-            </a:r>
-            <a:br>
-              <a:rPr lang="en-US" sz="800" b="1" dirty="0">
-                <a:solidFill>
-                  <a:srgbClr val="008000"/>
-                </a:solidFill>
-              </a:rPr>
-            </a:br>
-            <a:r>
-              <a:rPr lang="en-US" sz="800" b="1" dirty="0">
-                <a:solidFill>
-                  <a:srgbClr val="008000"/>
-                </a:solidFill>
-              </a:rPr>
-              <a:t>        </a:t>
-            </a:r>
-            <a:r>
-              <a:rPr lang="en-US" sz="800" b="1" dirty="0" err="1">
-                <a:solidFill>
-                  <a:srgbClr val="660E7A"/>
-                </a:solidFill>
-              </a:rPr>
-              <a:t>android</a:t>
-            </a:r>
-            <a:r>
-              <a:rPr lang="en-US" sz="800" b="1" dirty="0" err="1">
-                <a:solidFill>
-                  <a:srgbClr val="0000FF"/>
-                </a:solidFill>
-              </a:rPr>
-              <a:t>:id</a:t>
-            </a:r>
-            <a:r>
-              <a:rPr lang="en-US" sz="800" b="1" dirty="0">
-                <a:solidFill>
-                  <a:srgbClr val="0000FF"/>
-                </a:solidFill>
-              </a:rPr>
-              <a:t>=</a:t>
-            </a:r>
-            <a:r>
-              <a:rPr lang="en-US" sz="800" b="1" dirty="0">
-                <a:solidFill>
-                  <a:srgbClr val="008000"/>
-                </a:solidFill>
-              </a:rPr>
-              <a:t>"@+id/</a:t>
-            </a:r>
-            <a:r>
-              <a:rPr lang="en-US" sz="800" b="1" dirty="0" err="1">
-                <a:solidFill>
-                  <a:srgbClr val="008000"/>
-                </a:solidFill>
-              </a:rPr>
-              <a:t>btnShop</a:t>
-            </a:r>
-            <a:r>
-              <a:rPr lang="en-US" sz="800" b="1" dirty="0">
-                <a:solidFill>
-                  <a:srgbClr val="008000"/>
-                </a:solidFill>
-              </a:rPr>
-              <a:t>"</a:t>
-            </a:r>
-            <a:br>
-              <a:rPr lang="en-US" sz="800" b="1" dirty="0">
-                <a:solidFill>
-                  <a:srgbClr val="008000"/>
-                </a:solidFill>
-              </a:rPr>
-            </a:br>
-            <a:r>
-              <a:rPr lang="en-US" sz="800" b="1" dirty="0">
-                <a:solidFill>
-                  <a:srgbClr val="008000"/>
-                </a:solidFill>
-              </a:rPr>
-              <a:t>        </a:t>
-            </a:r>
-            <a:r>
-              <a:rPr lang="en-US" sz="800" b="1" dirty="0" err="1">
-                <a:solidFill>
-                  <a:srgbClr val="660E7A"/>
-                </a:solidFill>
-              </a:rPr>
-              <a:t>android</a:t>
-            </a:r>
-            <a:r>
-              <a:rPr lang="en-US" sz="800" b="1" dirty="0" err="1">
-                <a:solidFill>
-                  <a:srgbClr val="0000FF"/>
-                </a:solidFill>
-              </a:rPr>
-              <a:t>:onClick</a:t>
-            </a:r>
-            <a:r>
-              <a:rPr lang="en-US" sz="800" b="1" dirty="0">
-                <a:solidFill>
-                  <a:srgbClr val="0000FF"/>
-                </a:solidFill>
-              </a:rPr>
-              <a:t>=</a:t>
-            </a:r>
-            <a:r>
-              <a:rPr lang="en-US" sz="800" b="1" dirty="0">
-                <a:solidFill>
-                  <a:srgbClr val="008000"/>
-                </a:solidFill>
-              </a:rPr>
-              <a:t>"</a:t>
-            </a:r>
-            <a:r>
-              <a:rPr lang="en-US" sz="800" b="1" dirty="0" err="1">
-                <a:solidFill>
-                  <a:srgbClr val="008000"/>
-                </a:solidFill>
-              </a:rPr>
-              <a:t>shopButton</a:t>
-            </a:r>
-            <a:r>
-              <a:rPr lang="en-US" sz="800" b="1" dirty="0">
-                <a:solidFill>
-                  <a:srgbClr val="008000"/>
-                </a:solidFill>
-              </a:rPr>
-              <a:t>"</a:t>
-            </a:r>
-            <a:br>
-              <a:rPr lang="en-US" sz="800" b="1" dirty="0">
-                <a:solidFill>
-                  <a:srgbClr val="008000"/>
-                </a:solidFill>
-              </a:rPr>
-            </a:br>
-            <a:r>
-              <a:rPr lang="en-US" sz="800" b="1" dirty="0">
-                <a:solidFill>
-                  <a:srgbClr val="008000"/>
-                </a:solidFill>
-              </a:rPr>
-              <a:t>        </a:t>
-            </a:r>
-            <a:r>
-              <a:rPr lang="en-US" sz="800" b="1" dirty="0" err="1">
-                <a:solidFill>
-                  <a:srgbClr val="660E7A"/>
-                </a:solidFill>
-              </a:rPr>
-              <a:t>android</a:t>
-            </a:r>
-            <a:r>
-              <a:rPr lang="en-US" sz="800" b="1" dirty="0" err="1">
-                <a:solidFill>
-                  <a:srgbClr val="0000FF"/>
-                </a:solidFill>
-              </a:rPr>
-              <a:t>:layout_alignParentTop</a:t>
-            </a:r>
-            <a:r>
-              <a:rPr lang="en-US" sz="800" b="1" dirty="0">
-                <a:solidFill>
-                  <a:srgbClr val="0000FF"/>
-                </a:solidFill>
-              </a:rPr>
-              <a:t>=</a:t>
-            </a:r>
-            <a:r>
-              <a:rPr lang="en-US" sz="800" b="1" dirty="0">
-                <a:solidFill>
-                  <a:srgbClr val="008000"/>
-                </a:solidFill>
-              </a:rPr>
-              <a:t>"true"</a:t>
-            </a:r>
-            <a:br>
-              <a:rPr lang="en-US" sz="800" b="1" dirty="0">
-                <a:solidFill>
-                  <a:srgbClr val="008000"/>
-                </a:solidFill>
-              </a:rPr>
-            </a:br>
-            <a:r>
-              <a:rPr lang="en-US" sz="800" b="1" dirty="0">
-                <a:solidFill>
-                  <a:srgbClr val="008000"/>
-                </a:solidFill>
-              </a:rPr>
-              <a:t>        </a:t>
-            </a:r>
-            <a:r>
-              <a:rPr lang="en-US" sz="800" b="1" dirty="0" err="1">
-                <a:solidFill>
-                  <a:srgbClr val="660E7A"/>
-                </a:solidFill>
-              </a:rPr>
-              <a:t>android</a:t>
-            </a:r>
-            <a:r>
-              <a:rPr lang="en-US" sz="800" b="1" dirty="0" err="1">
-                <a:solidFill>
-                  <a:srgbClr val="0000FF"/>
-                </a:solidFill>
-              </a:rPr>
-              <a:t>:layout_alignParentRight</a:t>
-            </a:r>
-            <a:r>
-              <a:rPr lang="en-US" sz="800" b="1" dirty="0">
-                <a:solidFill>
-                  <a:srgbClr val="0000FF"/>
-                </a:solidFill>
-              </a:rPr>
-              <a:t>=</a:t>
-            </a:r>
-            <a:r>
-              <a:rPr lang="en-US" sz="800" b="1" dirty="0">
-                <a:solidFill>
-                  <a:srgbClr val="008000"/>
-                </a:solidFill>
-              </a:rPr>
-              <a:t>"true"</a:t>
-            </a:r>
-            <a:br>
-              <a:rPr lang="en-US" sz="800" b="1" dirty="0">
-                <a:solidFill>
-                  <a:srgbClr val="008000"/>
-                </a:solidFill>
-              </a:rPr>
-            </a:br>
-            <a:r>
-              <a:rPr lang="en-US" sz="800" b="1" dirty="0">
-                <a:solidFill>
-                  <a:srgbClr val="008000"/>
-                </a:solidFill>
-              </a:rPr>
-              <a:t>        </a:t>
-            </a:r>
-            <a:r>
-              <a:rPr lang="en-US" sz="800" b="1" dirty="0" err="1">
-                <a:solidFill>
-                  <a:srgbClr val="660E7A"/>
-                </a:solidFill>
-              </a:rPr>
-              <a:t>android</a:t>
-            </a:r>
-            <a:r>
-              <a:rPr lang="en-US" sz="800" b="1" dirty="0" err="1">
-                <a:solidFill>
-                  <a:srgbClr val="0000FF"/>
-                </a:solidFill>
-              </a:rPr>
-              <a:t>:layout_alignParentEnd</a:t>
-            </a:r>
-            <a:r>
-              <a:rPr lang="en-US" sz="800" b="1" dirty="0">
-                <a:solidFill>
-                  <a:srgbClr val="0000FF"/>
-                </a:solidFill>
-              </a:rPr>
-              <a:t>=</a:t>
-            </a:r>
-            <a:r>
-              <a:rPr lang="en-US" sz="800" b="1" dirty="0">
-                <a:solidFill>
-                  <a:srgbClr val="008000"/>
-                </a:solidFill>
-              </a:rPr>
-              <a:t>"true" </a:t>
-            </a:r>
-            <a:r>
-              <a:rPr lang="en-US" sz="800" dirty="0"/>
-              <a:t>/&gt;</a:t>
-            </a:r>
-            <a:br>
-              <a:rPr lang="en-US" sz="800" dirty="0"/>
-            </a:br>
-            <a:r>
-              <a:rPr lang="en-US" sz="800" dirty="0"/>
-              <a:t>&lt;/</a:t>
-            </a:r>
-            <a:r>
-              <a:rPr lang="en-US" sz="800" b="1" dirty="0" err="1">
-                <a:solidFill>
-                  <a:srgbClr val="000080"/>
-                </a:solidFill>
-              </a:rPr>
-              <a:t>RelativeLayout</a:t>
-            </a:r>
-            <a:r>
-              <a:rPr lang="en-US" sz="800" dirty="0"/>
-              <a:t>&gt;</a:t>
+            <a:endParaRPr lang="en-US" dirty="0" smtClean="0"/>
+          </a:p>
+          <a:p>
+            <a:pPr marL="0" indent="0">
+              <a:buNone/>
+            </a:pPr>
+            <a:r>
+              <a:rPr lang="en-US" sz="4800" dirty="0"/>
+              <a:t>Full code at: https://github.com/chang47/AndroidTutorial/blob/master/Lesson3%20Intent/java/net/joshchang/josh/cookieclicker/MainActivity.java</a:t>
             </a:r>
           </a:p>
         </p:txBody>
       </p:sp>
-      <p:pic>
-        <p:nvPicPr>
-          <p:cNvPr id="2049" name="Picture 1" descr="C:\Users\JoshDesktop\OneDrive\Work Things\DubTech\pictures\blog\Intent\2MainActivity.PNG"/>
-          <p:cNvPicPr>
-            <a:picLocks noChangeAspect="1" noChangeArrowheads="1"/>
-          </p:cNvPicPr>
-          <p:nvPr/>
-        </p:nvPicPr>
-        <p:blipFill>
-          <a:blip r:embed="rId2">
-            <a:extLst>
-              <a:ext uri="{28A0092B-C50C-407E-A947-70E740481C1C}">
-                <a14:useLocalDpi xmlns:a14="http://schemas.microsoft.com/office/drawing/2010/main" val="0"/>
-              </a:ext>
-            </a:extLst>
-          </a:blip>
-          <a:srcRect/>
-          <a:stretch>
-            <a:fillRect/>
-          </a:stretch>
-        </p:blipFill>
-        <p:spPr bwMode="auto">
-          <a:xfrm>
-            <a:off x="4876800" y="1371600"/>
-            <a:ext cx="3293729" cy="5259388"/>
-          </a:xfrm>
-          <a:prstGeom prst="rect">
-            <a:avLst/>
-          </a:prstGeom>
-          <a:noFill/>
-          <a:extLst>
-            <a:ext uri="{909E8E84-426E-40DD-AFC4-6F175D3DCCD1}">
-              <a14:hiddenFill xmlns:a14="http://schemas.microsoft.com/office/drawing/2010/main">
-                <a:solidFill>
-                  <a:srgbClr val="FFFFFF"/>
-                </a:solidFill>
-              </a14:hiddenFill>
-            </a:ext>
-          </a:extLst>
-        </p:spPr>
-      </p:pic>
     </p:spTree>
     <p:extLst>
       <p:ext uri="{BB962C8B-B14F-4D97-AF65-F5344CB8AC3E}">
-        <p14:creationId xmlns:p14="http://schemas.microsoft.com/office/powerpoint/2010/main" val="2534770513"/>
+        <p14:creationId xmlns:p14="http://schemas.microsoft.com/office/powerpoint/2010/main" val="535266662"/>
+      </p:ext>
+    </p:extLst>
+  </p:cSld>
+  <p:clrMapOvr>
+    <a:masterClrMapping/>
+  </p:clrMapOvr>
+</p:sld>
+</file>
+
+<file path=ppt/slides/slide13.xml><?xml version="1.0" encoding="utf-8"?>
+<p:sld xmlns:a="http://schemas.openxmlformats.org/drawingml/2006/main" xmlns:r="http://schemas.openxmlformats.org/officeDocument/2006/relationships" xmlns:p="http://schemas.openxmlformats.org/presentationml/2006/main">
+  <p:cSld>
+    <p:spTree>
+      <p:nvGrpSpPr>
+        <p:cNvPr id="1" name=""/>
+        <p:cNvGrpSpPr/>
+        <p:nvPr/>
+      </p:nvGrpSpPr>
+      <p:grpSpPr>
+        <a:xfrm>
+          <a:off x="0" y="0"/>
+          <a:ext cx="0" cy="0"/>
+          <a:chOff x="0" y="0"/>
+          <a:chExt cx="0" cy="0"/>
+        </a:xfrm>
+      </p:grpSpPr>
+      <p:sp>
+        <p:nvSpPr>
+          <p:cNvPr id="2" name="Title 1"/>
+          <p:cNvSpPr>
+            <a:spLocks noGrp="1"/>
+          </p:cNvSpPr>
+          <p:nvPr>
+            <p:ph type="title"/>
+          </p:nvPr>
+        </p:nvSpPr>
+        <p:spPr/>
+        <p:txBody>
+          <a:bodyPr/>
+          <a:lstStyle/>
+          <a:p>
+            <a:r>
+              <a:rPr lang="en-US" dirty="0" smtClean="0"/>
+              <a:t>Last thing!</a:t>
+            </a:r>
+            <a:endParaRPr lang="en-US" dirty="0"/>
+          </a:p>
+        </p:txBody>
+      </p:sp>
+      <p:sp>
+        <p:nvSpPr>
+          <p:cNvPr id="3" name="Content Placeholder 2"/>
+          <p:cNvSpPr>
+            <a:spLocks noGrp="1"/>
+          </p:cNvSpPr>
+          <p:nvPr>
+            <p:ph idx="1"/>
+          </p:nvPr>
+        </p:nvSpPr>
+        <p:spPr/>
+        <p:txBody>
+          <a:bodyPr/>
+          <a:lstStyle/>
+          <a:p>
+            <a:r>
+              <a:rPr lang="en-US" dirty="0" smtClean="0"/>
+              <a:t>Before we run our code we need to tell our app that </a:t>
+            </a:r>
+            <a:r>
+              <a:rPr lang="en-US" dirty="0" err="1" smtClean="0"/>
+              <a:t>ShopActivity</a:t>
+            </a:r>
+            <a:r>
+              <a:rPr lang="en-US" dirty="0" smtClean="0"/>
+              <a:t> exists, otherwise our app will crash.</a:t>
+            </a:r>
+          </a:p>
+          <a:p>
+            <a:r>
+              <a:rPr lang="en-US" dirty="0" smtClean="0"/>
+              <a:t>To do we go to our AndroidManifest.xml and add a new activity:</a:t>
+            </a:r>
+          </a:p>
+          <a:p>
+            <a:pPr marL="0" indent="0">
+              <a:buNone/>
+            </a:pPr>
+            <a:endParaRPr lang="en-US" dirty="0"/>
+          </a:p>
+          <a:p>
+            <a:pPr marL="457200" lvl="1" indent="0">
+              <a:buNone/>
+            </a:pPr>
+            <a:r>
+              <a:rPr lang="en-US" dirty="0"/>
+              <a:t>&lt;</a:t>
+            </a:r>
+            <a:r>
+              <a:rPr lang="en-US" b="1" dirty="0">
+                <a:solidFill>
+                  <a:srgbClr val="000080"/>
+                </a:solidFill>
+              </a:rPr>
+              <a:t>activity </a:t>
+            </a:r>
+            <a:r>
+              <a:rPr lang="en-US" b="1" dirty="0" err="1">
+                <a:solidFill>
+                  <a:srgbClr val="660E7A"/>
+                </a:solidFill>
+              </a:rPr>
+              <a:t>android</a:t>
+            </a:r>
+            <a:r>
+              <a:rPr lang="en-US" b="1" dirty="0" err="1">
+                <a:solidFill>
+                  <a:srgbClr val="0000FF"/>
+                </a:solidFill>
+              </a:rPr>
+              <a:t>:name</a:t>
+            </a:r>
+            <a:r>
+              <a:rPr lang="en-US" b="1" dirty="0">
+                <a:solidFill>
+                  <a:srgbClr val="0000FF"/>
+                </a:solidFill>
+              </a:rPr>
+              <a:t>=</a:t>
+            </a:r>
+            <a:r>
+              <a:rPr lang="en-US" b="1" dirty="0">
+                <a:solidFill>
+                  <a:srgbClr val="008000"/>
+                </a:solidFill>
+              </a:rPr>
+              <a:t>".</a:t>
+            </a:r>
+            <a:r>
+              <a:rPr lang="en-US" b="1" dirty="0" err="1">
+                <a:solidFill>
+                  <a:srgbClr val="008000"/>
+                </a:solidFill>
+              </a:rPr>
+              <a:t>ShopActivity</a:t>
+            </a:r>
+            <a:r>
+              <a:rPr lang="en-US" b="1" dirty="0">
+                <a:solidFill>
+                  <a:srgbClr val="008000"/>
+                </a:solidFill>
+              </a:rPr>
+              <a:t>"</a:t>
+            </a:r>
+            <a:r>
+              <a:rPr lang="en-US" dirty="0"/>
+              <a:t>&gt;&lt;/</a:t>
+            </a:r>
+            <a:r>
+              <a:rPr lang="en-US" b="1" dirty="0">
+                <a:solidFill>
+                  <a:srgbClr val="000080"/>
+                </a:solidFill>
+              </a:rPr>
+              <a:t>activity</a:t>
+            </a:r>
+            <a:r>
+              <a:rPr lang="en-US" dirty="0"/>
+              <a:t>&gt;</a:t>
+            </a:r>
+            <a:endParaRPr lang="en-US" dirty="0"/>
+          </a:p>
+        </p:txBody>
+      </p:sp>
+    </p:spTree>
+    <p:extLst>
+      <p:ext uri="{BB962C8B-B14F-4D97-AF65-F5344CB8AC3E}">
+        <p14:creationId xmlns:p14="http://schemas.microsoft.com/office/powerpoint/2010/main" val="1206186605"/>
+      </p:ext>
+    </p:extLst>
+  </p:cSld>
+  <p:clrMapOvr>
+    <a:masterClrMapping/>
+  </p:clrMapOvr>
+</p:sld>
+</file>
+
+<file path=ppt/slides/slide14.xml><?xml version="1.0" encoding="utf-8"?>
+<p:sld xmlns:a="http://schemas.openxmlformats.org/drawingml/2006/main" xmlns:r="http://schemas.openxmlformats.org/officeDocument/2006/relationships" xmlns:p="http://schemas.openxmlformats.org/presentationml/2006/main">
+  <p:cSld>
+    <p:spTree>
+      <p:nvGrpSpPr>
+        <p:cNvPr id="1" name=""/>
+        <p:cNvGrpSpPr/>
+        <p:nvPr/>
+      </p:nvGrpSpPr>
+      <p:grpSpPr>
+        <a:xfrm>
+          <a:off x="0" y="0"/>
+          <a:ext cx="0" cy="0"/>
+          <a:chOff x="0" y="0"/>
+          <a:chExt cx="0" cy="0"/>
+        </a:xfrm>
+      </p:grpSpPr>
+      <p:sp>
+        <p:nvSpPr>
+          <p:cNvPr id="2" name="Title 1"/>
+          <p:cNvSpPr>
+            <a:spLocks noGrp="1"/>
+          </p:cNvSpPr>
+          <p:nvPr>
+            <p:ph type="ctrTitle"/>
+          </p:nvPr>
+        </p:nvSpPr>
+        <p:spPr/>
+        <p:txBody>
+          <a:bodyPr/>
+          <a:lstStyle/>
+          <a:p>
+            <a:r>
+              <a:rPr lang="en-US" dirty="0" smtClean="0"/>
+              <a:t>Run Your App…</a:t>
+            </a:r>
+            <a:endParaRPr lang="en-US" dirty="0"/>
+          </a:p>
+        </p:txBody>
+      </p:sp>
+      <p:sp>
+        <p:nvSpPr>
+          <p:cNvPr id="4" name="Subtitle 3"/>
+          <p:cNvSpPr>
+            <a:spLocks noGrp="1"/>
+          </p:cNvSpPr>
+          <p:nvPr>
+            <p:ph type="subTitle" idx="1"/>
+          </p:nvPr>
+        </p:nvSpPr>
+        <p:spPr/>
+        <p:txBody>
+          <a:bodyPr/>
+          <a:lstStyle/>
+          <a:p>
+            <a:endParaRPr lang="en-US"/>
+          </a:p>
+        </p:txBody>
+      </p:sp>
+    </p:spTree>
+    <p:extLst>
+      <p:ext uri="{BB962C8B-B14F-4D97-AF65-F5344CB8AC3E}">
+        <p14:creationId xmlns:p14="http://schemas.microsoft.com/office/powerpoint/2010/main" val="1332299568"/>
+      </p:ext>
+    </p:extLst>
+  </p:cSld>
+  <p:clrMapOvr>
+    <a:masterClrMapping/>
+  </p:clrMapOvr>
+</p:sld>
+</file>
+
+<file path=ppt/slides/slide15.xml><?xml version="1.0" encoding="utf-8"?>
+<p:sld xmlns:a="http://schemas.openxmlformats.org/drawingml/2006/main" xmlns:r="http://schemas.openxmlformats.org/officeDocument/2006/relationships" xmlns:p="http://schemas.openxmlformats.org/presentationml/2006/main">
+  <p:cSld>
+    <p:spTree>
+      <p:nvGrpSpPr>
+        <p:cNvPr id="1" name=""/>
+        <p:cNvGrpSpPr/>
+        <p:nvPr/>
+      </p:nvGrpSpPr>
+      <p:grpSpPr>
+        <a:xfrm>
+          <a:off x="0" y="0"/>
+          <a:ext cx="0" cy="0"/>
+          <a:chOff x="0" y="0"/>
+          <a:chExt cx="0" cy="0"/>
+        </a:xfrm>
+      </p:grpSpPr>
+      <p:sp>
+        <p:nvSpPr>
+          <p:cNvPr id="2" name="Title 1"/>
+          <p:cNvSpPr>
+            <a:spLocks noGrp="1"/>
+          </p:cNvSpPr>
+          <p:nvPr>
+            <p:ph type="ctrTitle"/>
+          </p:nvPr>
+        </p:nvSpPr>
+        <p:spPr/>
+        <p:txBody>
+          <a:bodyPr>
+            <a:normAutofit/>
+          </a:bodyPr>
+          <a:lstStyle/>
+          <a:p>
+            <a:r>
+              <a:rPr lang="en-US" dirty="0" smtClean="0"/>
+              <a:t>Now You’re an Activity Switching Ninja!</a:t>
+            </a:r>
+            <a:endParaRPr lang="en-US" dirty="0"/>
+          </a:p>
+        </p:txBody>
+      </p:sp>
+      <p:sp>
+        <p:nvSpPr>
+          <p:cNvPr id="4" name="Subtitle 3"/>
+          <p:cNvSpPr>
+            <a:spLocks noGrp="1"/>
+          </p:cNvSpPr>
+          <p:nvPr>
+            <p:ph type="subTitle" idx="1"/>
+          </p:nvPr>
+        </p:nvSpPr>
+        <p:spPr/>
+        <p:txBody>
+          <a:bodyPr/>
+          <a:lstStyle/>
+          <a:p>
+            <a:endParaRPr lang="en-US" dirty="0"/>
+          </a:p>
+        </p:txBody>
+      </p:sp>
+    </p:spTree>
+    <p:extLst>
+      <p:ext uri="{BB962C8B-B14F-4D97-AF65-F5344CB8AC3E}">
+        <p14:creationId xmlns:p14="http://schemas.microsoft.com/office/powerpoint/2010/main" val="2060465650"/>
       </p:ext>
     </p:extLst>
   </p:cSld>
@@ -7871,6 +10922,9 @@
           </a:bodyPr>
           <a:lstStyle/>
           <a:p>
+            <a:pPr marL="0" indent="0">
+              <a:buNone/>
+            </a:pPr>
             <a:r>
               <a:rPr lang="en-US" i="1" dirty="0"/>
               <a:t>&lt;?</a:t>
